--- a/Module I/01/01.pptx
+++ b/Module I/01/01.pptx
@@ -5,10 +5,11 @@
     <p:sldMasterId id="2147483648" r:id="rId1"/>
   </p:sldMasterIdLst>
   <p:notesMasterIdLst>
-    <p:notesMasterId r:id="rId3"/>
+    <p:notesMasterId r:id="rId4"/>
   </p:notesMasterIdLst>
   <p:sldIdLst>
     <p:sldId id="256" r:id="rId2"/>
+    <p:sldId id="257" r:id="rId3"/>
   </p:sldIdLst>
   <p:sldSz cx="12192000" cy="6858000"/>
   <p:notesSz cx="6858000" cy="9144000"/>
@@ -3700,10 +3701,2749 @@
           <a:chExt cx="0" cy="0"/>
         </a:xfrm>
       </p:grpSpPr>
+      <p:sp>
+        <p:nvSpPr>
+          <p:cNvPr id="2" name="Rectangle: Rounded Corners 1">
+            <a:extLst>
+              <a:ext uri="{FF2B5EF4-FFF2-40B4-BE49-F238E27FC236}">
+                <a16:creationId xmlns:a16="http://schemas.microsoft.com/office/drawing/2014/main" id="{61D3333B-E1F1-AD62-448F-AFE32A7EACBE}"/>
+              </a:ext>
+            </a:extLst>
+          </p:cNvPr>
+          <p:cNvSpPr/>
+          <p:nvPr/>
+        </p:nvSpPr>
+        <p:spPr>
+          <a:xfrm>
+            <a:off x="1204111" y="1113576"/>
+            <a:ext cx="1430447" cy="841973"/>
+          </a:xfrm>
+          <a:prstGeom prst="roundRect">
+            <a:avLst/>
+          </a:prstGeom>
+          <a:noFill/>
+        </p:spPr>
+        <p:style>
+          <a:lnRef idx="2">
+            <a:schemeClr val="accent1">
+              <a:shade val="15000"/>
+            </a:schemeClr>
+          </a:lnRef>
+          <a:fillRef idx="1">
+            <a:schemeClr val="accent1"/>
+          </a:fillRef>
+          <a:effectRef idx="0">
+            <a:schemeClr val="accent1"/>
+          </a:effectRef>
+          <a:fontRef idx="minor">
+            <a:schemeClr val="lt1"/>
+          </a:fontRef>
+        </p:style>
+        <p:txBody>
+          <a:bodyPr rtlCol="0" anchor="ctr"/>
+          <a:lstStyle/>
+          <a:p>
+            <a:pPr algn="ctr"/>
+            <a:endParaRPr lang="es-419">
+              <a:latin typeface="Arial" panose="020B0604020202020204" pitchFamily="34" charset="0"/>
+              <a:cs typeface="Arial" panose="020B0604020202020204" pitchFamily="34" charset="0"/>
+            </a:endParaRPr>
+          </a:p>
+        </p:txBody>
+      </p:sp>
+      <p:sp>
+        <p:nvSpPr>
+          <p:cNvPr id="3" name="Parallelogram 2">
+            <a:extLst>
+              <a:ext uri="{FF2B5EF4-FFF2-40B4-BE49-F238E27FC236}">
+                <a16:creationId xmlns:a16="http://schemas.microsoft.com/office/drawing/2014/main" id="{87E3A4BA-EA58-0A1F-0DA5-DF079F22BD3D}"/>
+              </a:ext>
+            </a:extLst>
+          </p:cNvPr>
+          <p:cNvSpPr/>
+          <p:nvPr/>
+        </p:nvSpPr>
+        <p:spPr>
+          <a:xfrm>
+            <a:off x="1204111" y="2064190"/>
+            <a:ext cx="1430447" cy="380245"/>
+          </a:xfrm>
+          <a:prstGeom prst="parallelogram">
+            <a:avLst/>
+          </a:prstGeom>
+          <a:noFill/>
+        </p:spPr>
+        <p:style>
+          <a:lnRef idx="2">
+            <a:schemeClr val="accent1">
+              <a:shade val="15000"/>
+            </a:schemeClr>
+          </a:lnRef>
+          <a:fillRef idx="1">
+            <a:schemeClr val="accent1"/>
+          </a:fillRef>
+          <a:effectRef idx="0">
+            <a:schemeClr val="accent1"/>
+          </a:effectRef>
+          <a:fontRef idx="minor">
+            <a:schemeClr val="lt1"/>
+          </a:fontRef>
+        </p:style>
+        <p:txBody>
+          <a:bodyPr rtlCol="0" anchor="ctr"/>
+          <a:lstStyle/>
+          <a:p>
+            <a:pPr algn="ctr"/>
+            <a:endParaRPr lang="es-419">
+              <a:latin typeface="Arial" panose="020B0604020202020204" pitchFamily="34" charset="0"/>
+              <a:cs typeface="Arial" panose="020B0604020202020204" pitchFamily="34" charset="0"/>
+            </a:endParaRPr>
+          </a:p>
+        </p:txBody>
+      </p:sp>
+      <p:sp>
+        <p:nvSpPr>
+          <p:cNvPr id="4" name="TextBox 3">
+            <a:extLst>
+              <a:ext uri="{FF2B5EF4-FFF2-40B4-BE49-F238E27FC236}">
+                <a16:creationId xmlns:a16="http://schemas.microsoft.com/office/drawing/2014/main" id="{38C008BC-375E-3329-FBEC-E0CE5842F223}"/>
+              </a:ext>
+            </a:extLst>
+          </p:cNvPr>
+          <p:cNvSpPr txBox="1"/>
+          <p:nvPr/>
+        </p:nvSpPr>
+        <p:spPr>
+          <a:xfrm>
+            <a:off x="1354756" y="1113576"/>
+            <a:ext cx="582211" cy="369332"/>
+          </a:xfrm>
+          <a:prstGeom prst="rect">
+            <a:avLst/>
+          </a:prstGeom>
+          <a:noFill/>
+        </p:spPr>
+        <p:txBody>
+          <a:bodyPr wrap="none" rtlCol="0">
+            <a:spAutoFit/>
+          </a:bodyPr>
+          <a:lstStyle/>
+          <a:p>
+            <a:r>
+              <a:rPr lang="es-419" dirty="0" err="1">
+                <a:latin typeface="Arial" panose="020B0604020202020204" pitchFamily="34" charset="0"/>
+                <a:cs typeface="Arial" panose="020B0604020202020204" pitchFamily="34" charset="0"/>
+              </a:rPr>
+              <a:t>Win</a:t>
+            </a:r>
+            <a:endParaRPr lang="es-419" dirty="0">
+              <a:latin typeface="Arial" panose="020B0604020202020204" pitchFamily="34" charset="0"/>
+              <a:cs typeface="Arial" panose="020B0604020202020204" pitchFamily="34" charset="0"/>
+            </a:endParaRPr>
+          </a:p>
+        </p:txBody>
+      </p:sp>
+      <p:sp>
+        <p:nvSpPr>
+          <p:cNvPr id="5" name="TextBox 4">
+            <a:extLst>
+              <a:ext uri="{FF2B5EF4-FFF2-40B4-BE49-F238E27FC236}">
+                <a16:creationId xmlns:a16="http://schemas.microsoft.com/office/drawing/2014/main" id="{B3FB9BD7-B194-5BA4-5B2B-C3F673470A07}"/>
+              </a:ext>
+            </a:extLst>
+          </p:cNvPr>
+          <p:cNvSpPr txBox="1"/>
+          <p:nvPr/>
+        </p:nvSpPr>
+        <p:spPr>
+          <a:xfrm>
+            <a:off x="2016890" y="1543616"/>
+            <a:ext cx="556563" cy="369332"/>
+          </a:xfrm>
+          <a:prstGeom prst="rect">
+            <a:avLst/>
+          </a:prstGeom>
+          <a:noFill/>
+        </p:spPr>
+        <p:txBody>
+          <a:bodyPr wrap="none" rtlCol="0">
+            <a:spAutoFit/>
+          </a:bodyPr>
+          <a:lstStyle/>
+          <a:p>
+            <a:r>
+              <a:rPr lang="es-419" dirty="0">
+                <a:latin typeface="Arial" panose="020B0604020202020204" pitchFamily="34" charset="0"/>
+                <a:cs typeface="Arial" panose="020B0604020202020204" pitchFamily="34" charset="0"/>
+              </a:rPr>
+              <a:t>exe</a:t>
+            </a:r>
+          </a:p>
+        </p:txBody>
+      </p:sp>
+      <p:sp>
+        <p:nvSpPr>
+          <p:cNvPr id="6" name="TextBox 5">
+            <a:extLst>
+              <a:ext uri="{FF2B5EF4-FFF2-40B4-BE49-F238E27FC236}">
+                <a16:creationId xmlns:a16="http://schemas.microsoft.com/office/drawing/2014/main" id="{36DD09EE-FAD3-5840-FF5C-28DD82533944}"/>
+              </a:ext>
+            </a:extLst>
+          </p:cNvPr>
+          <p:cNvSpPr txBox="1"/>
+          <p:nvPr/>
+        </p:nvSpPr>
+        <p:spPr>
+          <a:xfrm>
+            <a:off x="1090225" y="706171"/>
+            <a:ext cx="774571" cy="369332"/>
+          </a:xfrm>
+          <a:prstGeom prst="rect">
+            <a:avLst/>
+          </a:prstGeom>
+          <a:noFill/>
+        </p:spPr>
+        <p:txBody>
+          <a:bodyPr wrap="none" rtlCol="0">
+            <a:spAutoFit/>
+          </a:bodyPr>
+          <a:lstStyle/>
+          <a:p>
+            <a:r>
+              <a:rPr lang="es-419" dirty="0">
+                <a:latin typeface="Arial" panose="020B0604020202020204" pitchFamily="34" charset="0"/>
+                <a:cs typeface="Arial" panose="020B0604020202020204" pitchFamily="34" charset="0"/>
+              </a:rPr>
+              <a:t>Client</a:t>
+            </a:r>
+          </a:p>
+        </p:txBody>
+      </p:sp>
+      <p:sp>
+        <p:nvSpPr>
+          <p:cNvPr id="7" name="Rectangle 6">
+            <a:extLst>
+              <a:ext uri="{FF2B5EF4-FFF2-40B4-BE49-F238E27FC236}">
+                <a16:creationId xmlns:a16="http://schemas.microsoft.com/office/drawing/2014/main" id="{AF10129F-662F-03F1-070F-C347008A3AE3}"/>
+              </a:ext>
+            </a:extLst>
+          </p:cNvPr>
+          <p:cNvSpPr/>
+          <p:nvPr/>
+        </p:nvSpPr>
+        <p:spPr>
+          <a:xfrm>
+            <a:off x="4725909" y="733331"/>
+            <a:ext cx="3322622" cy="1865014"/>
+          </a:xfrm>
+          <a:prstGeom prst="rect">
+            <a:avLst/>
+          </a:prstGeom>
+          <a:noFill/>
+        </p:spPr>
+        <p:style>
+          <a:lnRef idx="2">
+            <a:schemeClr val="accent1">
+              <a:shade val="15000"/>
+            </a:schemeClr>
+          </a:lnRef>
+          <a:fillRef idx="1">
+            <a:schemeClr val="accent1"/>
+          </a:fillRef>
+          <a:effectRef idx="0">
+            <a:schemeClr val="accent1"/>
+          </a:effectRef>
+          <a:fontRef idx="minor">
+            <a:schemeClr val="lt1"/>
+          </a:fontRef>
+        </p:style>
+        <p:txBody>
+          <a:bodyPr rtlCol="0" anchor="ctr"/>
+          <a:lstStyle/>
+          <a:p>
+            <a:pPr algn="ctr"/>
+            <a:endParaRPr lang="es-419">
+              <a:latin typeface="Arial" panose="020B0604020202020204" pitchFamily="34" charset="0"/>
+              <a:cs typeface="Arial" panose="020B0604020202020204" pitchFamily="34" charset="0"/>
+            </a:endParaRPr>
+          </a:p>
+        </p:txBody>
+      </p:sp>
+      <p:sp>
+        <p:nvSpPr>
+          <p:cNvPr id="8" name="TextBox 7">
+            <a:extLst>
+              <a:ext uri="{FF2B5EF4-FFF2-40B4-BE49-F238E27FC236}">
+                <a16:creationId xmlns:a16="http://schemas.microsoft.com/office/drawing/2014/main" id="{76751DA2-1295-C4B6-A11A-4D8B3D39BB48}"/>
+              </a:ext>
+            </a:extLst>
+          </p:cNvPr>
+          <p:cNvSpPr txBox="1"/>
+          <p:nvPr/>
+        </p:nvSpPr>
+        <p:spPr>
+          <a:xfrm>
+            <a:off x="5097101" y="1113576"/>
+            <a:ext cx="738792" cy="923330"/>
+          </a:xfrm>
+          <a:prstGeom prst="rect">
+            <a:avLst/>
+          </a:prstGeom>
+          <a:noFill/>
+        </p:spPr>
+        <p:txBody>
+          <a:bodyPr wrap="none" rtlCol="0">
+            <a:spAutoFit/>
+          </a:bodyPr>
+          <a:lstStyle/>
+          <a:p>
+            <a:r>
+              <a:rPr lang="es-419" dirty="0"/>
+              <a:t>VB</a:t>
+            </a:r>
+          </a:p>
+          <a:p>
+            <a:r>
+              <a:rPr lang="es-419" dirty="0" err="1"/>
+              <a:t>VFPro</a:t>
+            </a:r>
+            <a:endParaRPr lang="es-419" dirty="0"/>
+          </a:p>
+          <a:p>
+            <a:r>
+              <a:rPr lang="es-419" dirty="0"/>
+              <a:t>VC++</a:t>
+            </a:r>
+          </a:p>
+        </p:txBody>
+      </p:sp>
+      <p:sp>
+        <p:nvSpPr>
+          <p:cNvPr id="9" name="Arrow: Left 8">
+            <a:extLst>
+              <a:ext uri="{FF2B5EF4-FFF2-40B4-BE49-F238E27FC236}">
+                <a16:creationId xmlns:a16="http://schemas.microsoft.com/office/drawing/2014/main" id="{6B99D5EC-6E84-43CC-F4E7-48EFAAAC0B74}"/>
+              </a:ext>
+            </a:extLst>
+          </p:cNvPr>
+          <p:cNvSpPr/>
+          <p:nvPr/>
+        </p:nvSpPr>
+        <p:spPr>
+          <a:xfrm>
+            <a:off x="3340729" y="1412341"/>
+            <a:ext cx="1086416" cy="543208"/>
+          </a:xfrm>
+          <a:prstGeom prst="leftArrow">
+            <a:avLst/>
+          </a:prstGeom>
+          <a:noFill/>
+        </p:spPr>
+        <p:style>
+          <a:lnRef idx="2">
+            <a:schemeClr val="accent1">
+              <a:shade val="15000"/>
+            </a:schemeClr>
+          </a:lnRef>
+          <a:fillRef idx="1">
+            <a:schemeClr val="accent1"/>
+          </a:fillRef>
+          <a:effectRef idx="0">
+            <a:schemeClr val="accent1"/>
+          </a:effectRef>
+          <a:fontRef idx="minor">
+            <a:schemeClr val="lt1"/>
+          </a:fontRef>
+        </p:style>
+        <p:txBody>
+          <a:bodyPr rtlCol="0" anchor="ctr"/>
+          <a:lstStyle/>
+          <a:p>
+            <a:pPr algn="ctr"/>
+            <a:endParaRPr lang="es-419">
+              <a:latin typeface="Arial" panose="020B0604020202020204" pitchFamily="34" charset="0"/>
+              <a:cs typeface="Arial" panose="020B0604020202020204" pitchFamily="34" charset="0"/>
+            </a:endParaRPr>
+          </a:p>
+        </p:txBody>
+      </p:sp>
+      <p:sp>
+        <p:nvSpPr>
+          <p:cNvPr id="10" name="TextBox 9">
+            <a:extLst>
+              <a:ext uri="{FF2B5EF4-FFF2-40B4-BE49-F238E27FC236}">
+                <a16:creationId xmlns:a16="http://schemas.microsoft.com/office/drawing/2014/main" id="{7CCD3A46-34C0-7048-D22F-569ABD32E1D8}"/>
+              </a:ext>
+            </a:extLst>
+          </p:cNvPr>
+          <p:cNvSpPr txBox="1"/>
+          <p:nvPr/>
+        </p:nvSpPr>
+        <p:spPr>
+          <a:xfrm>
+            <a:off x="3631271" y="1043009"/>
+            <a:ext cx="556563" cy="369332"/>
+          </a:xfrm>
+          <a:prstGeom prst="rect">
+            <a:avLst/>
+          </a:prstGeom>
+          <a:noFill/>
+        </p:spPr>
+        <p:txBody>
+          <a:bodyPr wrap="none" rtlCol="0">
+            <a:spAutoFit/>
+          </a:bodyPr>
+          <a:lstStyle/>
+          <a:p>
+            <a:r>
+              <a:rPr lang="es-419" dirty="0">
+                <a:latin typeface="Arial" panose="020B0604020202020204" pitchFamily="34" charset="0"/>
+                <a:cs typeface="Arial" panose="020B0604020202020204" pitchFamily="34" charset="0"/>
+              </a:rPr>
+              <a:t>exe</a:t>
+            </a:r>
+          </a:p>
+        </p:txBody>
+      </p:sp>
+      <p:sp>
+        <p:nvSpPr>
+          <p:cNvPr id="11" name="Cylinder 10">
+            <a:extLst>
+              <a:ext uri="{FF2B5EF4-FFF2-40B4-BE49-F238E27FC236}">
+                <a16:creationId xmlns:a16="http://schemas.microsoft.com/office/drawing/2014/main" id="{5D2B6D73-C731-5278-B44B-6E6B5B19B24F}"/>
+              </a:ext>
+            </a:extLst>
+          </p:cNvPr>
+          <p:cNvSpPr/>
+          <p:nvPr/>
+        </p:nvSpPr>
+        <p:spPr>
+          <a:xfrm>
+            <a:off x="4843604" y="2824681"/>
+            <a:ext cx="688063" cy="778598"/>
+          </a:xfrm>
+          <a:prstGeom prst="can">
+            <a:avLst/>
+          </a:prstGeom>
+          <a:noFill/>
+        </p:spPr>
+        <p:style>
+          <a:lnRef idx="2">
+            <a:schemeClr val="accent1">
+              <a:shade val="15000"/>
+            </a:schemeClr>
+          </a:lnRef>
+          <a:fillRef idx="1">
+            <a:schemeClr val="accent1"/>
+          </a:fillRef>
+          <a:effectRef idx="0">
+            <a:schemeClr val="accent1"/>
+          </a:effectRef>
+          <a:fontRef idx="minor">
+            <a:schemeClr val="lt1"/>
+          </a:fontRef>
+        </p:style>
+        <p:txBody>
+          <a:bodyPr rtlCol="0" anchor="ctr"/>
+          <a:lstStyle/>
+          <a:p>
+            <a:pPr algn="ctr"/>
+            <a:r>
+              <a:rPr lang="es-419" dirty="0">
+                <a:solidFill>
+                  <a:sysClr val="windowText" lastClr="000000"/>
+                </a:solidFill>
+                <a:latin typeface="Arial" panose="020B0604020202020204" pitchFamily="34" charset="0"/>
+                <a:cs typeface="Arial" panose="020B0604020202020204" pitchFamily="34" charset="0"/>
+              </a:rPr>
+              <a:t>BD</a:t>
+            </a:r>
+          </a:p>
+        </p:txBody>
+      </p:sp>
+      <p:cxnSp>
+        <p:nvCxnSpPr>
+          <p:cNvPr id="12" name="Straight Arrow Connector 11">
+            <a:extLst>
+              <a:ext uri="{FF2B5EF4-FFF2-40B4-BE49-F238E27FC236}">
+                <a16:creationId xmlns:a16="http://schemas.microsoft.com/office/drawing/2014/main" id="{0378F081-C932-199E-CDB9-041DF43312E9}"/>
+              </a:ext>
+            </a:extLst>
+          </p:cNvPr>
+          <p:cNvCxnSpPr>
+            <a:endCxn id="11" idx="2"/>
+          </p:cNvCxnSpPr>
+          <p:nvPr/>
+        </p:nvCxnSpPr>
+        <p:spPr>
+          <a:xfrm>
+            <a:off x="2587027" y="2254313"/>
+            <a:ext cx="2256577" cy="959667"/>
+          </a:xfrm>
+          <a:prstGeom prst="straightConnector1">
+            <a:avLst/>
+          </a:prstGeom>
+          <a:ln>
+            <a:tailEnd type="triangle"/>
+          </a:ln>
+        </p:spPr>
+        <p:style>
+          <a:lnRef idx="1">
+            <a:schemeClr val="accent1"/>
+          </a:lnRef>
+          <a:fillRef idx="0">
+            <a:schemeClr val="accent1"/>
+          </a:fillRef>
+          <a:effectRef idx="0">
+            <a:schemeClr val="accent1"/>
+          </a:effectRef>
+          <a:fontRef idx="minor">
+            <a:schemeClr val="tx1"/>
+          </a:fontRef>
+        </p:style>
+      </p:cxnSp>
+      <p:sp>
+        <p:nvSpPr>
+          <p:cNvPr id="13" name="TextBox 12">
+            <a:extLst>
+              <a:ext uri="{FF2B5EF4-FFF2-40B4-BE49-F238E27FC236}">
+                <a16:creationId xmlns:a16="http://schemas.microsoft.com/office/drawing/2014/main" id="{5FD60C9D-B4E2-C36E-03D4-277334EA43BA}"/>
+              </a:ext>
+            </a:extLst>
+          </p:cNvPr>
+          <p:cNvSpPr txBox="1"/>
+          <p:nvPr/>
+        </p:nvSpPr>
+        <p:spPr>
+          <a:xfrm>
+            <a:off x="4725909" y="336839"/>
+            <a:ext cx="1847622" cy="369332"/>
+          </a:xfrm>
+          <a:prstGeom prst="rect">
+            <a:avLst/>
+          </a:prstGeom>
+          <a:noFill/>
+        </p:spPr>
+        <p:txBody>
+          <a:bodyPr wrap="none" rtlCol="0">
+            <a:spAutoFit/>
+          </a:bodyPr>
+          <a:lstStyle/>
+          <a:p>
+            <a:r>
+              <a:rPr lang="es-419" dirty="0">
+                <a:latin typeface="Arial" panose="020B0604020202020204" pitchFamily="34" charset="0"/>
+                <a:cs typeface="Arial" panose="020B0604020202020204" pitchFamily="34" charset="0"/>
+              </a:rPr>
+              <a:t>Visual Studio 98</a:t>
+            </a:r>
+          </a:p>
+        </p:txBody>
+      </p:sp>
+      <p:cxnSp>
+        <p:nvCxnSpPr>
+          <p:cNvPr id="14" name="Straight Connector 13">
+            <a:extLst>
+              <a:ext uri="{FF2B5EF4-FFF2-40B4-BE49-F238E27FC236}">
+                <a16:creationId xmlns:a16="http://schemas.microsoft.com/office/drawing/2014/main" id="{25A609B1-44FB-22A3-BDCE-AC3541A0AD3A}"/>
+              </a:ext>
+            </a:extLst>
+          </p:cNvPr>
+          <p:cNvCxnSpPr/>
+          <p:nvPr/>
+        </p:nvCxnSpPr>
+        <p:spPr>
+          <a:xfrm>
+            <a:off x="8311081" y="336839"/>
+            <a:ext cx="0" cy="5900999"/>
+          </a:xfrm>
+          <a:prstGeom prst="line">
+            <a:avLst/>
+          </a:prstGeom>
+        </p:spPr>
+        <p:style>
+          <a:lnRef idx="1">
+            <a:schemeClr val="accent1"/>
+          </a:lnRef>
+          <a:fillRef idx="0">
+            <a:schemeClr val="accent1"/>
+          </a:fillRef>
+          <a:effectRef idx="0">
+            <a:schemeClr val="accent1"/>
+          </a:effectRef>
+          <a:fontRef idx="minor">
+            <a:schemeClr val="tx1"/>
+          </a:fontRef>
+        </p:style>
+      </p:cxnSp>
+      <p:sp>
+        <p:nvSpPr>
+          <p:cNvPr id="15" name="TextBox 14">
+            <a:extLst>
+              <a:ext uri="{FF2B5EF4-FFF2-40B4-BE49-F238E27FC236}">
+                <a16:creationId xmlns:a16="http://schemas.microsoft.com/office/drawing/2014/main" id="{74DF53A1-5E22-11CA-9316-A1E3C6015A98}"/>
+              </a:ext>
+            </a:extLst>
+          </p:cNvPr>
+          <p:cNvSpPr txBox="1"/>
+          <p:nvPr/>
+        </p:nvSpPr>
+        <p:spPr>
+          <a:xfrm>
+            <a:off x="8986499" y="1113576"/>
+            <a:ext cx="540597" cy="1200329"/>
+          </a:xfrm>
+          <a:prstGeom prst="rect">
+            <a:avLst/>
+          </a:prstGeom>
+          <a:noFill/>
+        </p:spPr>
+        <p:txBody>
+          <a:bodyPr wrap="none" rtlCol="0">
+            <a:spAutoFit/>
+          </a:bodyPr>
+          <a:lstStyle/>
+          <a:p>
+            <a:r>
+              <a:rPr lang="es-419" dirty="0"/>
+              <a:t>C#</a:t>
+            </a:r>
+          </a:p>
+          <a:p>
+            <a:r>
+              <a:rPr lang="es-419" dirty="0"/>
+              <a:t>VB</a:t>
+            </a:r>
+          </a:p>
+          <a:p>
+            <a:r>
+              <a:rPr lang="es-419" dirty="0"/>
+              <a:t>C++</a:t>
+            </a:r>
+          </a:p>
+          <a:p>
+            <a:r>
+              <a:rPr lang="es-419" dirty="0"/>
+              <a:t>J#</a:t>
+            </a:r>
+          </a:p>
+        </p:txBody>
+      </p:sp>
+      <p:sp>
+        <p:nvSpPr>
+          <p:cNvPr id="16" name="Rectangle 15">
+            <a:extLst>
+              <a:ext uri="{FF2B5EF4-FFF2-40B4-BE49-F238E27FC236}">
+                <a16:creationId xmlns:a16="http://schemas.microsoft.com/office/drawing/2014/main" id="{D9559B7B-0A54-EF13-9E97-DB8D3F23AA60}"/>
+              </a:ext>
+            </a:extLst>
+          </p:cNvPr>
+          <p:cNvSpPr/>
+          <p:nvPr/>
+        </p:nvSpPr>
+        <p:spPr>
+          <a:xfrm>
+            <a:off x="8615307" y="733331"/>
+            <a:ext cx="3322622" cy="1865014"/>
+          </a:xfrm>
+          <a:prstGeom prst="rect">
+            <a:avLst/>
+          </a:prstGeom>
+          <a:noFill/>
+        </p:spPr>
+        <p:style>
+          <a:lnRef idx="2">
+            <a:schemeClr val="accent1">
+              <a:shade val="15000"/>
+            </a:schemeClr>
+          </a:lnRef>
+          <a:fillRef idx="1">
+            <a:schemeClr val="accent1"/>
+          </a:fillRef>
+          <a:effectRef idx="0">
+            <a:schemeClr val="accent1"/>
+          </a:effectRef>
+          <a:fontRef idx="minor">
+            <a:schemeClr val="lt1"/>
+          </a:fontRef>
+        </p:style>
+        <p:txBody>
+          <a:bodyPr rtlCol="0" anchor="ctr"/>
+          <a:lstStyle/>
+          <a:p>
+            <a:pPr algn="ctr"/>
+            <a:endParaRPr lang="es-419">
+              <a:latin typeface="Arial" panose="020B0604020202020204" pitchFamily="34" charset="0"/>
+              <a:cs typeface="Arial" panose="020B0604020202020204" pitchFamily="34" charset="0"/>
+            </a:endParaRPr>
+          </a:p>
+        </p:txBody>
+      </p:sp>
+      <p:sp>
+        <p:nvSpPr>
+          <p:cNvPr id="17" name="Arrow: Down 16">
+            <a:extLst>
+              <a:ext uri="{FF2B5EF4-FFF2-40B4-BE49-F238E27FC236}">
+                <a16:creationId xmlns:a16="http://schemas.microsoft.com/office/drawing/2014/main" id="{A074FD87-5813-2A75-857F-BEF27CA24CE3}"/>
+              </a:ext>
+            </a:extLst>
+          </p:cNvPr>
+          <p:cNvSpPr/>
+          <p:nvPr/>
+        </p:nvSpPr>
+        <p:spPr>
+          <a:xfrm>
+            <a:off x="9995308" y="2723745"/>
+            <a:ext cx="683825" cy="665956"/>
+          </a:xfrm>
+          <a:prstGeom prst="downArrow">
+            <a:avLst/>
+          </a:prstGeom>
+          <a:noFill/>
+        </p:spPr>
+        <p:style>
+          <a:lnRef idx="2">
+            <a:schemeClr val="accent1">
+              <a:shade val="15000"/>
+            </a:schemeClr>
+          </a:lnRef>
+          <a:fillRef idx="1">
+            <a:schemeClr val="accent1"/>
+          </a:fillRef>
+          <a:effectRef idx="0">
+            <a:schemeClr val="accent1"/>
+          </a:effectRef>
+          <a:fontRef idx="minor">
+            <a:schemeClr val="lt1"/>
+          </a:fontRef>
+        </p:style>
+        <p:txBody>
+          <a:bodyPr rtlCol="0" anchor="ctr"/>
+          <a:lstStyle/>
+          <a:p>
+            <a:pPr algn="ctr"/>
+            <a:endParaRPr lang="es-419" dirty="0"/>
+          </a:p>
+        </p:txBody>
+      </p:sp>
+      <p:sp>
+        <p:nvSpPr>
+          <p:cNvPr id="18" name="TextBox 17">
+            <a:extLst>
+              <a:ext uri="{FF2B5EF4-FFF2-40B4-BE49-F238E27FC236}">
+                <a16:creationId xmlns:a16="http://schemas.microsoft.com/office/drawing/2014/main" id="{A462C470-4847-C54F-2ECB-43BC920C3C90}"/>
+              </a:ext>
+            </a:extLst>
+          </p:cNvPr>
+          <p:cNvSpPr txBox="1"/>
+          <p:nvPr/>
+        </p:nvSpPr>
+        <p:spPr>
+          <a:xfrm>
+            <a:off x="8986499" y="3369749"/>
+            <a:ext cx="2701445" cy="369332"/>
+          </a:xfrm>
+          <a:prstGeom prst="rect">
+            <a:avLst/>
+          </a:prstGeom>
+          <a:noFill/>
+        </p:spPr>
+        <p:txBody>
+          <a:bodyPr wrap="none" rtlCol="0">
+            <a:spAutoFit/>
+          </a:bodyPr>
+          <a:lstStyle/>
+          <a:p>
+            <a:r>
+              <a:rPr lang="es-419" dirty="0"/>
+              <a:t>IL (</a:t>
+            </a:r>
+            <a:r>
+              <a:rPr lang="es-419" dirty="0" err="1"/>
+              <a:t>Intermediate</a:t>
+            </a:r>
+            <a:r>
+              <a:rPr lang="es-419" dirty="0"/>
+              <a:t> </a:t>
+            </a:r>
+            <a:r>
+              <a:rPr lang="es-419" dirty="0" err="1"/>
+              <a:t>Language</a:t>
+            </a:r>
+            <a:r>
+              <a:rPr lang="es-419" dirty="0"/>
+              <a:t>)</a:t>
+            </a:r>
+          </a:p>
+        </p:txBody>
+      </p:sp>
+      <p:sp>
+        <p:nvSpPr>
+          <p:cNvPr id="19" name="TextBox 18">
+            <a:extLst>
+              <a:ext uri="{FF2B5EF4-FFF2-40B4-BE49-F238E27FC236}">
+                <a16:creationId xmlns:a16="http://schemas.microsoft.com/office/drawing/2014/main" id="{3ECA2396-01CA-DA21-70D4-72B0EFBC3A6E}"/>
+              </a:ext>
+            </a:extLst>
+          </p:cNvPr>
+          <p:cNvSpPr txBox="1"/>
+          <p:nvPr/>
+        </p:nvSpPr>
+        <p:spPr>
+          <a:xfrm>
+            <a:off x="8962930" y="336839"/>
+            <a:ext cx="2689839" cy="369332"/>
+          </a:xfrm>
+          <a:prstGeom prst="rect">
+            <a:avLst/>
+          </a:prstGeom>
+          <a:noFill/>
+        </p:spPr>
+        <p:txBody>
+          <a:bodyPr wrap="none" rtlCol="0">
+            <a:spAutoFit/>
+          </a:bodyPr>
+          <a:lstStyle/>
+          <a:p>
+            <a:r>
+              <a:rPr lang="es-419" dirty="0">
+                <a:latin typeface="Arial" panose="020B0604020202020204" pitchFamily="34" charset="0"/>
+                <a:cs typeface="Arial" panose="020B0604020202020204" pitchFamily="34" charset="0"/>
+              </a:rPr>
+              <a:t>Visual Studio .NET 2001</a:t>
+            </a:r>
+          </a:p>
+        </p:txBody>
+      </p:sp>
+      <p:sp>
+        <p:nvSpPr>
+          <p:cNvPr id="20" name="Rectangle 19">
+            <a:extLst>
+              <a:ext uri="{FF2B5EF4-FFF2-40B4-BE49-F238E27FC236}">
+                <a16:creationId xmlns:a16="http://schemas.microsoft.com/office/drawing/2014/main" id="{1FBE2F92-FCAD-7CB1-038F-4B0213A8952F}"/>
+              </a:ext>
+            </a:extLst>
+          </p:cNvPr>
+          <p:cNvSpPr/>
+          <p:nvPr/>
+        </p:nvSpPr>
+        <p:spPr>
+          <a:xfrm>
+            <a:off x="9898288" y="1234750"/>
+            <a:ext cx="1238769" cy="152844"/>
+          </a:xfrm>
+          <a:prstGeom prst="rect">
+            <a:avLst/>
+          </a:prstGeom>
+          <a:noFill/>
+        </p:spPr>
+        <p:style>
+          <a:lnRef idx="2">
+            <a:schemeClr val="accent1">
+              <a:shade val="15000"/>
+            </a:schemeClr>
+          </a:lnRef>
+          <a:fillRef idx="1">
+            <a:schemeClr val="accent1"/>
+          </a:fillRef>
+          <a:effectRef idx="0">
+            <a:schemeClr val="accent1"/>
+          </a:effectRef>
+          <a:fontRef idx="minor">
+            <a:schemeClr val="lt1"/>
+          </a:fontRef>
+        </p:style>
+        <p:txBody>
+          <a:bodyPr rtlCol="0" anchor="ctr"/>
+          <a:lstStyle/>
+          <a:p>
+            <a:pPr algn="ctr"/>
+            <a:endParaRPr lang="es-419">
+              <a:latin typeface="Arial" panose="020B0604020202020204" pitchFamily="34" charset="0"/>
+              <a:cs typeface="Arial" panose="020B0604020202020204" pitchFamily="34" charset="0"/>
+            </a:endParaRPr>
+          </a:p>
+        </p:txBody>
+      </p:sp>
+      <p:sp>
+        <p:nvSpPr>
+          <p:cNvPr id="21" name="Rectangle 20">
+            <a:extLst>
+              <a:ext uri="{FF2B5EF4-FFF2-40B4-BE49-F238E27FC236}">
+                <a16:creationId xmlns:a16="http://schemas.microsoft.com/office/drawing/2014/main" id="{90516F8A-0BF7-FCD7-55C4-66B47D4A4656}"/>
+              </a:ext>
+            </a:extLst>
+          </p:cNvPr>
+          <p:cNvSpPr/>
+          <p:nvPr/>
+        </p:nvSpPr>
+        <p:spPr>
+          <a:xfrm>
+            <a:off x="9898288" y="1512994"/>
+            <a:ext cx="1238769" cy="152844"/>
+          </a:xfrm>
+          <a:prstGeom prst="rect">
+            <a:avLst/>
+          </a:prstGeom>
+          <a:noFill/>
+        </p:spPr>
+        <p:style>
+          <a:lnRef idx="2">
+            <a:schemeClr val="accent1">
+              <a:shade val="15000"/>
+            </a:schemeClr>
+          </a:lnRef>
+          <a:fillRef idx="1">
+            <a:schemeClr val="accent1"/>
+          </a:fillRef>
+          <a:effectRef idx="0">
+            <a:schemeClr val="accent1"/>
+          </a:effectRef>
+          <a:fontRef idx="minor">
+            <a:schemeClr val="lt1"/>
+          </a:fontRef>
+        </p:style>
+        <p:txBody>
+          <a:bodyPr rtlCol="0" anchor="ctr"/>
+          <a:lstStyle/>
+          <a:p>
+            <a:pPr algn="ctr"/>
+            <a:endParaRPr lang="es-419">
+              <a:latin typeface="Arial" panose="020B0604020202020204" pitchFamily="34" charset="0"/>
+              <a:cs typeface="Arial" panose="020B0604020202020204" pitchFamily="34" charset="0"/>
+            </a:endParaRPr>
+          </a:p>
+        </p:txBody>
+      </p:sp>
+      <p:sp>
+        <p:nvSpPr>
+          <p:cNvPr id="22" name="Rectangle 21">
+            <a:extLst>
+              <a:ext uri="{FF2B5EF4-FFF2-40B4-BE49-F238E27FC236}">
+                <a16:creationId xmlns:a16="http://schemas.microsoft.com/office/drawing/2014/main" id="{784D19C7-1854-2129-738C-931D86585A5A}"/>
+              </a:ext>
+            </a:extLst>
+          </p:cNvPr>
+          <p:cNvSpPr/>
+          <p:nvPr/>
+        </p:nvSpPr>
+        <p:spPr>
+          <a:xfrm>
+            <a:off x="9898288" y="1790835"/>
+            <a:ext cx="1238769" cy="152844"/>
+          </a:xfrm>
+          <a:prstGeom prst="rect">
+            <a:avLst/>
+          </a:prstGeom>
+          <a:noFill/>
+        </p:spPr>
+        <p:style>
+          <a:lnRef idx="2">
+            <a:schemeClr val="accent1">
+              <a:shade val="15000"/>
+            </a:schemeClr>
+          </a:lnRef>
+          <a:fillRef idx="1">
+            <a:schemeClr val="accent1"/>
+          </a:fillRef>
+          <a:effectRef idx="0">
+            <a:schemeClr val="accent1"/>
+          </a:effectRef>
+          <a:fontRef idx="minor">
+            <a:schemeClr val="lt1"/>
+          </a:fontRef>
+        </p:style>
+        <p:txBody>
+          <a:bodyPr rtlCol="0" anchor="ctr"/>
+          <a:lstStyle/>
+          <a:p>
+            <a:pPr algn="ctr"/>
+            <a:endParaRPr lang="es-419">
+              <a:latin typeface="Arial" panose="020B0604020202020204" pitchFamily="34" charset="0"/>
+              <a:cs typeface="Arial" panose="020B0604020202020204" pitchFamily="34" charset="0"/>
+            </a:endParaRPr>
+          </a:p>
+        </p:txBody>
+      </p:sp>
+      <p:sp>
+        <p:nvSpPr>
+          <p:cNvPr id="23" name="Rectangle 22">
+            <a:extLst>
+              <a:ext uri="{FF2B5EF4-FFF2-40B4-BE49-F238E27FC236}">
+                <a16:creationId xmlns:a16="http://schemas.microsoft.com/office/drawing/2014/main" id="{24512D6F-B05B-509D-8104-6E733ECCB3A0}"/>
+              </a:ext>
+            </a:extLst>
+          </p:cNvPr>
+          <p:cNvSpPr/>
+          <p:nvPr/>
+        </p:nvSpPr>
+        <p:spPr>
+          <a:xfrm>
+            <a:off x="9898288" y="2096136"/>
+            <a:ext cx="1238769" cy="152844"/>
+          </a:xfrm>
+          <a:prstGeom prst="rect">
+            <a:avLst/>
+          </a:prstGeom>
+          <a:noFill/>
+        </p:spPr>
+        <p:style>
+          <a:lnRef idx="2">
+            <a:schemeClr val="accent1">
+              <a:shade val="15000"/>
+            </a:schemeClr>
+          </a:lnRef>
+          <a:fillRef idx="1">
+            <a:schemeClr val="accent1"/>
+          </a:fillRef>
+          <a:effectRef idx="0">
+            <a:schemeClr val="accent1"/>
+          </a:effectRef>
+          <a:fontRef idx="minor">
+            <a:schemeClr val="lt1"/>
+          </a:fontRef>
+        </p:style>
+        <p:txBody>
+          <a:bodyPr rtlCol="0" anchor="ctr"/>
+          <a:lstStyle/>
+          <a:p>
+            <a:pPr algn="ctr"/>
+            <a:endParaRPr lang="es-419">
+              <a:latin typeface="Arial" panose="020B0604020202020204" pitchFamily="34" charset="0"/>
+              <a:cs typeface="Arial" panose="020B0604020202020204" pitchFamily="34" charset="0"/>
+            </a:endParaRPr>
+          </a:p>
+        </p:txBody>
+      </p:sp>
+      <p:sp>
+        <p:nvSpPr>
+          <p:cNvPr id="24" name="TextBox 23">
+            <a:extLst>
+              <a:ext uri="{FF2B5EF4-FFF2-40B4-BE49-F238E27FC236}">
+                <a16:creationId xmlns:a16="http://schemas.microsoft.com/office/drawing/2014/main" id="{F5957F17-4665-7DA2-6EA6-7610F09C7C11}"/>
+              </a:ext>
+            </a:extLst>
+          </p:cNvPr>
+          <p:cNvSpPr txBox="1"/>
+          <p:nvPr/>
+        </p:nvSpPr>
+        <p:spPr>
+          <a:xfrm>
+            <a:off x="9898288" y="838258"/>
+            <a:ext cx="1037463" cy="369332"/>
+          </a:xfrm>
+          <a:prstGeom prst="rect">
+            <a:avLst/>
+          </a:prstGeom>
+          <a:noFill/>
+        </p:spPr>
+        <p:txBody>
+          <a:bodyPr wrap="none" rtlCol="0">
+            <a:spAutoFit/>
+          </a:bodyPr>
+          <a:lstStyle/>
+          <a:p>
+            <a:r>
+              <a:rPr lang="es-419" dirty="0" err="1"/>
+              <a:t>Compiler</a:t>
+            </a:r>
+            <a:endParaRPr lang="es-419" dirty="0"/>
+          </a:p>
+        </p:txBody>
+      </p:sp>
+      <p:sp>
+        <p:nvSpPr>
+          <p:cNvPr id="25" name="Cross 24">
+            <a:extLst>
+              <a:ext uri="{FF2B5EF4-FFF2-40B4-BE49-F238E27FC236}">
+                <a16:creationId xmlns:a16="http://schemas.microsoft.com/office/drawing/2014/main" id="{D7F00A86-A07E-B5FC-95A2-86A2AE596787}"/>
+              </a:ext>
+            </a:extLst>
+          </p:cNvPr>
+          <p:cNvSpPr/>
+          <p:nvPr/>
+        </p:nvSpPr>
+        <p:spPr>
+          <a:xfrm rot="2934813">
+            <a:off x="9335258" y="1974244"/>
+            <a:ext cx="367736" cy="353424"/>
+          </a:xfrm>
+          <a:prstGeom prst="plus">
+            <a:avLst>
+              <a:gd name="adj" fmla="val 44035"/>
+            </a:avLst>
+          </a:prstGeom>
+          <a:solidFill>
+            <a:srgbClr val="FF0000"/>
+          </a:solidFill>
+          <a:ln>
+            <a:solidFill>
+              <a:srgbClr val="FF0000"/>
+            </a:solidFill>
+          </a:ln>
+        </p:spPr>
+        <p:style>
+          <a:lnRef idx="2">
+            <a:schemeClr val="accent1">
+              <a:shade val="15000"/>
+            </a:schemeClr>
+          </a:lnRef>
+          <a:fillRef idx="1">
+            <a:schemeClr val="accent1"/>
+          </a:fillRef>
+          <a:effectRef idx="0">
+            <a:schemeClr val="accent1"/>
+          </a:effectRef>
+          <a:fontRef idx="minor">
+            <a:schemeClr val="lt1"/>
+          </a:fontRef>
+        </p:style>
+        <p:txBody>
+          <a:bodyPr rtlCol="0" anchor="ctr"/>
+          <a:lstStyle/>
+          <a:p>
+            <a:pPr algn="ctr"/>
+            <a:endParaRPr lang="es-419"/>
+          </a:p>
+        </p:txBody>
+      </p:sp>
+      <p:sp>
+        <p:nvSpPr>
+          <p:cNvPr id="26" name="Scroll: Vertical 25">
+            <a:extLst>
+              <a:ext uri="{FF2B5EF4-FFF2-40B4-BE49-F238E27FC236}">
+                <a16:creationId xmlns:a16="http://schemas.microsoft.com/office/drawing/2014/main" id="{63450D73-3B10-A32D-3A55-0AE84C81D069}"/>
+              </a:ext>
+            </a:extLst>
+          </p:cNvPr>
+          <p:cNvSpPr/>
+          <p:nvPr/>
+        </p:nvSpPr>
+        <p:spPr>
+          <a:xfrm>
+            <a:off x="11340353" y="1207590"/>
+            <a:ext cx="540597" cy="1041390"/>
+          </a:xfrm>
+          <a:prstGeom prst="verticalScroll">
+            <a:avLst/>
+          </a:prstGeom>
+          <a:noFill/>
+        </p:spPr>
+        <p:style>
+          <a:lnRef idx="2">
+            <a:schemeClr val="accent1">
+              <a:shade val="15000"/>
+            </a:schemeClr>
+          </a:lnRef>
+          <a:fillRef idx="1">
+            <a:schemeClr val="accent1"/>
+          </a:fillRef>
+          <a:effectRef idx="0">
+            <a:schemeClr val="accent1"/>
+          </a:effectRef>
+          <a:fontRef idx="minor">
+            <a:schemeClr val="lt1"/>
+          </a:fontRef>
+        </p:style>
+        <p:txBody>
+          <a:bodyPr rtlCol="0" anchor="ctr"/>
+          <a:lstStyle/>
+          <a:p>
+            <a:pPr algn="ctr"/>
+            <a:endParaRPr lang="es-419"/>
+          </a:p>
+        </p:txBody>
+      </p:sp>
+      <p:sp>
+        <p:nvSpPr>
+          <p:cNvPr id="27" name="TextBox 26">
+            <a:extLst>
+              <a:ext uri="{FF2B5EF4-FFF2-40B4-BE49-F238E27FC236}">
+                <a16:creationId xmlns:a16="http://schemas.microsoft.com/office/drawing/2014/main" id="{2952941C-8EE9-DB1D-C66B-6584A7EC9780}"/>
+              </a:ext>
+            </a:extLst>
+          </p:cNvPr>
+          <p:cNvSpPr txBox="1"/>
+          <p:nvPr/>
+        </p:nvSpPr>
+        <p:spPr>
+          <a:xfrm>
+            <a:off x="11340353" y="838258"/>
+            <a:ext cx="511679" cy="369332"/>
+          </a:xfrm>
+          <a:prstGeom prst="rect">
+            <a:avLst/>
+          </a:prstGeom>
+          <a:noFill/>
+        </p:spPr>
+        <p:txBody>
+          <a:bodyPr wrap="none" rtlCol="0">
+            <a:spAutoFit/>
+          </a:bodyPr>
+          <a:lstStyle/>
+          <a:p>
+            <a:r>
+              <a:rPr lang="es-419" dirty="0"/>
+              <a:t>CLS</a:t>
+            </a:r>
+          </a:p>
+        </p:txBody>
+      </p:sp>
+      <p:sp>
+        <p:nvSpPr>
+          <p:cNvPr id="28" name="Rectangle 27">
+            <a:extLst>
+              <a:ext uri="{FF2B5EF4-FFF2-40B4-BE49-F238E27FC236}">
+                <a16:creationId xmlns:a16="http://schemas.microsoft.com/office/drawing/2014/main" id="{B6B46FE7-36EC-4C9C-6C58-84378F0C27C6}"/>
+              </a:ext>
+            </a:extLst>
+          </p:cNvPr>
+          <p:cNvSpPr/>
+          <p:nvPr/>
+        </p:nvSpPr>
+        <p:spPr>
+          <a:xfrm>
+            <a:off x="9677584" y="4705351"/>
+            <a:ext cx="1396446" cy="512047"/>
+          </a:xfrm>
+          <a:prstGeom prst="rect">
+            <a:avLst/>
+          </a:prstGeom>
+          <a:noFill/>
+        </p:spPr>
+        <p:style>
+          <a:lnRef idx="2">
+            <a:schemeClr val="accent1">
+              <a:shade val="15000"/>
+            </a:schemeClr>
+          </a:lnRef>
+          <a:fillRef idx="1">
+            <a:schemeClr val="accent1"/>
+          </a:fillRef>
+          <a:effectRef idx="0">
+            <a:schemeClr val="accent1"/>
+          </a:effectRef>
+          <a:fontRef idx="minor">
+            <a:schemeClr val="lt1"/>
+          </a:fontRef>
+        </p:style>
+        <p:txBody>
+          <a:bodyPr rtlCol="0" anchor="ctr"/>
+          <a:lstStyle/>
+          <a:p>
+            <a:pPr algn="ctr"/>
+            <a:endParaRPr lang="es-419"/>
+          </a:p>
+        </p:txBody>
+      </p:sp>
+      <p:sp>
+        <p:nvSpPr>
+          <p:cNvPr id="29" name="Rectangle 28">
+            <a:extLst>
+              <a:ext uri="{FF2B5EF4-FFF2-40B4-BE49-F238E27FC236}">
+                <a16:creationId xmlns:a16="http://schemas.microsoft.com/office/drawing/2014/main" id="{0B058EAC-15C0-D2E5-1BB8-331A9EE7DC71}"/>
+              </a:ext>
+            </a:extLst>
+          </p:cNvPr>
+          <p:cNvSpPr/>
+          <p:nvPr/>
+        </p:nvSpPr>
+        <p:spPr>
+          <a:xfrm>
+            <a:off x="9527096" y="4517679"/>
+            <a:ext cx="1617201" cy="947018"/>
+          </a:xfrm>
+          <a:prstGeom prst="rect">
+            <a:avLst/>
+          </a:prstGeom>
+          <a:noFill/>
+        </p:spPr>
+        <p:style>
+          <a:lnRef idx="2">
+            <a:schemeClr val="accent1">
+              <a:shade val="15000"/>
+            </a:schemeClr>
+          </a:lnRef>
+          <a:fillRef idx="1">
+            <a:schemeClr val="accent1"/>
+          </a:fillRef>
+          <a:effectRef idx="0">
+            <a:schemeClr val="accent1"/>
+          </a:effectRef>
+          <a:fontRef idx="minor">
+            <a:schemeClr val="lt1"/>
+          </a:fontRef>
+        </p:style>
+        <p:txBody>
+          <a:bodyPr rtlCol="0" anchor="ctr"/>
+          <a:lstStyle/>
+          <a:p>
+            <a:pPr algn="ctr"/>
+            <a:endParaRPr lang="es-419"/>
+          </a:p>
+        </p:txBody>
+      </p:sp>
+      <p:sp>
+        <p:nvSpPr>
+          <p:cNvPr id="30" name="Arrow: Down 29">
+            <a:extLst>
+              <a:ext uri="{FF2B5EF4-FFF2-40B4-BE49-F238E27FC236}">
+                <a16:creationId xmlns:a16="http://schemas.microsoft.com/office/drawing/2014/main" id="{A9C70A8B-EAA1-8FA4-CA38-CABBCB32561F}"/>
+              </a:ext>
+            </a:extLst>
+          </p:cNvPr>
+          <p:cNvSpPr/>
+          <p:nvPr/>
+        </p:nvSpPr>
+        <p:spPr>
+          <a:xfrm>
+            <a:off x="9995308" y="3795402"/>
+            <a:ext cx="683825" cy="665956"/>
+          </a:xfrm>
+          <a:prstGeom prst="downArrow">
+            <a:avLst/>
+          </a:prstGeom>
+          <a:noFill/>
+        </p:spPr>
+        <p:style>
+          <a:lnRef idx="2">
+            <a:schemeClr val="accent1">
+              <a:shade val="15000"/>
+            </a:schemeClr>
+          </a:lnRef>
+          <a:fillRef idx="1">
+            <a:schemeClr val="accent1"/>
+          </a:fillRef>
+          <a:effectRef idx="0">
+            <a:schemeClr val="accent1"/>
+          </a:effectRef>
+          <a:fontRef idx="minor">
+            <a:schemeClr val="lt1"/>
+          </a:fontRef>
+        </p:style>
+        <p:txBody>
+          <a:bodyPr rtlCol="0" anchor="ctr"/>
+          <a:lstStyle/>
+          <a:p>
+            <a:pPr algn="ctr"/>
+            <a:endParaRPr lang="es-419" dirty="0"/>
+          </a:p>
+        </p:txBody>
+      </p:sp>
+      <p:sp>
+        <p:nvSpPr>
+          <p:cNvPr id="31" name="TextBox 30">
+            <a:extLst>
+              <a:ext uri="{FF2B5EF4-FFF2-40B4-BE49-F238E27FC236}">
+                <a16:creationId xmlns:a16="http://schemas.microsoft.com/office/drawing/2014/main" id="{07065E10-50BB-D1FB-90E8-3CA71AA59B7A}"/>
+              </a:ext>
+            </a:extLst>
+          </p:cNvPr>
+          <p:cNvSpPr txBox="1"/>
+          <p:nvPr/>
+        </p:nvSpPr>
+        <p:spPr>
+          <a:xfrm>
+            <a:off x="9643123" y="4663400"/>
+            <a:ext cx="530915" cy="369332"/>
+          </a:xfrm>
+          <a:prstGeom prst="rect">
+            <a:avLst/>
+          </a:prstGeom>
+          <a:noFill/>
+        </p:spPr>
+        <p:txBody>
+          <a:bodyPr wrap="none" rtlCol="0">
+            <a:spAutoFit/>
+          </a:bodyPr>
+          <a:lstStyle/>
+          <a:p>
+            <a:r>
+              <a:rPr lang="es-419" dirty="0"/>
+              <a:t>CLR</a:t>
+            </a:r>
+          </a:p>
+        </p:txBody>
+      </p:sp>
+      <p:sp>
+        <p:nvSpPr>
+          <p:cNvPr id="32" name="Arrow: Down 31">
+            <a:extLst>
+              <a:ext uri="{FF2B5EF4-FFF2-40B4-BE49-F238E27FC236}">
+                <a16:creationId xmlns:a16="http://schemas.microsoft.com/office/drawing/2014/main" id="{99B8520A-7884-EFF3-579F-EFF39F18364A}"/>
+              </a:ext>
+            </a:extLst>
+          </p:cNvPr>
+          <p:cNvSpPr/>
+          <p:nvPr/>
+        </p:nvSpPr>
+        <p:spPr>
+          <a:xfrm>
+            <a:off x="9995308" y="5522499"/>
+            <a:ext cx="683825" cy="665956"/>
+          </a:xfrm>
+          <a:prstGeom prst="downArrow">
+            <a:avLst/>
+          </a:prstGeom>
+          <a:noFill/>
+        </p:spPr>
+        <p:style>
+          <a:lnRef idx="2">
+            <a:schemeClr val="accent1">
+              <a:shade val="15000"/>
+            </a:schemeClr>
+          </a:lnRef>
+          <a:fillRef idx="1">
+            <a:schemeClr val="accent1"/>
+          </a:fillRef>
+          <a:effectRef idx="0">
+            <a:schemeClr val="accent1"/>
+          </a:effectRef>
+          <a:fontRef idx="minor">
+            <a:schemeClr val="lt1"/>
+          </a:fontRef>
+        </p:style>
+        <p:txBody>
+          <a:bodyPr rtlCol="0" anchor="ctr"/>
+          <a:lstStyle/>
+          <a:p>
+            <a:pPr algn="ctr"/>
+            <a:endParaRPr lang="es-419" dirty="0"/>
+          </a:p>
+        </p:txBody>
+      </p:sp>
+      <p:sp>
+        <p:nvSpPr>
+          <p:cNvPr id="33" name="TextBox 32">
+            <a:extLst>
+              <a:ext uri="{FF2B5EF4-FFF2-40B4-BE49-F238E27FC236}">
+                <a16:creationId xmlns:a16="http://schemas.microsoft.com/office/drawing/2014/main" id="{691C925A-CBF5-EB5F-9211-28B9D35465A9}"/>
+              </a:ext>
+            </a:extLst>
+          </p:cNvPr>
+          <p:cNvSpPr txBox="1"/>
+          <p:nvPr/>
+        </p:nvSpPr>
+        <p:spPr>
+          <a:xfrm>
+            <a:off x="9407127" y="6151829"/>
+            <a:ext cx="2019784" cy="369332"/>
+          </a:xfrm>
+          <a:prstGeom prst="rect">
+            <a:avLst/>
+          </a:prstGeom>
+          <a:noFill/>
+        </p:spPr>
+        <p:txBody>
+          <a:bodyPr wrap="none" rtlCol="0">
+            <a:spAutoFit/>
+          </a:bodyPr>
+          <a:lstStyle/>
+          <a:p>
+            <a:r>
+              <a:rPr lang="es-419" dirty="0"/>
+              <a:t>Machine </a:t>
+            </a:r>
+            <a:r>
+              <a:rPr lang="es-419" dirty="0" err="1"/>
+              <a:t>Language</a:t>
+            </a:r>
+            <a:endParaRPr lang="es-419" dirty="0"/>
+          </a:p>
+        </p:txBody>
+      </p:sp>
+      <p:sp>
+        <p:nvSpPr>
+          <p:cNvPr id="34" name="TextBox 33">
+            <a:extLst>
+              <a:ext uri="{FF2B5EF4-FFF2-40B4-BE49-F238E27FC236}">
+                <a16:creationId xmlns:a16="http://schemas.microsoft.com/office/drawing/2014/main" id="{1D964740-94ED-7AA2-3DB2-2500143DB12B}"/>
+              </a:ext>
+            </a:extLst>
+          </p:cNvPr>
+          <p:cNvSpPr txBox="1"/>
+          <p:nvPr/>
+        </p:nvSpPr>
+        <p:spPr>
+          <a:xfrm>
+            <a:off x="8521467" y="4069532"/>
+            <a:ext cx="930063" cy="1200329"/>
+          </a:xfrm>
+          <a:prstGeom prst="rect">
+            <a:avLst/>
+          </a:prstGeom>
+          <a:noFill/>
+        </p:spPr>
+        <p:txBody>
+          <a:bodyPr wrap="none" rtlCol="0">
+            <a:spAutoFit/>
+          </a:bodyPr>
+          <a:lstStyle/>
+          <a:p>
+            <a:r>
+              <a:rPr lang="es-419" dirty="0"/>
+              <a:t>O.S.</a:t>
+            </a:r>
+          </a:p>
+          <a:p>
+            <a:r>
+              <a:rPr lang="es-419" dirty="0" err="1"/>
+              <a:t>Win</a:t>
+            </a:r>
+            <a:r>
+              <a:rPr lang="es-419" dirty="0"/>
+              <a:t> 95</a:t>
+            </a:r>
+          </a:p>
+          <a:p>
+            <a:r>
+              <a:rPr lang="es-419" dirty="0" err="1"/>
+              <a:t>Win</a:t>
+            </a:r>
+            <a:r>
+              <a:rPr lang="es-419" dirty="0"/>
+              <a:t> Me</a:t>
+            </a:r>
+          </a:p>
+          <a:p>
+            <a:r>
+              <a:rPr lang="es-419" dirty="0" err="1"/>
+              <a:t>Win</a:t>
+            </a:r>
+            <a:r>
+              <a:rPr lang="es-419" dirty="0"/>
+              <a:t> NT</a:t>
+            </a:r>
+          </a:p>
+        </p:txBody>
+      </p:sp>
+      <p:sp>
+        <p:nvSpPr>
+          <p:cNvPr id="35" name="Rectangle 34">
+            <a:extLst>
+              <a:ext uri="{FF2B5EF4-FFF2-40B4-BE49-F238E27FC236}">
+                <a16:creationId xmlns:a16="http://schemas.microsoft.com/office/drawing/2014/main" id="{94F6E697-A1C6-80F1-069A-62B215E7FDCE}"/>
+              </a:ext>
+            </a:extLst>
+          </p:cNvPr>
+          <p:cNvSpPr/>
+          <p:nvPr/>
+        </p:nvSpPr>
+        <p:spPr>
+          <a:xfrm>
+            <a:off x="4725909" y="3949063"/>
+            <a:ext cx="3228720" cy="2175606"/>
+          </a:xfrm>
+          <a:prstGeom prst="rect">
+            <a:avLst/>
+          </a:prstGeom>
+          <a:noFill/>
+        </p:spPr>
+        <p:style>
+          <a:lnRef idx="2">
+            <a:schemeClr val="accent1">
+              <a:shade val="15000"/>
+            </a:schemeClr>
+          </a:lnRef>
+          <a:fillRef idx="1">
+            <a:schemeClr val="accent1"/>
+          </a:fillRef>
+          <a:effectRef idx="0">
+            <a:schemeClr val="accent1"/>
+          </a:effectRef>
+          <a:fontRef idx="minor">
+            <a:schemeClr val="lt1"/>
+          </a:fontRef>
+        </p:style>
+        <p:txBody>
+          <a:bodyPr rtlCol="0" anchor="ctr"/>
+          <a:lstStyle/>
+          <a:p>
+            <a:pPr algn="ctr"/>
+            <a:endParaRPr lang="es-419"/>
+          </a:p>
+        </p:txBody>
+      </p:sp>
+      <p:sp>
+        <p:nvSpPr>
+          <p:cNvPr id="36" name="Rectangle 35">
+            <a:extLst>
+              <a:ext uri="{FF2B5EF4-FFF2-40B4-BE49-F238E27FC236}">
+                <a16:creationId xmlns:a16="http://schemas.microsoft.com/office/drawing/2014/main" id="{EA4B8C19-D0FB-7AA6-7295-8A15967FADE9}"/>
+              </a:ext>
+            </a:extLst>
+          </p:cNvPr>
+          <p:cNvSpPr/>
+          <p:nvPr/>
+        </p:nvSpPr>
+        <p:spPr>
+          <a:xfrm>
+            <a:off x="4934139" y="4128380"/>
+            <a:ext cx="2866902" cy="1855961"/>
+          </a:xfrm>
+          <a:prstGeom prst="rect">
+            <a:avLst/>
+          </a:prstGeom>
+          <a:noFill/>
+        </p:spPr>
+        <p:style>
+          <a:lnRef idx="2">
+            <a:schemeClr val="accent1">
+              <a:shade val="15000"/>
+            </a:schemeClr>
+          </a:lnRef>
+          <a:fillRef idx="1">
+            <a:schemeClr val="accent1"/>
+          </a:fillRef>
+          <a:effectRef idx="0">
+            <a:schemeClr val="accent1"/>
+          </a:effectRef>
+          <a:fontRef idx="minor">
+            <a:schemeClr val="lt1"/>
+          </a:fontRef>
+        </p:style>
+        <p:txBody>
+          <a:bodyPr rtlCol="0" anchor="ctr"/>
+          <a:lstStyle/>
+          <a:p>
+            <a:pPr algn="ctr"/>
+            <a:endParaRPr lang="es-419"/>
+          </a:p>
+        </p:txBody>
+      </p:sp>
+      <p:sp>
+        <p:nvSpPr>
+          <p:cNvPr id="37" name="TextBox 36">
+            <a:extLst>
+              <a:ext uri="{FF2B5EF4-FFF2-40B4-BE49-F238E27FC236}">
+                <a16:creationId xmlns:a16="http://schemas.microsoft.com/office/drawing/2014/main" id="{BE88E169-FAFC-31D0-04B9-DCF949345D24}"/>
+              </a:ext>
+            </a:extLst>
+          </p:cNvPr>
+          <p:cNvSpPr txBox="1"/>
+          <p:nvPr/>
+        </p:nvSpPr>
+        <p:spPr>
+          <a:xfrm>
+            <a:off x="4911730" y="4128380"/>
+            <a:ext cx="2207656" cy="369332"/>
+          </a:xfrm>
+          <a:prstGeom prst="rect">
+            <a:avLst/>
+          </a:prstGeom>
+          <a:noFill/>
+        </p:spPr>
+        <p:txBody>
+          <a:bodyPr wrap="none" rtlCol="0">
+            <a:spAutoFit/>
+          </a:bodyPr>
+          <a:lstStyle/>
+          <a:p>
+            <a:r>
+              <a:rPr lang="es-419" dirty="0"/>
+              <a:t>VM (</a:t>
+            </a:r>
+            <a:r>
+              <a:rPr lang="es-419" dirty="0" err="1"/>
+              <a:t>Win</a:t>
+            </a:r>
+            <a:r>
+              <a:rPr lang="es-419" dirty="0"/>
+              <a:t>, Linux, Mac)</a:t>
+            </a:r>
+          </a:p>
+        </p:txBody>
+      </p:sp>
+      <p:sp>
+        <p:nvSpPr>
+          <p:cNvPr id="38" name="Rectangle 37">
+            <a:extLst>
+              <a:ext uri="{FF2B5EF4-FFF2-40B4-BE49-F238E27FC236}">
+                <a16:creationId xmlns:a16="http://schemas.microsoft.com/office/drawing/2014/main" id="{FC78C729-D179-3E51-D4BF-9183B1EDB2FB}"/>
+              </a:ext>
+            </a:extLst>
+          </p:cNvPr>
+          <p:cNvSpPr/>
+          <p:nvPr/>
+        </p:nvSpPr>
+        <p:spPr>
+          <a:xfrm>
+            <a:off x="5187635" y="4697493"/>
+            <a:ext cx="654581" cy="369332"/>
+          </a:xfrm>
+          <a:prstGeom prst="rect">
+            <a:avLst/>
+          </a:prstGeom>
+          <a:noFill/>
+        </p:spPr>
+        <p:style>
+          <a:lnRef idx="2">
+            <a:schemeClr val="accent1">
+              <a:shade val="15000"/>
+            </a:schemeClr>
+          </a:lnRef>
+          <a:fillRef idx="1">
+            <a:schemeClr val="accent1"/>
+          </a:fillRef>
+          <a:effectRef idx="0">
+            <a:schemeClr val="accent1"/>
+          </a:effectRef>
+          <a:fontRef idx="minor">
+            <a:schemeClr val="lt1"/>
+          </a:fontRef>
+        </p:style>
+        <p:txBody>
+          <a:bodyPr rtlCol="0" anchor="ctr"/>
+          <a:lstStyle/>
+          <a:p>
+            <a:pPr algn="ctr"/>
+            <a:endParaRPr lang="es-419"/>
+          </a:p>
+        </p:txBody>
+      </p:sp>
+      <p:sp>
+        <p:nvSpPr>
+          <p:cNvPr id="39" name="TextBox 38">
+            <a:extLst>
+              <a:ext uri="{FF2B5EF4-FFF2-40B4-BE49-F238E27FC236}">
+                <a16:creationId xmlns:a16="http://schemas.microsoft.com/office/drawing/2014/main" id="{06D025D2-75A3-60AA-5371-12840F34F1AE}"/>
+              </a:ext>
+            </a:extLst>
+          </p:cNvPr>
+          <p:cNvSpPr txBox="1"/>
+          <p:nvPr/>
+        </p:nvSpPr>
+        <p:spPr>
+          <a:xfrm>
+            <a:off x="3538325" y="4103886"/>
+            <a:ext cx="861133" cy="1323439"/>
+          </a:xfrm>
+          <a:prstGeom prst="rect">
+            <a:avLst/>
+          </a:prstGeom>
+          <a:noFill/>
+        </p:spPr>
+        <p:txBody>
+          <a:bodyPr wrap="none" rtlCol="0">
+            <a:spAutoFit/>
+          </a:bodyPr>
+          <a:lstStyle/>
+          <a:p>
+            <a:r>
+              <a:rPr lang="es-419" dirty="0"/>
+              <a:t>O.S.</a:t>
+            </a:r>
+          </a:p>
+          <a:p>
+            <a:r>
+              <a:rPr lang="es-419" dirty="0" err="1"/>
+              <a:t>Win</a:t>
+            </a:r>
+            <a:endParaRPr lang="es-419" dirty="0"/>
+          </a:p>
+          <a:p>
+            <a:r>
+              <a:rPr lang="es-419" sz="2400" b="1" dirty="0"/>
+              <a:t>Linux</a:t>
+            </a:r>
+          </a:p>
+          <a:p>
+            <a:r>
+              <a:rPr lang="es-419" sz="2000" dirty="0"/>
+              <a:t>Mac</a:t>
+            </a:r>
+            <a:endParaRPr lang="es-419" dirty="0"/>
+          </a:p>
+        </p:txBody>
+      </p:sp>
+      <p:sp>
+        <p:nvSpPr>
+          <p:cNvPr id="40" name="Rectangle 39">
+            <a:extLst>
+              <a:ext uri="{FF2B5EF4-FFF2-40B4-BE49-F238E27FC236}">
+                <a16:creationId xmlns:a16="http://schemas.microsoft.com/office/drawing/2014/main" id="{CD8A2887-57E6-2A1E-D7E8-876C02D73039}"/>
+              </a:ext>
+            </a:extLst>
+          </p:cNvPr>
+          <p:cNvSpPr/>
+          <p:nvPr/>
+        </p:nvSpPr>
+        <p:spPr>
+          <a:xfrm>
+            <a:off x="1816193" y="2824681"/>
+            <a:ext cx="1171451" cy="2489703"/>
+          </a:xfrm>
+          <a:prstGeom prst="rect">
+            <a:avLst/>
+          </a:prstGeom>
+          <a:noFill/>
+        </p:spPr>
+        <p:style>
+          <a:lnRef idx="2">
+            <a:schemeClr val="accent1">
+              <a:shade val="15000"/>
+            </a:schemeClr>
+          </a:lnRef>
+          <a:fillRef idx="1">
+            <a:schemeClr val="accent1"/>
+          </a:fillRef>
+          <a:effectRef idx="0">
+            <a:schemeClr val="accent1"/>
+          </a:effectRef>
+          <a:fontRef idx="minor">
+            <a:schemeClr val="lt1"/>
+          </a:fontRef>
+        </p:style>
+        <p:txBody>
+          <a:bodyPr rtlCol="0" anchor="ctr"/>
+          <a:lstStyle/>
+          <a:p>
+            <a:pPr algn="ctr"/>
+            <a:endParaRPr lang="es-419">
+              <a:latin typeface="Arial" panose="020B0604020202020204" pitchFamily="34" charset="0"/>
+              <a:cs typeface="Arial" panose="020B0604020202020204" pitchFamily="34" charset="0"/>
+            </a:endParaRPr>
+          </a:p>
+        </p:txBody>
+      </p:sp>
+      <p:sp>
+        <p:nvSpPr>
+          <p:cNvPr id="41" name="TextBox 40">
+            <a:extLst>
+              <a:ext uri="{FF2B5EF4-FFF2-40B4-BE49-F238E27FC236}">
+                <a16:creationId xmlns:a16="http://schemas.microsoft.com/office/drawing/2014/main" id="{F9E0204D-406B-FD2E-2332-3EA3152C4FD6}"/>
+              </a:ext>
+            </a:extLst>
+          </p:cNvPr>
+          <p:cNvSpPr txBox="1"/>
+          <p:nvPr/>
+        </p:nvSpPr>
+        <p:spPr>
+          <a:xfrm>
+            <a:off x="1862151" y="3121305"/>
+            <a:ext cx="556563" cy="369332"/>
+          </a:xfrm>
+          <a:prstGeom prst="rect">
+            <a:avLst/>
+          </a:prstGeom>
+          <a:noFill/>
+        </p:spPr>
+        <p:txBody>
+          <a:bodyPr wrap="none" rtlCol="0">
+            <a:spAutoFit/>
+          </a:bodyPr>
+          <a:lstStyle/>
+          <a:p>
+            <a:r>
+              <a:rPr lang="es-419" dirty="0">
+                <a:latin typeface="Arial" panose="020B0604020202020204" pitchFamily="34" charset="0"/>
+                <a:cs typeface="Arial" panose="020B0604020202020204" pitchFamily="34" charset="0"/>
+              </a:rPr>
+              <a:t>exe</a:t>
+            </a:r>
+          </a:p>
+        </p:txBody>
+      </p:sp>
+      <p:cxnSp>
+        <p:nvCxnSpPr>
+          <p:cNvPr id="42" name="Straight Connector 41">
+            <a:extLst>
+              <a:ext uri="{FF2B5EF4-FFF2-40B4-BE49-F238E27FC236}">
+                <a16:creationId xmlns:a16="http://schemas.microsoft.com/office/drawing/2014/main" id="{7CA71489-5443-EF27-B240-532E4C35B33E}"/>
+              </a:ext>
+            </a:extLst>
+          </p:cNvPr>
+          <p:cNvCxnSpPr>
+            <a:cxnSpLocks/>
+            <a:stCxn id="41" idx="2"/>
+          </p:cNvCxnSpPr>
+          <p:nvPr/>
+        </p:nvCxnSpPr>
+        <p:spPr>
+          <a:xfrm>
+            <a:off x="2140433" y="3490637"/>
+            <a:ext cx="11414" cy="710171"/>
+          </a:xfrm>
+          <a:prstGeom prst="line">
+            <a:avLst/>
+          </a:prstGeom>
+        </p:spPr>
+        <p:style>
+          <a:lnRef idx="1">
+            <a:schemeClr val="accent1"/>
+          </a:lnRef>
+          <a:fillRef idx="0">
+            <a:schemeClr val="accent1"/>
+          </a:fillRef>
+          <a:effectRef idx="0">
+            <a:schemeClr val="accent1"/>
+          </a:effectRef>
+          <a:fontRef idx="minor">
+            <a:schemeClr val="tx1"/>
+          </a:fontRef>
+        </p:style>
+      </p:cxnSp>
+      <p:cxnSp>
+        <p:nvCxnSpPr>
+          <p:cNvPr id="43" name="Straight Connector 42">
+            <a:extLst>
+              <a:ext uri="{FF2B5EF4-FFF2-40B4-BE49-F238E27FC236}">
+                <a16:creationId xmlns:a16="http://schemas.microsoft.com/office/drawing/2014/main" id="{6193E8C6-A486-1123-D4D7-68EB1EE29148}"/>
+              </a:ext>
+            </a:extLst>
+          </p:cNvPr>
+          <p:cNvCxnSpPr/>
+          <p:nvPr/>
+        </p:nvCxnSpPr>
+        <p:spPr>
+          <a:xfrm>
+            <a:off x="2140432" y="3739081"/>
+            <a:ext cx="278282" cy="0"/>
+          </a:xfrm>
+          <a:prstGeom prst="line">
+            <a:avLst/>
+          </a:prstGeom>
+        </p:spPr>
+        <p:style>
+          <a:lnRef idx="1">
+            <a:schemeClr val="accent1"/>
+          </a:lnRef>
+          <a:fillRef idx="0">
+            <a:schemeClr val="accent1"/>
+          </a:fillRef>
+          <a:effectRef idx="0">
+            <a:schemeClr val="accent1"/>
+          </a:effectRef>
+          <a:fontRef idx="minor">
+            <a:schemeClr val="tx1"/>
+          </a:fontRef>
+        </p:style>
+      </p:cxnSp>
+      <p:cxnSp>
+        <p:nvCxnSpPr>
+          <p:cNvPr id="44" name="Straight Connector 43">
+            <a:extLst>
+              <a:ext uri="{FF2B5EF4-FFF2-40B4-BE49-F238E27FC236}">
+                <a16:creationId xmlns:a16="http://schemas.microsoft.com/office/drawing/2014/main" id="{637D5136-260F-3693-E6F5-584BA28F9C8D}"/>
+              </a:ext>
+            </a:extLst>
+          </p:cNvPr>
+          <p:cNvCxnSpPr/>
+          <p:nvPr/>
+        </p:nvCxnSpPr>
+        <p:spPr>
+          <a:xfrm>
+            <a:off x="2140432" y="4060478"/>
+            <a:ext cx="278282" cy="0"/>
+          </a:xfrm>
+          <a:prstGeom prst="line">
+            <a:avLst/>
+          </a:prstGeom>
+        </p:spPr>
+        <p:style>
+          <a:lnRef idx="1">
+            <a:schemeClr val="accent1"/>
+          </a:lnRef>
+          <a:fillRef idx="0">
+            <a:schemeClr val="accent1"/>
+          </a:fillRef>
+          <a:effectRef idx="0">
+            <a:schemeClr val="accent1"/>
+          </a:effectRef>
+          <a:fontRef idx="minor">
+            <a:schemeClr val="tx1"/>
+          </a:fontRef>
+        </p:style>
+      </p:cxnSp>
+      <p:sp>
+        <p:nvSpPr>
+          <p:cNvPr id="45" name="Oval 44">
+            <a:extLst>
+              <a:ext uri="{FF2B5EF4-FFF2-40B4-BE49-F238E27FC236}">
+                <a16:creationId xmlns:a16="http://schemas.microsoft.com/office/drawing/2014/main" id="{EBE54C49-8E36-6BE0-238D-DE4F5C059F7B}"/>
+              </a:ext>
+            </a:extLst>
+          </p:cNvPr>
+          <p:cNvSpPr/>
+          <p:nvPr/>
+        </p:nvSpPr>
+        <p:spPr>
+          <a:xfrm>
+            <a:off x="2415350" y="3611928"/>
+            <a:ext cx="215844" cy="215844"/>
+          </a:xfrm>
+          <a:prstGeom prst="ellipse">
+            <a:avLst/>
+          </a:prstGeom>
+          <a:noFill/>
+        </p:spPr>
+        <p:style>
+          <a:lnRef idx="2">
+            <a:schemeClr val="accent1">
+              <a:shade val="15000"/>
+            </a:schemeClr>
+          </a:lnRef>
+          <a:fillRef idx="1">
+            <a:schemeClr val="accent1"/>
+          </a:fillRef>
+          <a:effectRef idx="0">
+            <a:schemeClr val="accent1"/>
+          </a:effectRef>
+          <a:fontRef idx="minor">
+            <a:schemeClr val="lt1"/>
+          </a:fontRef>
+        </p:style>
+        <p:txBody>
+          <a:bodyPr rtlCol="0" anchor="ctr"/>
+          <a:lstStyle/>
+          <a:p>
+            <a:pPr algn="ctr"/>
+            <a:endParaRPr lang="es-419"/>
+          </a:p>
+        </p:txBody>
+      </p:sp>
+      <p:sp>
+        <p:nvSpPr>
+          <p:cNvPr id="46" name="Oval 45">
+            <a:extLst>
+              <a:ext uri="{FF2B5EF4-FFF2-40B4-BE49-F238E27FC236}">
+                <a16:creationId xmlns:a16="http://schemas.microsoft.com/office/drawing/2014/main" id="{910A6F99-B447-465F-568B-0E7C473FD0D6}"/>
+              </a:ext>
+            </a:extLst>
+          </p:cNvPr>
+          <p:cNvSpPr/>
+          <p:nvPr/>
+        </p:nvSpPr>
+        <p:spPr>
+          <a:xfrm>
+            <a:off x="2415350" y="3949063"/>
+            <a:ext cx="215844" cy="215844"/>
+          </a:xfrm>
+          <a:prstGeom prst="ellipse">
+            <a:avLst/>
+          </a:prstGeom>
+          <a:noFill/>
+        </p:spPr>
+        <p:style>
+          <a:lnRef idx="2">
+            <a:schemeClr val="accent1">
+              <a:shade val="15000"/>
+            </a:schemeClr>
+          </a:lnRef>
+          <a:fillRef idx="1">
+            <a:schemeClr val="accent1"/>
+          </a:fillRef>
+          <a:effectRef idx="0">
+            <a:schemeClr val="accent1"/>
+          </a:effectRef>
+          <a:fontRef idx="minor">
+            <a:schemeClr val="lt1"/>
+          </a:fontRef>
+        </p:style>
+        <p:txBody>
+          <a:bodyPr rtlCol="0" anchor="ctr"/>
+          <a:lstStyle/>
+          <a:p>
+            <a:pPr algn="ctr"/>
+            <a:endParaRPr lang="es-419"/>
+          </a:p>
+        </p:txBody>
+      </p:sp>
+      <p:sp>
+        <p:nvSpPr>
+          <p:cNvPr id="47" name="TextBox 46">
+            <a:extLst>
+              <a:ext uri="{FF2B5EF4-FFF2-40B4-BE49-F238E27FC236}">
+                <a16:creationId xmlns:a16="http://schemas.microsoft.com/office/drawing/2014/main" id="{E6A3CF8E-5B4E-CD3F-AD38-373AC441CCE4}"/>
+              </a:ext>
+            </a:extLst>
+          </p:cNvPr>
+          <p:cNvSpPr txBox="1"/>
+          <p:nvPr/>
+        </p:nvSpPr>
+        <p:spPr>
+          <a:xfrm>
+            <a:off x="2014159" y="2483316"/>
+            <a:ext cx="1018227" cy="369332"/>
+          </a:xfrm>
+          <a:prstGeom prst="rect">
+            <a:avLst/>
+          </a:prstGeom>
+          <a:noFill/>
+        </p:spPr>
+        <p:txBody>
+          <a:bodyPr wrap="none" rtlCol="0">
+            <a:spAutoFit/>
+          </a:bodyPr>
+          <a:lstStyle/>
+          <a:p>
+            <a:r>
+              <a:rPr lang="es-419" dirty="0" err="1">
+                <a:latin typeface="Arial" panose="020B0604020202020204" pitchFamily="34" charset="0"/>
+                <a:cs typeface="Arial" panose="020B0604020202020204" pitchFamily="34" charset="0"/>
+              </a:rPr>
+              <a:t>Memory</a:t>
+            </a:r>
+            <a:endParaRPr lang="es-419" dirty="0">
+              <a:latin typeface="Arial" panose="020B0604020202020204" pitchFamily="34" charset="0"/>
+              <a:cs typeface="Arial" panose="020B0604020202020204" pitchFamily="34" charset="0"/>
+            </a:endParaRPr>
+          </a:p>
+        </p:txBody>
+      </p:sp>
+      <p:sp>
+        <p:nvSpPr>
+          <p:cNvPr id="48" name="Rectangle: Rounded Corners 47">
+            <a:extLst>
+              <a:ext uri="{FF2B5EF4-FFF2-40B4-BE49-F238E27FC236}">
+                <a16:creationId xmlns:a16="http://schemas.microsoft.com/office/drawing/2014/main" id="{69C3A590-FB70-CFF2-505C-8BC1FD0F5A9E}"/>
+              </a:ext>
+            </a:extLst>
+          </p:cNvPr>
+          <p:cNvSpPr/>
+          <p:nvPr/>
+        </p:nvSpPr>
+        <p:spPr>
+          <a:xfrm>
+            <a:off x="488887" y="3603279"/>
+            <a:ext cx="865869" cy="525101"/>
+          </a:xfrm>
+          <a:prstGeom prst="roundRect">
+            <a:avLst/>
+          </a:prstGeom>
+          <a:noFill/>
+        </p:spPr>
+        <p:style>
+          <a:lnRef idx="2">
+            <a:schemeClr val="accent1">
+              <a:shade val="15000"/>
+            </a:schemeClr>
+          </a:lnRef>
+          <a:fillRef idx="1">
+            <a:schemeClr val="accent1"/>
+          </a:fillRef>
+          <a:effectRef idx="0">
+            <a:schemeClr val="accent1"/>
+          </a:effectRef>
+          <a:fontRef idx="minor">
+            <a:schemeClr val="lt1"/>
+          </a:fontRef>
+        </p:style>
+        <p:txBody>
+          <a:bodyPr rtlCol="0" anchor="ctr"/>
+          <a:lstStyle/>
+          <a:p>
+            <a:pPr algn="ctr"/>
+            <a:r>
+              <a:rPr lang="es-419" dirty="0">
+                <a:solidFill>
+                  <a:schemeClr val="tx1"/>
+                </a:solidFill>
+                <a:latin typeface="Arial" panose="020B0604020202020204" pitchFamily="34" charset="0"/>
+                <a:cs typeface="Arial" panose="020B0604020202020204" pitchFamily="34" charset="0"/>
+              </a:rPr>
+              <a:t>CPU</a:t>
+            </a:r>
+          </a:p>
+        </p:txBody>
+      </p:sp>
+      <p:sp>
+        <p:nvSpPr>
+          <p:cNvPr id="49" name="TextBox 48">
+            <a:extLst>
+              <a:ext uri="{FF2B5EF4-FFF2-40B4-BE49-F238E27FC236}">
+                <a16:creationId xmlns:a16="http://schemas.microsoft.com/office/drawing/2014/main" id="{2BCA2E95-FC29-90C4-60CA-FBA9B94A7492}"/>
+              </a:ext>
+            </a:extLst>
+          </p:cNvPr>
+          <p:cNvSpPr txBox="1"/>
+          <p:nvPr/>
+        </p:nvSpPr>
+        <p:spPr>
+          <a:xfrm>
+            <a:off x="2987644" y="3103811"/>
+            <a:ext cx="530915" cy="369332"/>
+          </a:xfrm>
+          <a:prstGeom prst="rect">
+            <a:avLst/>
+          </a:prstGeom>
+          <a:noFill/>
+        </p:spPr>
+        <p:txBody>
+          <a:bodyPr wrap="none" rtlCol="0">
+            <a:spAutoFit/>
+          </a:bodyPr>
+          <a:lstStyle/>
+          <a:p>
+            <a:r>
+              <a:rPr lang="es-419" dirty="0">
+                <a:latin typeface="Arial" panose="020B0604020202020204" pitchFamily="34" charset="0"/>
+                <a:cs typeface="Arial" panose="020B0604020202020204" pitchFamily="34" charset="0"/>
+              </a:rPr>
+              <a:t>GC</a:t>
+            </a:r>
+          </a:p>
+        </p:txBody>
+      </p:sp>
     </p:spTree>
     <p:extLst>
       <p:ext uri="{BB962C8B-B14F-4D97-AF65-F5344CB8AC3E}">
         <p14:creationId xmlns:p14="http://schemas.microsoft.com/office/powerpoint/2010/main" val="1961803340"/>
+      </p:ext>
+    </p:extLst>
+  </p:cSld>
+  <p:clrMapOvr>
+    <a:masterClrMapping/>
+  </p:clrMapOvr>
+</p:sld>
+</file>
+
+<file path=ppt/slides/slide2.xml><?xml version="1.0" encoding="utf-8"?>
+<p:sld xmlns:a="http://schemas.openxmlformats.org/drawingml/2006/main" xmlns:r="http://schemas.openxmlformats.org/officeDocument/2006/relationships" xmlns:p="http://schemas.openxmlformats.org/presentationml/2006/main">
+  <p:cSld>
+    <p:spTree>
+      <p:nvGrpSpPr>
+        <p:cNvPr id="1" name=""/>
+        <p:cNvGrpSpPr/>
+        <p:nvPr/>
+      </p:nvGrpSpPr>
+      <p:grpSpPr>
+        <a:xfrm>
+          <a:off x="0" y="0"/>
+          <a:ext cx="0" cy="0"/>
+          <a:chOff x="0" y="0"/>
+          <a:chExt cx="0" cy="0"/>
+        </a:xfrm>
+      </p:grpSpPr>
+      <p:sp>
+        <p:nvSpPr>
+          <p:cNvPr id="4" name="Hexagon 3">
+            <a:extLst>
+              <a:ext uri="{FF2B5EF4-FFF2-40B4-BE49-F238E27FC236}">
+                <a16:creationId xmlns:a16="http://schemas.microsoft.com/office/drawing/2014/main" id="{51E201E4-DF78-83B4-D330-3A1552EB6C7D}"/>
+              </a:ext>
+            </a:extLst>
+          </p:cNvPr>
+          <p:cNvSpPr/>
+          <p:nvPr/>
+        </p:nvSpPr>
+        <p:spPr>
+          <a:xfrm>
+            <a:off x="1270444" y="660903"/>
+            <a:ext cx="913675" cy="787651"/>
+          </a:xfrm>
+          <a:prstGeom prst="hexagon">
+            <a:avLst/>
+          </a:prstGeom>
+          <a:noFill/>
+        </p:spPr>
+        <p:style>
+          <a:lnRef idx="2">
+            <a:schemeClr val="accent1">
+              <a:shade val="15000"/>
+            </a:schemeClr>
+          </a:lnRef>
+          <a:fillRef idx="1">
+            <a:schemeClr val="accent1"/>
+          </a:fillRef>
+          <a:effectRef idx="0">
+            <a:schemeClr val="accent1"/>
+          </a:effectRef>
+          <a:fontRef idx="minor">
+            <a:schemeClr val="lt1"/>
+          </a:fontRef>
+        </p:style>
+        <p:txBody>
+          <a:bodyPr rtlCol="0" anchor="ctr"/>
+          <a:lstStyle/>
+          <a:p>
+            <a:pPr algn="ctr"/>
+            <a:r>
+              <a:rPr lang="es-419" dirty="0">
+                <a:solidFill>
+                  <a:schemeClr val="tx1"/>
+                </a:solidFill>
+              </a:rPr>
+              <a:t>Java</a:t>
+            </a:r>
+          </a:p>
+        </p:txBody>
+      </p:sp>
+      <p:sp>
+        <p:nvSpPr>
+          <p:cNvPr id="5" name="TextBox 4">
+            <a:extLst>
+              <a:ext uri="{FF2B5EF4-FFF2-40B4-BE49-F238E27FC236}">
+                <a16:creationId xmlns:a16="http://schemas.microsoft.com/office/drawing/2014/main" id="{3D467120-9F4C-FBEC-F418-7798D28AC08F}"/>
+              </a:ext>
+            </a:extLst>
+          </p:cNvPr>
+          <p:cNvSpPr txBox="1"/>
+          <p:nvPr/>
+        </p:nvSpPr>
+        <p:spPr>
+          <a:xfrm>
+            <a:off x="1934967" y="312871"/>
+            <a:ext cx="638316" cy="369332"/>
+          </a:xfrm>
+          <a:prstGeom prst="rect">
+            <a:avLst/>
+          </a:prstGeom>
+          <a:noFill/>
+        </p:spPr>
+        <p:txBody>
+          <a:bodyPr wrap="none" rtlCol="0">
+            <a:spAutoFit/>
+          </a:bodyPr>
+          <a:lstStyle/>
+          <a:p>
+            <a:r>
+              <a:rPr lang="es-419" dirty="0"/>
+              <a:t>JRMI</a:t>
+            </a:r>
+          </a:p>
+        </p:txBody>
+      </p:sp>
+      <p:sp>
+        <p:nvSpPr>
+          <p:cNvPr id="6" name="Hexagon 5">
+            <a:extLst>
+              <a:ext uri="{FF2B5EF4-FFF2-40B4-BE49-F238E27FC236}">
+                <a16:creationId xmlns:a16="http://schemas.microsoft.com/office/drawing/2014/main" id="{DE892FEF-079A-3F15-C018-2785E09D050B}"/>
+              </a:ext>
+            </a:extLst>
+          </p:cNvPr>
+          <p:cNvSpPr/>
+          <p:nvPr/>
+        </p:nvSpPr>
+        <p:spPr>
+          <a:xfrm>
+            <a:off x="1276539" y="2254313"/>
+            <a:ext cx="913675" cy="787651"/>
+          </a:xfrm>
+          <a:prstGeom prst="hexagon">
+            <a:avLst/>
+          </a:prstGeom>
+          <a:noFill/>
+        </p:spPr>
+        <p:style>
+          <a:lnRef idx="2">
+            <a:schemeClr val="accent1">
+              <a:shade val="15000"/>
+            </a:schemeClr>
+          </a:lnRef>
+          <a:fillRef idx="1">
+            <a:schemeClr val="accent1"/>
+          </a:fillRef>
+          <a:effectRef idx="0">
+            <a:schemeClr val="accent1"/>
+          </a:effectRef>
+          <a:fontRef idx="minor">
+            <a:schemeClr val="lt1"/>
+          </a:fontRef>
+        </p:style>
+        <p:txBody>
+          <a:bodyPr rtlCol="0" anchor="ctr"/>
+          <a:lstStyle/>
+          <a:p>
+            <a:pPr algn="ctr"/>
+            <a:r>
+              <a:rPr lang="es-419" dirty="0">
+                <a:solidFill>
+                  <a:schemeClr val="tx1"/>
+                </a:solidFill>
+              </a:rPr>
+              <a:t>VB</a:t>
+            </a:r>
+          </a:p>
+        </p:txBody>
+      </p:sp>
+      <p:sp>
+        <p:nvSpPr>
+          <p:cNvPr id="7" name="TextBox 6">
+            <a:extLst>
+              <a:ext uri="{FF2B5EF4-FFF2-40B4-BE49-F238E27FC236}">
+                <a16:creationId xmlns:a16="http://schemas.microsoft.com/office/drawing/2014/main" id="{0F3B50D1-3518-8C81-4FF3-F0D41454A0CB}"/>
+              </a:ext>
+            </a:extLst>
+          </p:cNvPr>
+          <p:cNvSpPr txBox="1"/>
+          <p:nvPr/>
+        </p:nvSpPr>
+        <p:spPr>
+          <a:xfrm>
+            <a:off x="1222114" y="1884981"/>
+            <a:ext cx="770917" cy="369332"/>
+          </a:xfrm>
+          <a:prstGeom prst="rect">
+            <a:avLst/>
+          </a:prstGeom>
+          <a:noFill/>
+        </p:spPr>
+        <p:txBody>
+          <a:bodyPr wrap="none" rtlCol="0">
+            <a:spAutoFit/>
+          </a:bodyPr>
+          <a:lstStyle/>
+          <a:p>
+            <a:r>
+              <a:rPr lang="es-419" dirty="0"/>
+              <a:t>COM+</a:t>
+            </a:r>
+          </a:p>
+        </p:txBody>
+      </p:sp>
+      <p:sp>
+        <p:nvSpPr>
+          <p:cNvPr id="8" name="Hexagon 7">
+            <a:extLst>
+              <a:ext uri="{FF2B5EF4-FFF2-40B4-BE49-F238E27FC236}">
+                <a16:creationId xmlns:a16="http://schemas.microsoft.com/office/drawing/2014/main" id="{A8C40189-7FBD-89A8-2657-E65C3F0C56DC}"/>
+              </a:ext>
+            </a:extLst>
+          </p:cNvPr>
+          <p:cNvSpPr/>
+          <p:nvPr/>
+        </p:nvSpPr>
+        <p:spPr>
+          <a:xfrm>
+            <a:off x="3216939" y="2254313"/>
+            <a:ext cx="913675" cy="787651"/>
+          </a:xfrm>
+          <a:prstGeom prst="hexagon">
+            <a:avLst/>
+          </a:prstGeom>
+          <a:noFill/>
+        </p:spPr>
+        <p:style>
+          <a:lnRef idx="2">
+            <a:schemeClr val="accent1">
+              <a:shade val="15000"/>
+            </a:schemeClr>
+          </a:lnRef>
+          <a:fillRef idx="1">
+            <a:schemeClr val="accent1"/>
+          </a:fillRef>
+          <a:effectRef idx="0">
+            <a:schemeClr val="accent1"/>
+          </a:effectRef>
+          <a:fontRef idx="minor">
+            <a:schemeClr val="lt1"/>
+          </a:fontRef>
+        </p:style>
+        <p:txBody>
+          <a:bodyPr rtlCol="0" anchor="ctr"/>
+          <a:lstStyle/>
+          <a:p>
+            <a:pPr algn="ctr"/>
+            <a:r>
+              <a:rPr lang="es-419" sz="1200" dirty="0" err="1">
+                <a:solidFill>
+                  <a:schemeClr val="tx1"/>
+                </a:solidFill>
+              </a:rPr>
+              <a:t>Other</a:t>
+            </a:r>
+            <a:endParaRPr lang="es-419" sz="1200" dirty="0">
+              <a:solidFill>
+                <a:schemeClr val="tx1"/>
+              </a:solidFill>
+            </a:endParaRPr>
+          </a:p>
+        </p:txBody>
+      </p:sp>
+      <p:sp>
+        <p:nvSpPr>
+          <p:cNvPr id="9" name="TextBox 8">
+            <a:extLst>
+              <a:ext uri="{FF2B5EF4-FFF2-40B4-BE49-F238E27FC236}">
+                <a16:creationId xmlns:a16="http://schemas.microsoft.com/office/drawing/2014/main" id="{3C7939BF-484F-CC2F-64E1-C67C0D6E5414}"/>
+              </a:ext>
+            </a:extLst>
+          </p:cNvPr>
+          <p:cNvSpPr txBox="1"/>
+          <p:nvPr/>
+        </p:nvSpPr>
+        <p:spPr>
+          <a:xfrm>
+            <a:off x="3885166" y="1884981"/>
+            <a:ext cx="742511" cy="369332"/>
+          </a:xfrm>
+          <a:prstGeom prst="rect">
+            <a:avLst/>
+          </a:prstGeom>
+          <a:noFill/>
+        </p:spPr>
+        <p:txBody>
+          <a:bodyPr wrap="none" rtlCol="0">
+            <a:spAutoFit/>
+          </a:bodyPr>
+          <a:lstStyle/>
+          <a:p>
+            <a:r>
+              <a:rPr lang="es-419" dirty="0" err="1"/>
+              <a:t>Corba</a:t>
+            </a:r>
+            <a:endParaRPr lang="es-419" dirty="0"/>
+          </a:p>
+        </p:txBody>
+      </p:sp>
+      <p:sp>
+        <p:nvSpPr>
+          <p:cNvPr id="10" name="Hexagon 9">
+            <a:extLst>
+              <a:ext uri="{FF2B5EF4-FFF2-40B4-BE49-F238E27FC236}">
+                <a16:creationId xmlns:a16="http://schemas.microsoft.com/office/drawing/2014/main" id="{B0D61B00-A5AC-D181-1131-8FBDAA8ADE29}"/>
+              </a:ext>
+            </a:extLst>
+          </p:cNvPr>
+          <p:cNvSpPr/>
+          <p:nvPr/>
+        </p:nvSpPr>
+        <p:spPr>
+          <a:xfrm>
+            <a:off x="3216939" y="660903"/>
+            <a:ext cx="913675" cy="787651"/>
+          </a:xfrm>
+          <a:prstGeom prst="hexagon">
+            <a:avLst/>
+          </a:prstGeom>
+          <a:noFill/>
+        </p:spPr>
+        <p:style>
+          <a:lnRef idx="2">
+            <a:schemeClr val="accent1">
+              <a:shade val="15000"/>
+            </a:schemeClr>
+          </a:lnRef>
+          <a:fillRef idx="1">
+            <a:schemeClr val="accent1"/>
+          </a:fillRef>
+          <a:effectRef idx="0">
+            <a:schemeClr val="accent1"/>
+          </a:effectRef>
+          <a:fontRef idx="minor">
+            <a:schemeClr val="lt1"/>
+          </a:fontRef>
+        </p:style>
+        <p:txBody>
+          <a:bodyPr rtlCol="0" anchor="ctr"/>
+          <a:lstStyle/>
+          <a:p>
+            <a:pPr algn="ctr"/>
+            <a:r>
+              <a:rPr lang="es-419" sz="1100" dirty="0" err="1">
+                <a:solidFill>
+                  <a:schemeClr val="tx1"/>
+                </a:solidFill>
+              </a:rPr>
+              <a:t>.Net</a:t>
+            </a:r>
+            <a:endParaRPr lang="es-419" sz="1100" dirty="0">
+              <a:solidFill>
+                <a:schemeClr val="tx1"/>
+              </a:solidFill>
+            </a:endParaRPr>
+          </a:p>
+          <a:p>
+            <a:pPr algn="ctr"/>
+            <a:r>
+              <a:rPr lang="es-419" sz="1100" dirty="0">
+                <a:solidFill>
+                  <a:schemeClr val="tx1"/>
+                </a:solidFill>
+              </a:rPr>
+              <a:t>Framework</a:t>
+            </a:r>
+          </a:p>
+        </p:txBody>
+      </p:sp>
+      <p:sp>
+        <p:nvSpPr>
+          <p:cNvPr id="11" name="TextBox 10">
+            <a:extLst>
+              <a:ext uri="{FF2B5EF4-FFF2-40B4-BE49-F238E27FC236}">
+                <a16:creationId xmlns:a16="http://schemas.microsoft.com/office/drawing/2014/main" id="{A7403B99-9F1F-7433-F3C8-6A15934F2DC4}"/>
+              </a:ext>
+            </a:extLst>
+          </p:cNvPr>
+          <p:cNvSpPr txBox="1"/>
+          <p:nvPr/>
+        </p:nvSpPr>
+        <p:spPr>
+          <a:xfrm>
+            <a:off x="4270625" y="731562"/>
+            <a:ext cx="3638560" cy="646331"/>
+          </a:xfrm>
+          <a:prstGeom prst="rect">
+            <a:avLst/>
+          </a:prstGeom>
+          <a:noFill/>
+        </p:spPr>
+        <p:txBody>
+          <a:bodyPr wrap="none" rtlCol="0">
+            <a:spAutoFit/>
+          </a:bodyPr>
+          <a:lstStyle/>
+          <a:p>
+            <a:r>
+              <a:rPr lang="es-419" dirty="0" err="1"/>
+              <a:t>Window</a:t>
+            </a:r>
+            <a:r>
+              <a:rPr lang="es-419" dirty="0"/>
+              <a:t> </a:t>
+            </a:r>
+            <a:r>
+              <a:rPr lang="es-419" dirty="0" err="1"/>
+              <a:t>Communication</a:t>
+            </a:r>
+            <a:r>
+              <a:rPr lang="es-419" dirty="0"/>
+              <a:t> </a:t>
+            </a:r>
+            <a:r>
+              <a:rPr lang="es-419" dirty="0" err="1"/>
+              <a:t>Foundation</a:t>
+            </a:r>
+            <a:endParaRPr lang="es-419" dirty="0"/>
+          </a:p>
+          <a:p>
+            <a:r>
+              <a:rPr lang="es-419" dirty="0"/>
+              <a:t>WCF</a:t>
+            </a:r>
+          </a:p>
+        </p:txBody>
+      </p:sp>
+      <p:cxnSp>
+        <p:nvCxnSpPr>
+          <p:cNvPr id="12" name="Straight Arrow Connector 11">
+            <a:extLst>
+              <a:ext uri="{FF2B5EF4-FFF2-40B4-BE49-F238E27FC236}">
+                <a16:creationId xmlns:a16="http://schemas.microsoft.com/office/drawing/2014/main" id="{BF8EE0F0-D891-2626-10BB-C7CA2B8A775C}"/>
+              </a:ext>
+            </a:extLst>
+          </p:cNvPr>
+          <p:cNvCxnSpPr>
+            <a:stCxn id="10" idx="3"/>
+          </p:cNvCxnSpPr>
+          <p:nvPr/>
+        </p:nvCxnSpPr>
+        <p:spPr>
+          <a:xfrm flipH="1">
+            <a:off x="2184119" y="1054729"/>
+            <a:ext cx="1032820" cy="0"/>
+          </a:xfrm>
+          <a:prstGeom prst="straightConnector1">
+            <a:avLst/>
+          </a:prstGeom>
+          <a:ln>
+            <a:tailEnd type="triangle"/>
+          </a:ln>
+        </p:spPr>
+        <p:style>
+          <a:lnRef idx="1">
+            <a:schemeClr val="accent1"/>
+          </a:lnRef>
+          <a:fillRef idx="0">
+            <a:schemeClr val="accent1"/>
+          </a:fillRef>
+          <a:effectRef idx="0">
+            <a:schemeClr val="accent1"/>
+          </a:effectRef>
+          <a:fontRef idx="minor">
+            <a:schemeClr val="tx1"/>
+          </a:fontRef>
+        </p:style>
+      </p:cxnSp>
+      <p:cxnSp>
+        <p:nvCxnSpPr>
+          <p:cNvPr id="13" name="Straight Arrow Connector 12">
+            <a:extLst>
+              <a:ext uri="{FF2B5EF4-FFF2-40B4-BE49-F238E27FC236}">
+                <a16:creationId xmlns:a16="http://schemas.microsoft.com/office/drawing/2014/main" id="{98A3A582-9967-376C-DBDC-A309CECDDC8F}"/>
+              </a:ext>
+            </a:extLst>
+          </p:cNvPr>
+          <p:cNvCxnSpPr>
+            <a:cxnSpLocks/>
+            <a:stCxn id="10" idx="3"/>
+          </p:cNvCxnSpPr>
+          <p:nvPr/>
+        </p:nvCxnSpPr>
+        <p:spPr>
+          <a:xfrm flipH="1">
+            <a:off x="1987206" y="1054729"/>
+            <a:ext cx="1229733" cy="1199584"/>
+          </a:xfrm>
+          <a:prstGeom prst="straightConnector1">
+            <a:avLst/>
+          </a:prstGeom>
+          <a:ln>
+            <a:tailEnd type="triangle"/>
+          </a:ln>
+        </p:spPr>
+        <p:style>
+          <a:lnRef idx="1">
+            <a:schemeClr val="accent1"/>
+          </a:lnRef>
+          <a:fillRef idx="0">
+            <a:schemeClr val="accent1"/>
+          </a:fillRef>
+          <a:effectRef idx="0">
+            <a:schemeClr val="accent1"/>
+          </a:effectRef>
+          <a:fontRef idx="minor">
+            <a:schemeClr val="tx1"/>
+          </a:fontRef>
+        </p:style>
+      </p:cxnSp>
+      <p:cxnSp>
+        <p:nvCxnSpPr>
+          <p:cNvPr id="14" name="Straight Arrow Connector 13">
+            <a:extLst>
+              <a:ext uri="{FF2B5EF4-FFF2-40B4-BE49-F238E27FC236}">
+                <a16:creationId xmlns:a16="http://schemas.microsoft.com/office/drawing/2014/main" id="{AC67B2B5-E29A-3B57-6BA6-65CAC3AA1671}"/>
+              </a:ext>
+            </a:extLst>
+          </p:cNvPr>
+          <p:cNvCxnSpPr>
+            <a:stCxn id="10" idx="3"/>
+          </p:cNvCxnSpPr>
+          <p:nvPr/>
+        </p:nvCxnSpPr>
+        <p:spPr>
+          <a:xfrm>
+            <a:off x="3216939" y="1054729"/>
+            <a:ext cx="196913" cy="1199584"/>
+          </a:xfrm>
+          <a:prstGeom prst="straightConnector1">
+            <a:avLst/>
+          </a:prstGeom>
+          <a:ln>
+            <a:tailEnd type="triangle"/>
+          </a:ln>
+        </p:spPr>
+        <p:style>
+          <a:lnRef idx="1">
+            <a:schemeClr val="accent1"/>
+          </a:lnRef>
+          <a:fillRef idx="0">
+            <a:schemeClr val="accent1"/>
+          </a:fillRef>
+          <a:effectRef idx="0">
+            <a:schemeClr val="accent1"/>
+          </a:effectRef>
+          <a:fontRef idx="minor">
+            <a:schemeClr val="tx1"/>
+          </a:fontRef>
+        </p:style>
+      </p:cxnSp>
+    </p:spTree>
+    <p:extLst>
+      <p:ext uri="{BB962C8B-B14F-4D97-AF65-F5344CB8AC3E}">
+        <p14:creationId xmlns:p14="http://schemas.microsoft.com/office/powerpoint/2010/main" val="2108510521"/>
       </p:ext>
     </p:extLst>
   </p:cSld>

--- a/Module I/01/01.pptx
+++ b/Module I/01/01.pptx
@@ -5,11 +5,14 @@
     <p:sldMasterId id="2147483648" r:id="rId1"/>
   </p:sldMasterIdLst>
   <p:notesMasterIdLst>
-    <p:notesMasterId r:id="rId4"/>
+    <p:notesMasterId r:id="rId7"/>
   </p:notesMasterIdLst>
   <p:sldIdLst>
     <p:sldId id="256" r:id="rId2"/>
     <p:sldId id="257" r:id="rId3"/>
+    <p:sldId id="258" r:id="rId4"/>
+    <p:sldId id="259" r:id="rId5"/>
+    <p:sldId id="260" r:id="rId6"/>
   </p:sldIdLst>
   <p:sldSz cx="12192000" cy="6858000"/>
   <p:notesSz cx="6858000" cy="9144000"/>
@@ -464,6 +467,90 @@
     </a:lvl9pPr>
   </p:notesStyle>
 </p:notesMaster>
+</file>
+
+<file path=ppt/notesSlides/notesSlide1.xml><?xml version="1.0" encoding="utf-8"?>
+<p:notes xmlns:a="http://schemas.openxmlformats.org/drawingml/2006/main" xmlns:r="http://schemas.openxmlformats.org/officeDocument/2006/relationships" xmlns:p="http://schemas.openxmlformats.org/presentationml/2006/main">
+  <p:cSld>
+    <p:spTree>
+      <p:nvGrpSpPr>
+        <p:cNvPr id="1" name=""/>
+        <p:cNvGrpSpPr/>
+        <p:nvPr/>
+      </p:nvGrpSpPr>
+      <p:grpSpPr>
+        <a:xfrm>
+          <a:off x="0" y="0"/>
+          <a:ext cx="0" cy="0"/>
+          <a:chOff x="0" y="0"/>
+          <a:chExt cx="0" cy="0"/>
+        </a:xfrm>
+      </p:grpSpPr>
+      <p:sp>
+        <p:nvSpPr>
+          <p:cNvPr id="2" name="Slide Image Placeholder 1"/>
+          <p:cNvSpPr>
+            <a:spLocks noGrp="1" noRot="1" noChangeAspect="1"/>
+          </p:cNvSpPr>
+          <p:nvPr>
+            <p:ph type="sldImg"/>
+          </p:nvPr>
+        </p:nvSpPr>
+        <p:spPr/>
+      </p:sp>
+      <p:sp>
+        <p:nvSpPr>
+          <p:cNvPr id="3" name="Notes Placeholder 2"/>
+          <p:cNvSpPr>
+            <a:spLocks noGrp="1"/>
+          </p:cNvSpPr>
+          <p:nvPr>
+            <p:ph type="body" idx="1"/>
+          </p:nvPr>
+        </p:nvSpPr>
+        <p:spPr/>
+        <p:txBody>
+          <a:bodyPr/>
+          <a:lstStyle/>
+          <a:p>
+            <a:endParaRPr lang="es-419" dirty="0"/>
+          </a:p>
+        </p:txBody>
+      </p:sp>
+      <p:sp>
+        <p:nvSpPr>
+          <p:cNvPr id="4" name="Slide Number Placeholder 3"/>
+          <p:cNvSpPr>
+            <a:spLocks noGrp="1"/>
+          </p:cNvSpPr>
+          <p:nvPr>
+            <p:ph type="sldNum" sz="quarter" idx="5"/>
+          </p:nvPr>
+        </p:nvSpPr>
+        <p:spPr/>
+        <p:txBody>
+          <a:bodyPr/>
+          <a:lstStyle/>
+          <a:p>
+            <a:fld id="{47D855C4-2713-4CBF-9164-EB03C5266DA6}" type="slidenum">
+              <a:rPr lang="es-419" smtClean="0"/>
+              <a:t>4</a:t>
+            </a:fld>
+            <a:endParaRPr lang="es-419"/>
+          </a:p>
+        </p:txBody>
+      </p:sp>
+    </p:spTree>
+    <p:extLst>
+      <p:ext uri="{BB962C8B-B14F-4D97-AF65-F5344CB8AC3E}">
+        <p14:creationId xmlns:p14="http://schemas.microsoft.com/office/powerpoint/2010/main" val="3990178952"/>
+      </p:ext>
+    </p:extLst>
+  </p:cSld>
+  <p:clrMapOvr>
+    <a:masterClrMapping/>
+  </p:clrMapOvr>
+</p:notes>
 </file>
 
 <file path=ppt/slideLayouts/slideLayout1.xml><?xml version="1.0" encoding="utf-8"?>
@@ -6440,10 +6527,7497 @@
           </a:fontRef>
         </p:style>
       </p:cxnSp>
+      <p:sp>
+        <p:nvSpPr>
+          <p:cNvPr id="15" name="TextBox 14">
+            <a:extLst>
+              <a:ext uri="{FF2B5EF4-FFF2-40B4-BE49-F238E27FC236}">
+                <a16:creationId xmlns:a16="http://schemas.microsoft.com/office/drawing/2014/main" id="{6883DB2E-9D95-7612-5E00-F6CC0B269F9C}"/>
+              </a:ext>
+            </a:extLst>
+          </p:cNvPr>
+          <p:cNvSpPr txBox="1"/>
+          <p:nvPr/>
+        </p:nvSpPr>
+        <p:spPr>
+          <a:xfrm>
+            <a:off x="226337" y="128205"/>
+            <a:ext cx="780535" cy="369332"/>
+          </a:xfrm>
+          <a:prstGeom prst="rect">
+            <a:avLst/>
+          </a:prstGeom>
+          <a:noFill/>
+        </p:spPr>
+        <p:txBody>
+          <a:bodyPr wrap="none" rtlCol="0">
+            <a:spAutoFit/>
+          </a:bodyPr>
+          <a:lstStyle/>
+          <a:p>
+            <a:r>
+              <a:rPr lang="es-419" dirty="0" err="1"/>
+              <a:t>Binary</a:t>
+            </a:r>
+            <a:endParaRPr lang="es-419" dirty="0"/>
+          </a:p>
+        </p:txBody>
+      </p:sp>
+      <p:sp>
+        <p:nvSpPr>
+          <p:cNvPr id="16" name="Rectangle: Rounded Corners 15">
+            <a:extLst>
+              <a:ext uri="{FF2B5EF4-FFF2-40B4-BE49-F238E27FC236}">
+                <a16:creationId xmlns:a16="http://schemas.microsoft.com/office/drawing/2014/main" id="{12C0DE90-960A-1140-79ED-C6AD25720EDB}"/>
+              </a:ext>
+            </a:extLst>
+          </p:cNvPr>
+          <p:cNvSpPr/>
+          <p:nvPr/>
+        </p:nvSpPr>
+        <p:spPr>
+          <a:xfrm>
+            <a:off x="651850" y="3528094"/>
+            <a:ext cx="2906162" cy="2598344"/>
+          </a:xfrm>
+          <a:prstGeom prst="roundRect">
+            <a:avLst/>
+          </a:prstGeom>
+          <a:noFill/>
+        </p:spPr>
+        <p:style>
+          <a:lnRef idx="2">
+            <a:schemeClr val="accent1">
+              <a:shade val="15000"/>
+            </a:schemeClr>
+          </a:lnRef>
+          <a:fillRef idx="1">
+            <a:schemeClr val="accent1"/>
+          </a:fillRef>
+          <a:effectRef idx="0">
+            <a:schemeClr val="accent1"/>
+          </a:effectRef>
+          <a:fontRef idx="minor">
+            <a:schemeClr val="lt1"/>
+          </a:fontRef>
+        </p:style>
+        <p:txBody>
+          <a:bodyPr rtlCol="0" anchor="ctr"/>
+          <a:lstStyle/>
+          <a:p>
+            <a:pPr algn="ctr"/>
+            <a:r>
+              <a:rPr lang="es-419" dirty="0" err="1">
+                <a:solidFill>
+                  <a:sysClr val="windowText" lastClr="000000"/>
+                </a:solidFill>
+              </a:rPr>
+              <a:t>.Net</a:t>
+            </a:r>
+            <a:r>
+              <a:rPr lang="es-419" dirty="0">
+                <a:solidFill>
+                  <a:sysClr val="windowText" lastClr="000000"/>
+                </a:solidFill>
+              </a:rPr>
+              <a:t> Framework</a:t>
+            </a:r>
+          </a:p>
+        </p:txBody>
+      </p:sp>
+      <p:sp>
+        <p:nvSpPr>
+          <p:cNvPr id="17" name="Rectangle 16">
+            <a:extLst>
+              <a:ext uri="{FF2B5EF4-FFF2-40B4-BE49-F238E27FC236}">
+                <a16:creationId xmlns:a16="http://schemas.microsoft.com/office/drawing/2014/main" id="{189525D9-7142-ACE0-21F7-9A542F550B4E}"/>
+              </a:ext>
+            </a:extLst>
+          </p:cNvPr>
+          <p:cNvSpPr/>
+          <p:nvPr/>
+        </p:nvSpPr>
+        <p:spPr>
+          <a:xfrm>
+            <a:off x="1013988" y="3790644"/>
+            <a:ext cx="733331" cy="688467"/>
+          </a:xfrm>
+          <a:prstGeom prst="rect">
+            <a:avLst/>
+          </a:prstGeom>
+          <a:noFill/>
+        </p:spPr>
+        <p:style>
+          <a:lnRef idx="2">
+            <a:schemeClr val="accent1">
+              <a:shade val="15000"/>
+            </a:schemeClr>
+          </a:lnRef>
+          <a:fillRef idx="1">
+            <a:schemeClr val="accent1"/>
+          </a:fillRef>
+          <a:effectRef idx="0">
+            <a:schemeClr val="accent1"/>
+          </a:effectRef>
+          <a:fontRef idx="minor">
+            <a:schemeClr val="lt1"/>
+          </a:fontRef>
+        </p:style>
+        <p:txBody>
+          <a:bodyPr rtlCol="0" anchor="ctr"/>
+          <a:lstStyle/>
+          <a:p>
+            <a:pPr algn="ctr"/>
+            <a:endParaRPr lang="es-419"/>
+          </a:p>
+        </p:txBody>
+      </p:sp>
+      <p:sp>
+        <p:nvSpPr>
+          <p:cNvPr id="18" name="Rectangle 17">
+            <a:extLst>
+              <a:ext uri="{FF2B5EF4-FFF2-40B4-BE49-F238E27FC236}">
+                <a16:creationId xmlns:a16="http://schemas.microsoft.com/office/drawing/2014/main" id="{7143C638-0A50-77FA-000F-803E6E27D657}"/>
+              </a:ext>
+            </a:extLst>
+          </p:cNvPr>
+          <p:cNvSpPr/>
+          <p:nvPr/>
+        </p:nvSpPr>
+        <p:spPr>
+          <a:xfrm>
+            <a:off x="1873705" y="3790644"/>
+            <a:ext cx="733331" cy="688467"/>
+          </a:xfrm>
+          <a:prstGeom prst="rect">
+            <a:avLst/>
+          </a:prstGeom>
+          <a:noFill/>
+        </p:spPr>
+        <p:style>
+          <a:lnRef idx="2">
+            <a:schemeClr val="accent1">
+              <a:shade val="15000"/>
+            </a:schemeClr>
+          </a:lnRef>
+          <a:fillRef idx="1">
+            <a:schemeClr val="accent1"/>
+          </a:fillRef>
+          <a:effectRef idx="0">
+            <a:schemeClr val="accent1"/>
+          </a:effectRef>
+          <a:fontRef idx="minor">
+            <a:schemeClr val="lt1"/>
+          </a:fontRef>
+        </p:style>
+        <p:txBody>
+          <a:bodyPr rtlCol="0" anchor="ctr"/>
+          <a:lstStyle/>
+          <a:p>
+            <a:pPr algn="ctr"/>
+            <a:endParaRPr lang="es-419"/>
+          </a:p>
+        </p:txBody>
+      </p:sp>
+      <p:sp>
+        <p:nvSpPr>
+          <p:cNvPr id="19" name="Rectangle 18">
+            <a:extLst>
+              <a:ext uri="{FF2B5EF4-FFF2-40B4-BE49-F238E27FC236}">
+                <a16:creationId xmlns:a16="http://schemas.microsoft.com/office/drawing/2014/main" id="{FAB9C17F-625E-4CF8-8F14-18E938266DB2}"/>
+              </a:ext>
+            </a:extLst>
+          </p:cNvPr>
+          <p:cNvSpPr/>
+          <p:nvPr/>
+        </p:nvSpPr>
+        <p:spPr>
+          <a:xfrm>
+            <a:off x="2719479" y="3790644"/>
+            <a:ext cx="733331" cy="688467"/>
+          </a:xfrm>
+          <a:prstGeom prst="rect">
+            <a:avLst/>
+          </a:prstGeom>
+          <a:noFill/>
+        </p:spPr>
+        <p:style>
+          <a:lnRef idx="2">
+            <a:schemeClr val="accent1">
+              <a:shade val="15000"/>
+            </a:schemeClr>
+          </a:lnRef>
+          <a:fillRef idx="1">
+            <a:schemeClr val="accent1"/>
+          </a:fillRef>
+          <a:effectRef idx="0">
+            <a:schemeClr val="accent1"/>
+          </a:effectRef>
+          <a:fontRef idx="minor">
+            <a:schemeClr val="lt1"/>
+          </a:fontRef>
+        </p:style>
+        <p:txBody>
+          <a:bodyPr rtlCol="0" anchor="ctr"/>
+          <a:lstStyle/>
+          <a:p>
+            <a:pPr algn="ctr"/>
+            <a:endParaRPr lang="es-419"/>
+          </a:p>
+        </p:txBody>
+      </p:sp>
+      <p:sp>
+        <p:nvSpPr>
+          <p:cNvPr id="20" name="Rectangle 19">
+            <a:extLst>
+              <a:ext uri="{FF2B5EF4-FFF2-40B4-BE49-F238E27FC236}">
+                <a16:creationId xmlns:a16="http://schemas.microsoft.com/office/drawing/2014/main" id="{673DD742-2575-4BA7-8FC8-F8636606A9BC}"/>
+              </a:ext>
+            </a:extLst>
+          </p:cNvPr>
+          <p:cNvSpPr/>
+          <p:nvPr/>
+        </p:nvSpPr>
+        <p:spPr>
+          <a:xfrm>
+            <a:off x="1013988" y="5185282"/>
+            <a:ext cx="733331" cy="688467"/>
+          </a:xfrm>
+          <a:prstGeom prst="rect">
+            <a:avLst/>
+          </a:prstGeom>
+          <a:noFill/>
+        </p:spPr>
+        <p:style>
+          <a:lnRef idx="2">
+            <a:schemeClr val="accent1">
+              <a:shade val="15000"/>
+            </a:schemeClr>
+          </a:lnRef>
+          <a:fillRef idx="1">
+            <a:schemeClr val="accent1"/>
+          </a:fillRef>
+          <a:effectRef idx="0">
+            <a:schemeClr val="accent1"/>
+          </a:effectRef>
+          <a:fontRef idx="minor">
+            <a:schemeClr val="lt1"/>
+          </a:fontRef>
+        </p:style>
+        <p:txBody>
+          <a:bodyPr rtlCol="0" anchor="ctr"/>
+          <a:lstStyle/>
+          <a:p>
+            <a:pPr algn="ctr"/>
+            <a:r>
+              <a:rPr lang="es-419" dirty="0">
+                <a:solidFill>
+                  <a:schemeClr val="tx1"/>
+                </a:solidFill>
+              </a:rPr>
+              <a:t>WCF</a:t>
+            </a:r>
+          </a:p>
+        </p:txBody>
+      </p:sp>
+      <p:sp>
+        <p:nvSpPr>
+          <p:cNvPr id="21" name="Cross 20">
+            <a:extLst>
+              <a:ext uri="{FF2B5EF4-FFF2-40B4-BE49-F238E27FC236}">
+                <a16:creationId xmlns:a16="http://schemas.microsoft.com/office/drawing/2014/main" id="{EFE57A8B-C880-2DA6-4956-40590F10B09B}"/>
+              </a:ext>
+            </a:extLst>
+          </p:cNvPr>
+          <p:cNvSpPr/>
+          <p:nvPr/>
+        </p:nvSpPr>
+        <p:spPr>
+          <a:xfrm rot="2934813">
+            <a:off x="1788530" y="5406518"/>
+            <a:ext cx="367736" cy="353424"/>
+          </a:xfrm>
+          <a:prstGeom prst="plus">
+            <a:avLst>
+              <a:gd name="adj" fmla="val 44035"/>
+            </a:avLst>
+          </a:prstGeom>
+          <a:solidFill>
+            <a:srgbClr val="FF0000"/>
+          </a:solidFill>
+          <a:ln>
+            <a:solidFill>
+              <a:srgbClr val="FF0000"/>
+            </a:solidFill>
+          </a:ln>
+        </p:spPr>
+        <p:style>
+          <a:lnRef idx="2">
+            <a:schemeClr val="accent1">
+              <a:shade val="15000"/>
+            </a:schemeClr>
+          </a:lnRef>
+          <a:fillRef idx="1">
+            <a:schemeClr val="accent1"/>
+          </a:fillRef>
+          <a:effectRef idx="0">
+            <a:schemeClr val="accent1"/>
+          </a:effectRef>
+          <a:fontRef idx="minor">
+            <a:schemeClr val="lt1"/>
+          </a:fontRef>
+        </p:style>
+        <p:txBody>
+          <a:bodyPr rtlCol="0" anchor="ctr"/>
+          <a:lstStyle/>
+          <a:p>
+            <a:pPr algn="ctr"/>
+            <a:endParaRPr lang="es-419"/>
+          </a:p>
+        </p:txBody>
+      </p:sp>
+      <p:sp>
+        <p:nvSpPr>
+          <p:cNvPr id="22" name="TextBox 21">
+            <a:extLst>
+              <a:ext uri="{FF2B5EF4-FFF2-40B4-BE49-F238E27FC236}">
+                <a16:creationId xmlns:a16="http://schemas.microsoft.com/office/drawing/2014/main" id="{C9577A76-0FE9-7AFB-AADA-8C1D915FB1FD}"/>
+              </a:ext>
+            </a:extLst>
+          </p:cNvPr>
+          <p:cNvSpPr txBox="1"/>
+          <p:nvPr/>
+        </p:nvSpPr>
+        <p:spPr>
+          <a:xfrm>
+            <a:off x="718893" y="3105371"/>
+            <a:ext cx="819455" cy="369332"/>
+          </a:xfrm>
+          <a:prstGeom prst="rect">
+            <a:avLst/>
+          </a:prstGeom>
+          <a:noFill/>
+        </p:spPr>
+        <p:txBody>
+          <a:bodyPr wrap="none" rtlCol="0">
+            <a:spAutoFit/>
+          </a:bodyPr>
+          <a:lstStyle/>
+          <a:p>
+            <a:r>
+              <a:rPr lang="es-419" dirty="0" err="1"/>
+              <a:t>Owner</a:t>
+            </a:r>
+            <a:endParaRPr lang="es-419" dirty="0"/>
+          </a:p>
+        </p:txBody>
+      </p:sp>
+      <p:sp>
+        <p:nvSpPr>
+          <p:cNvPr id="23" name="Arrow: Right 22">
+            <a:extLst>
+              <a:ext uri="{FF2B5EF4-FFF2-40B4-BE49-F238E27FC236}">
+                <a16:creationId xmlns:a16="http://schemas.microsoft.com/office/drawing/2014/main" id="{637EFFF6-9EBB-068A-47DE-1ADD4BF937A4}"/>
+              </a:ext>
+            </a:extLst>
+          </p:cNvPr>
+          <p:cNvSpPr/>
+          <p:nvPr/>
+        </p:nvSpPr>
+        <p:spPr>
+          <a:xfrm>
+            <a:off x="4037121" y="4406280"/>
+            <a:ext cx="1204836" cy="787651"/>
+          </a:xfrm>
+          <a:prstGeom prst="rightArrow">
+            <a:avLst/>
+          </a:prstGeom>
+          <a:noFill/>
+        </p:spPr>
+        <p:style>
+          <a:lnRef idx="2">
+            <a:schemeClr val="accent1">
+              <a:shade val="15000"/>
+            </a:schemeClr>
+          </a:lnRef>
+          <a:fillRef idx="1">
+            <a:schemeClr val="accent1"/>
+          </a:fillRef>
+          <a:effectRef idx="0">
+            <a:schemeClr val="accent1"/>
+          </a:effectRef>
+          <a:fontRef idx="minor">
+            <a:schemeClr val="lt1"/>
+          </a:fontRef>
+        </p:style>
+        <p:txBody>
+          <a:bodyPr rtlCol="0" anchor="ctr"/>
+          <a:lstStyle/>
+          <a:p>
+            <a:pPr algn="ctr"/>
+            <a:endParaRPr lang="es-419"/>
+          </a:p>
+        </p:txBody>
+      </p:sp>
+      <p:sp>
+        <p:nvSpPr>
+          <p:cNvPr id="24" name="Rectangle: Rounded Corners 23">
+            <a:extLst>
+              <a:ext uri="{FF2B5EF4-FFF2-40B4-BE49-F238E27FC236}">
+                <a16:creationId xmlns:a16="http://schemas.microsoft.com/office/drawing/2014/main" id="{1B376122-3E0C-6B0B-7471-B497E20DE636}"/>
+              </a:ext>
+            </a:extLst>
+          </p:cNvPr>
+          <p:cNvSpPr/>
+          <p:nvPr/>
+        </p:nvSpPr>
+        <p:spPr>
+          <a:xfrm>
+            <a:off x="5721066" y="3528094"/>
+            <a:ext cx="1883845" cy="2598344"/>
+          </a:xfrm>
+          <a:prstGeom prst="roundRect">
+            <a:avLst/>
+          </a:prstGeom>
+          <a:noFill/>
+        </p:spPr>
+        <p:style>
+          <a:lnRef idx="2">
+            <a:schemeClr val="accent1">
+              <a:shade val="15000"/>
+            </a:schemeClr>
+          </a:lnRef>
+          <a:fillRef idx="1">
+            <a:schemeClr val="accent1"/>
+          </a:fillRef>
+          <a:effectRef idx="0">
+            <a:schemeClr val="accent1"/>
+          </a:effectRef>
+          <a:fontRef idx="minor">
+            <a:schemeClr val="lt1"/>
+          </a:fontRef>
+        </p:style>
+        <p:txBody>
+          <a:bodyPr rtlCol="0" anchor="ctr"/>
+          <a:lstStyle/>
+          <a:p>
+            <a:pPr algn="ctr"/>
+            <a:r>
+              <a:rPr lang="es-419" dirty="0" err="1">
+                <a:solidFill>
+                  <a:sysClr val="windowText" lastClr="000000"/>
+                </a:solidFill>
+              </a:rPr>
+              <a:t>.Net</a:t>
+            </a:r>
+            <a:r>
+              <a:rPr lang="es-419" dirty="0">
+                <a:solidFill>
+                  <a:sysClr val="windowText" lastClr="000000"/>
+                </a:solidFill>
+              </a:rPr>
+              <a:t> Core</a:t>
+            </a:r>
+          </a:p>
+        </p:txBody>
+      </p:sp>
+      <p:sp>
+        <p:nvSpPr>
+          <p:cNvPr id="25" name="Rectangle 24">
+            <a:extLst>
+              <a:ext uri="{FF2B5EF4-FFF2-40B4-BE49-F238E27FC236}">
+                <a16:creationId xmlns:a16="http://schemas.microsoft.com/office/drawing/2014/main" id="{06224C30-5D79-AFE4-5574-FA5A2148CB2C}"/>
+              </a:ext>
+            </a:extLst>
+          </p:cNvPr>
+          <p:cNvSpPr/>
+          <p:nvPr/>
+        </p:nvSpPr>
+        <p:spPr>
+          <a:xfrm>
+            <a:off x="5879138" y="3790644"/>
+            <a:ext cx="733331" cy="688467"/>
+          </a:xfrm>
+          <a:prstGeom prst="rect">
+            <a:avLst/>
+          </a:prstGeom>
+          <a:noFill/>
+        </p:spPr>
+        <p:style>
+          <a:lnRef idx="2">
+            <a:schemeClr val="accent1">
+              <a:shade val="15000"/>
+            </a:schemeClr>
+          </a:lnRef>
+          <a:fillRef idx="1">
+            <a:schemeClr val="accent1"/>
+          </a:fillRef>
+          <a:effectRef idx="0">
+            <a:schemeClr val="accent1"/>
+          </a:effectRef>
+          <a:fontRef idx="minor">
+            <a:schemeClr val="lt1"/>
+          </a:fontRef>
+        </p:style>
+        <p:txBody>
+          <a:bodyPr rtlCol="0" anchor="ctr"/>
+          <a:lstStyle/>
+          <a:p>
+            <a:pPr algn="ctr"/>
+            <a:endParaRPr lang="es-419"/>
+          </a:p>
+        </p:txBody>
+      </p:sp>
+      <p:sp>
+        <p:nvSpPr>
+          <p:cNvPr id="26" name="TextBox 25">
+            <a:extLst>
+              <a:ext uri="{FF2B5EF4-FFF2-40B4-BE49-F238E27FC236}">
+                <a16:creationId xmlns:a16="http://schemas.microsoft.com/office/drawing/2014/main" id="{2C22369A-46BD-FCB7-6D4A-095160718382}"/>
+              </a:ext>
+            </a:extLst>
+          </p:cNvPr>
+          <p:cNvSpPr txBox="1"/>
+          <p:nvPr/>
+        </p:nvSpPr>
+        <p:spPr>
+          <a:xfrm>
+            <a:off x="5788833" y="3105371"/>
+            <a:ext cx="1388329" cy="369332"/>
+          </a:xfrm>
+          <a:prstGeom prst="rect">
+            <a:avLst/>
+          </a:prstGeom>
+          <a:noFill/>
+        </p:spPr>
+        <p:txBody>
+          <a:bodyPr wrap="none" rtlCol="0">
+            <a:spAutoFit/>
+          </a:bodyPr>
+          <a:lstStyle/>
+          <a:p>
+            <a:r>
+              <a:rPr lang="es-419" dirty="0"/>
+              <a:t>Open </a:t>
+            </a:r>
+            <a:r>
+              <a:rPr lang="es-419" dirty="0" err="1"/>
+              <a:t>Source</a:t>
+            </a:r>
+            <a:endParaRPr lang="es-419" dirty="0"/>
+          </a:p>
+        </p:txBody>
+      </p:sp>
+      <p:sp>
+        <p:nvSpPr>
+          <p:cNvPr id="27" name="Rectangle 26">
+            <a:extLst>
+              <a:ext uri="{FF2B5EF4-FFF2-40B4-BE49-F238E27FC236}">
+                <a16:creationId xmlns:a16="http://schemas.microsoft.com/office/drawing/2014/main" id="{63DB55D5-D121-A8DE-9754-9C45C01FF6FD}"/>
+              </a:ext>
+            </a:extLst>
+          </p:cNvPr>
+          <p:cNvSpPr/>
+          <p:nvPr/>
+        </p:nvSpPr>
+        <p:spPr>
+          <a:xfrm>
+            <a:off x="5893806" y="5185282"/>
+            <a:ext cx="552261" cy="461323"/>
+          </a:xfrm>
+          <a:prstGeom prst="rect">
+            <a:avLst/>
+          </a:prstGeom>
+          <a:noFill/>
+        </p:spPr>
+        <p:style>
+          <a:lnRef idx="2">
+            <a:schemeClr val="accent1">
+              <a:shade val="15000"/>
+            </a:schemeClr>
+          </a:lnRef>
+          <a:fillRef idx="1">
+            <a:schemeClr val="accent1"/>
+          </a:fillRef>
+          <a:effectRef idx="0">
+            <a:schemeClr val="accent1"/>
+          </a:effectRef>
+          <a:fontRef idx="minor">
+            <a:schemeClr val="lt1"/>
+          </a:fontRef>
+        </p:style>
+        <p:txBody>
+          <a:bodyPr rtlCol="0" anchor="ctr"/>
+          <a:lstStyle/>
+          <a:p>
+            <a:pPr algn="ctr"/>
+            <a:r>
+              <a:rPr lang="es-419" sz="1400" dirty="0" err="1">
+                <a:solidFill>
+                  <a:schemeClr val="tx1"/>
+                </a:solidFill>
+              </a:rPr>
+              <a:t>Win</a:t>
+            </a:r>
+            <a:endParaRPr lang="es-419" sz="1400" dirty="0">
+              <a:solidFill>
+                <a:schemeClr val="tx1"/>
+              </a:solidFill>
+            </a:endParaRPr>
+          </a:p>
+        </p:txBody>
+      </p:sp>
+      <p:sp>
+        <p:nvSpPr>
+          <p:cNvPr id="28" name="Rectangle 27">
+            <a:extLst>
+              <a:ext uri="{FF2B5EF4-FFF2-40B4-BE49-F238E27FC236}">
+                <a16:creationId xmlns:a16="http://schemas.microsoft.com/office/drawing/2014/main" id="{69281FDF-E5E9-BD19-44D1-4ED02E4B89B9}"/>
+              </a:ext>
+            </a:extLst>
+          </p:cNvPr>
+          <p:cNvSpPr/>
+          <p:nvPr/>
+        </p:nvSpPr>
+        <p:spPr>
+          <a:xfrm>
+            <a:off x="6612832" y="5185282"/>
+            <a:ext cx="552261" cy="461323"/>
+          </a:xfrm>
+          <a:prstGeom prst="rect">
+            <a:avLst/>
+          </a:prstGeom>
+          <a:noFill/>
+        </p:spPr>
+        <p:style>
+          <a:lnRef idx="2">
+            <a:schemeClr val="accent1">
+              <a:shade val="15000"/>
+            </a:schemeClr>
+          </a:lnRef>
+          <a:fillRef idx="1">
+            <a:schemeClr val="accent1"/>
+          </a:fillRef>
+          <a:effectRef idx="0">
+            <a:schemeClr val="accent1"/>
+          </a:effectRef>
+          <a:fontRef idx="minor">
+            <a:schemeClr val="lt1"/>
+          </a:fontRef>
+        </p:style>
+        <p:txBody>
+          <a:bodyPr rtlCol="0" anchor="ctr"/>
+          <a:lstStyle/>
+          <a:p>
+            <a:pPr algn="ctr"/>
+            <a:r>
+              <a:rPr lang="es-419" sz="1050" dirty="0">
+                <a:solidFill>
+                  <a:schemeClr val="tx1"/>
+                </a:solidFill>
+              </a:rPr>
+              <a:t>Linux</a:t>
+            </a:r>
+          </a:p>
+          <a:p>
+            <a:pPr algn="ctr"/>
+            <a:r>
+              <a:rPr lang="es-419" sz="1050" dirty="0">
+                <a:solidFill>
+                  <a:schemeClr val="tx1"/>
+                </a:solidFill>
+              </a:rPr>
+              <a:t>(</a:t>
+            </a:r>
+            <a:r>
+              <a:rPr lang="es-419" sz="900" dirty="0">
+                <a:solidFill>
+                  <a:schemeClr val="tx1"/>
+                </a:solidFill>
+              </a:rPr>
+              <a:t>Mono</a:t>
+            </a:r>
+            <a:r>
+              <a:rPr lang="es-419" sz="1050" dirty="0">
+                <a:solidFill>
+                  <a:schemeClr val="tx1"/>
+                </a:solidFill>
+              </a:rPr>
+              <a:t>)</a:t>
+            </a:r>
+          </a:p>
+        </p:txBody>
+      </p:sp>
+      <p:sp>
+        <p:nvSpPr>
+          <p:cNvPr id="29" name="Rectangle 28">
+            <a:extLst>
+              <a:ext uri="{FF2B5EF4-FFF2-40B4-BE49-F238E27FC236}">
+                <a16:creationId xmlns:a16="http://schemas.microsoft.com/office/drawing/2014/main" id="{81E328CA-8136-D2EC-C157-3433C7ED212C}"/>
+              </a:ext>
+            </a:extLst>
+          </p:cNvPr>
+          <p:cNvSpPr/>
+          <p:nvPr/>
+        </p:nvSpPr>
+        <p:spPr>
+          <a:xfrm>
+            <a:off x="6673213" y="3790644"/>
+            <a:ext cx="733331" cy="688467"/>
+          </a:xfrm>
+          <a:prstGeom prst="rect">
+            <a:avLst/>
+          </a:prstGeom>
+          <a:noFill/>
+        </p:spPr>
+        <p:style>
+          <a:lnRef idx="2">
+            <a:schemeClr val="accent1">
+              <a:shade val="15000"/>
+            </a:schemeClr>
+          </a:lnRef>
+          <a:fillRef idx="1">
+            <a:schemeClr val="accent1"/>
+          </a:fillRef>
+          <a:effectRef idx="0">
+            <a:schemeClr val="accent1"/>
+          </a:effectRef>
+          <a:fontRef idx="minor">
+            <a:schemeClr val="lt1"/>
+          </a:fontRef>
+        </p:style>
+        <p:txBody>
+          <a:bodyPr rtlCol="0" anchor="ctr"/>
+          <a:lstStyle/>
+          <a:p>
+            <a:pPr algn="ctr"/>
+            <a:endParaRPr lang="es-419"/>
+          </a:p>
+        </p:txBody>
+      </p:sp>
+      <p:sp>
+        <p:nvSpPr>
+          <p:cNvPr id="30" name="Rectangle: Rounded Corners 29">
+            <a:extLst>
+              <a:ext uri="{FF2B5EF4-FFF2-40B4-BE49-F238E27FC236}">
+                <a16:creationId xmlns:a16="http://schemas.microsoft.com/office/drawing/2014/main" id="{A8023184-39BB-2099-9282-DD3320C21F7E}"/>
+              </a:ext>
+            </a:extLst>
+          </p:cNvPr>
+          <p:cNvSpPr/>
+          <p:nvPr/>
+        </p:nvSpPr>
+        <p:spPr>
+          <a:xfrm>
+            <a:off x="7771676" y="3528094"/>
+            <a:ext cx="1883845" cy="2598344"/>
+          </a:xfrm>
+          <a:prstGeom prst="roundRect">
+            <a:avLst/>
+          </a:prstGeom>
+          <a:noFill/>
+        </p:spPr>
+        <p:style>
+          <a:lnRef idx="2">
+            <a:schemeClr val="accent1">
+              <a:shade val="15000"/>
+            </a:schemeClr>
+          </a:lnRef>
+          <a:fillRef idx="1">
+            <a:schemeClr val="accent1"/>
+          </a:fillRef>
+          <a:effectRef idx="0">
+            <a:schemeClr val="accent1"/>
+          </a:effectRef>
+          <a:fontRef idx="minor">
+            <a:schemeClr val="lt1"/>
+          </a:fontRef>
+        </p:style>
+        <p:txBody>
+          <a:bodyPr rtlCol="0" anchor="ctr"/>
+          <a:lstStyle/>
+          <a:p>
+            <a:pPr algn="ctr"/>
+            <a:r>
+              <a:rPr lang="es-419" dirty="0" err="1">
+                <a:solidFill>
+                  <a:sysClr val="windowText" lastClr="000000"/>
+                </a:solidFill>
+              </a:rPr>
+              <a:t>Xamarin</a:t>
+            </a:r>
+            <a:endParaRPr lang="es-419" dirty="0">
+              <a:solidFill>
+                <a:sysClr val="windowText" lastClr="000000"/>
+              </a:solidFill>
+            </a:endParaRPr>
+          </a:p>
+          <a:p>
+            <a:pPr algn="ctr"/>
+            <a:r>
+              <a:rPr lang="es-419" dirty="0">
+                <a:solidFill>
+                  <a:sysClr val="windowText" lastClr="000000"/>
+                </a:solidFill>
+              </a:rPr>
+              <a:t>(Mobile)</a:t>
+            </a:r>
+          </a:p>
+          <a:p>
+            <a:pPr algn="ctr"/>
+            <a:r>
+              <a:rPr lang="es-419" dirty="0">
+                <a:solidFill>
+                  <a:sysClr val="windowText" lastClr="000000"/>
+                </a:solidFill>
+              </a:rPr>
+              <a:t>Mono</a:t>
+            </a:r>
+          </a:p>
+        </p:txBody>
+      </p:sp>
+      <p:sp>
+        <p:nvSpPr>
+          <p:cNvPr id="31" name="TextBox 30">
+            <a:extLst>
+              <a:ext uri="{FF2B5EF4-FFF2-40B4-BE49-F238E27FC236}">
+                <a16:creationId xmlns:a16="http://schemas.microsoft.com/office/drawing/2014/main" id="{10C07F02-73A0-7312-D78F-70BB307BB543}"/>
+              </a:ext>
+            </a:extLst>
+          </p:cNvPr>
+          <p:cNvSpPr txBox="1"/>
+          <p:nvPr/>
+        </p:nvSpPr>
+        <p:spPr>
+          <a:xfrm>
+            <a:off x="7952610" y="3582414"/>
+            <a:ext cx="423514" cy="646331"/>
+          </a:xfrm>
+          <a:prstGeom prst="rect">
+            <a:avLst/>
+          </a:prstGeom>
+          <a:noFill/>
+        </p:spPr>
+        <p:txBody>
+          <a:bodyPr wrap="none" rtlCol="0">
+            <a:spAutoFit/>
+          </a:bodyPr>
+          <a:lstStyle/>
+          <a:p>
+            <a:r>
+              <a:rPr lang="es-419" dirty="0"/>
+              <a:t>C#</a:t>
+            </a:r>
+          </a:p>
+          <a:p>
+            <a:endParaRPr lang="es-419" dirty="0"/>
+          </a:p>
+        </p:txBody>
+      </p:sp>
+      <p:sp>
+        <p:nvSpPr>
+          <p:cNvPr id="32" name="Rectangle 31">
+            <a:extLst>
+              <a:ext uri="{FF2B5EF4-FFF2-40B4-BE49-F238E27FC236}">
+                <a16:creationId xmlns:a16="http://schemas.microsoft.com/office/drawing/2014/main" id="{8D85396A-E31C-D65A-F32B-9DDEA20ADE80}"/>
+              </a:ext>
+            </a:extLst>
+          </p:cNvPr>
+          <p:cNvSpPr/>
+          <p:nvPr/>
+        </p:nvSpPr>
+        <p:spPr>
+          <a:xfrm>
+            <a:off x="7840912" y="5352568"/>
+            <a:ext cx="666289" cy="461323"/>
+          </a:xfrm>
+          <a:prstGeom prst="rect">
+            <a:avLst/>
+          </a:prstGeom>
+          <a:noFill/>
+        </p:spPr>
+        <p:style>
+          <a:lnRef idx="2">
+            <a:schemeClr val="accent1">
+              <a:shade val="15000"/>
+            </a:schemeClr>
+          </a:lnRef>
+          <a:fillRef idx="1">
+            <a:schemeClr val="accent1"/>
+          </a:fillRef>
+          <a:effectRef idx="0">
+            <a:schemeClr val="accent1"/>
+          </a:effectRef>
+          <a:fontRef idx="minor">
+            <a:schemeClr val="lt1"/>
+          </a:fontRef>
+        </p:style>
+        <p:txBody>
+          <a:bodyPr rtlCol="0" anchor="ctr"/>
+          <a:lstStyle/>
+          <a:p>
+            <a:pPr algn="ctr"/>
+            <a:r>
+              <a:rPr lang="es-419" sz="1050" dirty="0">
+                <a:solidFill>
+                  <a:schemeClr val="tx1"/>
+                </a:solidFill>
+              </a:rPr>
+              <a:t>Android</a:t>
+            </a:r>
+          </a:p>
+          <a:p>
+            <a:pPr algn="ctr"/>
+            <a:r>
+              <a:rPr lang="es-419" sz="1050" dirty="0">
+                <a:solidFill>
+                  <a:schemeClr val="tx1"/>
+                </a:solidFill>
+              </a:rPr>
+              <a:t>Linux</a:t>
+            </a:r>
+          </a:p>
+          <a:p>
+            <a:pPr algn="ctr"/>
+            <a:r>
+              <a:rPr lang="es-419" sz="1050" dirty="0">
+                <a:solidFill>
+                  <a:schemeClr val="tx1"/>
+                </a:solidFill>
+              </a:rPr>
+              <a:t>(</a:t>
+            </a:r>
+            <a:r>
+              <a:rPr lang="es-419" sz="900" dirty="0">
+                <a:solidFill>
+                  <a:schemeClr val="tx1"/>
+                </a:solidFill>
+              </a:rPr>
+              <a:t>Mono</a:t>
+            </a:r>
+            <a:r>
+              <a:rPr lang="es-419" sz="1050" dirty="0">
+                <a:solidFill>
+                  <a:schemeClr val="tx1"/>
+                </a:solidFill>
+              </a:rPr>
+              <a:t>)</a:t>
+            </a:r>
+          </a:p>
+        </p:txBody>
+      </p:sp>
+      <p:sp>
+        <p:nvSpPr>
+          <p:cNvPr id="33" name="Rectangle 32">
+            <a:extLst>
+              <a:ext uri="{FF2B5EF4-FFF2-40B4-BE49-F238E27FC236}">
+                <a16:creationId xmlns:a16="http://schemas.microsoft.com/office/drawing/2014/main" id="{5D0F458C-B26A-2D92-DA75-E481F0DC682C}"/>
+              </a:ext>
+            </a:extLst>
+          </p:cNvPr>
+          <p:cNvSpPr/>
+          <p:nvPr/>
+        </p:nvSpPr>
+        <p:spPr>
+          <a:xfrm>
+            <a:off x="8509533" y="5352567"/>
+            <a:ext cx="552261" cy="461323"/>
+          </a:xfrm>
+          <a:prstGeom prst="rect">
+            <a:avLst/>
+          </a:prstGeom>
+          <a:noFill/>
+        </p:spPr>
+        <p:style>
+          <a:lnRef idx="2">
+            <a:schemeClr val="accent1">
+              <a:shade val="15000"/>
+            </a:schemeClr>
+          </a:lnRef>
+          <a:fillRef idx="1">
+            <a:schemeClr val="accent1"/>
+          </a:fillRef>
+          <a:effectRef idx="0">
+            <a:schemeClr val="accent1"/>
+          </a:effectRef>
+          <a:fontRef idx="minor">
+            <a:schemeClr val="lt1"/>
+          </a:fontRef>
+        </p:style>
+        <p:txBody>
+          <a:bodyPr rtlCol="0" anchor="ctr"/>
+          <a:lstStyle/>
+          <a:p>
+            <a:pPr algn="ctr"/>
+            <a:r>
+              <a:rPr lang="es-419" sz="1400" dirty="0" err="1">
+                <a:solidFill>
+                  <a:schemeClr val="tx1"/>
+                </a:solidFill>
+              </a:rPr>
+              <a:t>Win</a:t>
+            </a:r>
+            <a:endParaRPr lang="es-419" sz="1400" dirty="0">
+              <a:solidFill>
+                <a:schemeClr val="tx1"/>
+              </a:solidFill>
+            </a:endParaRPr>
+          </a:p>
+        </p:txBody>
+      </p:sp>
+      <p:sp>
+        <p:nvSpPr>
+          <p:cNvPr id="34" name="Rectangle 33">
+            <a:extLst>
+              <a:ext uri="{FF2B5EF4-FFF2-40B4-BE49-F238E27FC236}">
+                <a16:creationId xmlns:a16="http://schemas.microsoft.com/office/drawing/2014/main" id="{1B7A6D9D-6FA2-CD2F-279D-AF7082031073}"/>
+              </a:ext>
+            </a:extLst>
+          </p:cNvPr>
+          <p:cNvSpPr/>
+          <p:nvPr/>
+        </p:nvSpPr>
+        <p:spPr>
+          <a:xfrm>
+            <a:off x="9061794" y="5352567"/>
+            <a:ext cx="552261" cy="461323"/>
+          </a:xfrm>
+          <a:prstGeom prst="rect">
+            <a:avLst/>
+          </a:prstGeom>
+          <a:noFill/>
+        </p:spPr>
+        <p:style>
+          <a:lnRef idx="2">
+            <a:schemeClr val="accent1">
+              <a:shade val="15000"/>
+            </a:schemeClr>
+          </a:lnRef>
+          <a:fillRef idx="1">
+            <a:schemeClr val="accent1"/>
+          </a:fillRef>
+          <a:effectRef idx="0">
+            <a:schemeClr val="accent1"/>
+          </a:effectRef>
+          <a:fontRef idx="minor">
+            <a:schemeClr val="lt1"/>
+          </a:fontRef>
+        </p:style>
+        <p:txBody>
+          <a:bodyPr rtlCol="0" anchor="ctr"/>
+          <a:lstStyle/>
+          <a:p>
+            <a:pPr algn="ctr"/>
+            <a:r>
+              <a:rPr lang="es-419" sz="1400" dirty="0">
+                <a:solidFill>
+                  <a:schemeClr val="tx1"/>
+                </a:solidFill>
+              </a:rPr>
+              <a:t>iOS</a:t>
+            </a:r>
+          </a:p>
+        </p:txBody>
+      </p:sp>
+      <p:sp>
+        <p:nvSpPr>
+          <p:cNvPr id="35" name="Arrow: Right 34">
+            <a:extLst>
+              <a:ext uri="{FF2B5EF4-FFF2-40B4-BE49-F238E27FC236}">
+                <a16:creationId xmlns:a16="http://schemas.microsoft.com/office/drawing/2014/main" id="{49AA786A-C5FA-554B-0819-BBEE277F1134}"/>
+              </a:ext>
+            </a:extLst>
+          </p:cNvPr>
+          <p:cNvSpPr/>
+          <p:nvPr/>
+        </p:nvSpPr>
+        <p:spPr>
+          <a:xfrm>
+            <a:off x="651850" y="6271697"/>
+            <a:ext cx="9125893" cy="579422"/>
+          </a:xfrm>
+          <a:prstGeom prst="rightArrow">
+            <a:avLst/>
+          </a:prstGeom>
+          <a:noFill/>
+        </p:spPr>
+        <p:style>
+          <a:lnRef idx="2">
+            <a:schemeClr val="accent1">
+              <a:shade val="15000"/>
+            </a:schemeClr>
+          </a:lnRef>
+          <a:fillRef idx="1">
+            <a:schemeClr val="accent1"/>
+          </a:fillRef>
+          <a:effectRef idx="0">
+            <a:schemeClr val="accent1"/>
+          </a:effectRef>
+          <a:fontRef idx="minor">
+            <a:schemeClr val="lt1"/>
+          </a:fontRef>
+        </p:style>
+        <p:txBody>
+          <a:bodyPr rtlCol="0" anchor="ctr"/>
+          <a:lstStyle/>
+          <a:p>
+            <a:pPr algn="ctr"/>
+            <a:endParaRPr lang="es-419"/>
+          </a:p>
+        </p:txBody>
+      </p:sp>
+      <p:sp>
+        <p:nvSpPr>
+          <p:cNvPr id="36" name="Rectangle 35">
+            <a:extLst>
+              <a:ext uri="{FF2B5EF4-FFF2-40B4-BE49-F238E27FC236}">
+                <a16:creationId xmlns:a16="http://schemas.microsoft.com/office/drawing/2014/main" id="{DCA02492-EFC4-083F-0A29-3E1C0D93B469}"/>
+              </a:ext>
+            </a:extLst>
+          </p:cNvPr>
+          <p:cNvSpPr/>
+          <p:nvPr/>
+        </p:nvSpPr>
+        <p:spPr>
+          <a:xfrm>
+            <a:off x="4875291" y="5583230"/>
+            <a:ext cx="733331" cy="688467"/>
+          </a:xfrm>
+          <a:prstGeom prst="rect">
+            <a:avLst/>
+          </a:prstGeom>
+          <a:noFill/>
+        </p:spPr>
+        <p:style>
+          <a:lnRef idx="2">
+            <a:schemeClr val="accent1">
+              <a:shade val="15000"/>
+            </a:schemeClr>
+          </a:lnRef>
+          <a:fillRef idx="1">
+            <a:schemeClr val="accent1"/>
+          </a:fillRef>
+          <a:effectRef idx="0">
+            <a:schemeClr val="accent1"/>
+          </a:effectRef>
+          <a:fontRef idx="minor">
+            <a:schemeClr val="lt1"/>
+          </a:fontRef>
+        </p:style>
+        <p:txBody>
+          <a:bodyPr rtlCol="0" anchor="ctr"/>
+          <a:lstStyle/>
+          <a:p>
+            <a:pPr algn="ctr"/>
+            <a:r>
+              <a:rPr lang="es-419" dirty="0">
+                <a:solidFill>
+                  <a:schemeClr val="tx1"/>
+                </a:solidFill>
+              </a:rPr>
+              <a:t>WCF’</a:t>
+            </a:r>
+          </a:p>
+        </p:txBody>
+      </p:sp>
+      <p:sp>
+        <p:nvSpPr>
+          <p:cNvPr id="37" name="Rectangle: Rounded Corners 36">
+            <a:extLst>
+              <a:ext uri="{FF2B5EF4-FFF2-40B4-BE49-F238E27FC236}">
+                <a16:creationId xmlns:a16="http://schemas.microsoft.com/office/drawing/2014/main" id="{DC1AAF76-B314-111A-56C0-73DD8A68A1C8}"/>
+              </a:ext>
+            </a:extLst>
+          </p:cNvPr>
+          <p:cNvSpPr/>
+          <p:nvPr/>
+        </p:nvSpPr>
+        <p:spPr>
+          <a:xfrm>
+            <a:off x="9822286" y="3528094"/>
+            <a:ext cx="1883845" cy="2598344"/>
+          </a:xfrm>
+          <a:prstGeom prst="roundRect">
+            <a:avLst/>
+          </a:prstGeom>
+          <a:noFill/>
+        </p:spPr>
+        <p:style>
+          <a:lnRef idx="2">
+            <a:schemeClr val="accent1">
+              <a:shade val="15000"/>
+            </a:schemeClr>
+          </a:lnRef>
+          <a:fillRef idx="1">
+            <a:schemeClr val="accent1"/>
+          </a:fillRef>
+          <a:effectRef idx="0">
+            <a:schemeClr val="accent1"/>
+          </a:effectRef>
+          <a:fontRef idx="minor">
+            <a:schemeClr val="lt1"/>
+          </a:fontRef>
+        </p:style>
+        <p:txBody>
+          <a:bodyPr rtlCol="0" anchor="ctr"/>
+          <a:lstStyle/>
+          <a:p>
+            <a:pPr algn="ctr"/>
+            <a:r>
+              <a:rPr lang="es-419" dirty="0" err="1">
+                <a:solidFill>
+                  <a:sysClr val="windowText" lastClr="000000"/>
+                </a:solidFill>
+              </a:rPr>
+              <a:t>.Net</a:t>
+            </a:r>
+            <a:r>
+              <a:rPr lang="es-419" dirty="0">
+                <a:solidFill>
+                  <a:sysClr val="windowText" lastClr="000000"/>
+                </a:solidFill>
+              </a:rPr>
+              <a:t> Framework</a:t>
+            </a:r>
+          </a:p>
+        </p:txBody>
+      </p:sp>
+      <p:sp>
+        <p:nvSpPr>
+          <p:cNvPr id="38" name="TextBox 37">
+            <a:extLst>
+              <a:ext uri="{FF2B5EF4-FFF2-40B4-BE49-F238E27FC236}">
+                <a16:creationId xmlns:a16="http://schemas.microsoft.com/office/drawing/2014/main" id="{50355579-621D-BB48-5E6D-6A3C991DC3D0}"/>
+              </a:ext>
+            </a:extLst>
+          </p:cNvPr>
+          <p:cNvSpPr txBox="1"/>
+          <p:nvPr/>
+        </p:nvSpPr>
+        <p:spPr>
+          <a:xfrm>
+            <a:off x="9832063" y="6126438"/>
+            <a:ext cx="1360244" cy="646331"/>
+          </a:xfrm>
+          <a:prstGeom prst="rect">
+            <a:avLst/>
+          </a:prstGeom>
+          <a:noFill/>
+        </p:spPr>
+        <p:txBody>
+          <a:bodyPr wrap="none" rtlCol="0">
+            <a:spAutoFit/>
+          </a:bodyPr>
+          <a:lstStyle/>
+          <a:p>
+            <a:r>
+              <a:rPr lang="es-419" dirty="0"/>
+              <a:t>2019</a:t>
+            </a:r>
+          </a:p>
+          <a:p>
+            <a:r>
+              <a:rPr lang="es-419" dirty="0"/>
+              <a:t>Net Core 3.1</a:t>
+            </a:r>
+          </a:p>
+        </p:txBody>
+      </p:sp>
     </p:spTree>
     <p:extLst>
       <p:ext uri="{BB962C8B-B14F-4D97-AF65-F5344CB8AC3E}">
         <p14:creationId xmlns:p14="http://schemas.microsoft.com/office/powerpoint/2010/main" val="2108510521"/>
+      </p:ext>
+    </p:extLst>
+  </p:cSld>
+  <p:clrMapOvr>
+    <a:masterClrMapping/>
+  </p:clrMapOvr>
+</p:sld>
+</file>
+
+<file path=ppt/slides/slide3.xml><?xml version="1.0" encoding="utf-8"?>
+<p:sld xmlns:a="http://schemas.openxmlformats.org/drawingml/2006/main" xmlns:r="http://schemas.openxmlformats.org/officeDocument/2006/relationships" xmlns:p="http://schemas.openxmlformats.org/presentationml/2006/main">
+  <p:cSld>
+    <p:spTree>
+      <p:nvGrpSpPr>
+        <p:cNvPr id="1" name=""/>
+        <p:cNvGrpSpPr/>
+        <p:nvPr/>
+      </p:nvGrpSpPr>
+      <p:grpSpPr>
+        <a:xfrm>
+          <a:off x="0" y="0"/>
+          <a:ext cx="0" cy="0"/>
+          <a:chOff x="0" y="0"/>
+          <a:chExt cx="0" cy="0"/>
+        </a:xfrm>
+      </p:grpSpPr>
+      <p:sp>
+        <p:nvSpPr>
+          <p:cNvPr id="4" name="Rectangle: Rounded Corners 3">
+            <a:extLst>
+              <a:ext uri="{FF2B5EF4-FFF2-40B4-BE49-F238E27FC236}">
+                <a16:creationId xmlns:a16="http://schemas.microsoft.com/office/drawing/2014/main" id="{9B27D83D-1BD6-3E85-6614-CF50897949F3}"/>
+              </a:ext>
+            </a:extLst>
+          </p:cNvPr>
+          <p:cNvSpPr/>
+          <p:nvPr/>
+        </p:nvSpPr>
+        <p:spPr>
+          <a:xfrm>
+            <a:off x="533430" y="1192299"/>
+            <a:ext cx="1883845" cy="2598344"/>
+          </a:xfrm>
+          <a:prstGeom prst="roundRect">
+            <a:avLst/>
+          </a:prstGeom>
+          <a:noFill/>
+        </p:spPr>
+        <p:style>
+          <a:lnRef idx="2">
+            <a:schemeClr val="accent1">
+              <a:shade val="15000"/>
+            </a:schemeClr>
+          </a:lnRef>
+          <a:fillRef idx="1">
+            <a:schemeClr val="accent1"/>
+          </a:fillRef>
+          <a:effectRef idx="0">
+            <a:schemeClr val="accent1"/>
+          </a:effectRef>
+          <a:fontRef idx="minor">
+            <a:schemeClr val="lt1"/>
+          </a:fontRef>
+        </p:style>
+        <p:txBody>
+          <a:bodyPr rtlCol="0" anchor="ctr"/>
+          <a:lstStyle/>
+          <a:p>
+            <a:pPr algn="ctr"/>
+            <a:r>
+              <a:rPr lang="es-419" dirty="0" err="1">
+                <a:solidFill>
+                  <a:sysClr val="windowText" lastClr="000000"/>
+                </a:solidFill>
+              </a:rPr>
+              <a:t>.Net</a:t>
+            </a:r>
+            <a:r>
+              <a:rPr lang="es-419" dirty="0">
+                <a:solidFill>
+                  <a:sysClr val="windowText" lastClr="000000"/>
+                </a:solidFill>
+              </a:rPr>
+              <a:t> Core</a:t>
+            </a:r>
+          </a:p>
+        </p:txBody>
+      </p:sp>
+      <p:sp>
+        <p:nvSpPr>
+          <p:cNvPr id="5" name="Rectangle 4">
+            <a:extLst>
+              <a:ext uri="{FF2B5EF4-FFF2-40B4-BE49-F238E27FC236}">
+                <a16:creationId xmlns:a16="http://schemas.microsoft.com/office/drawing/2014/main" id="{F50EA1DB-FD73-BC09-EAFF-334F2BC40B72}"/>
+              </a:ext>
+            </a:extLst>
+          </p:cNvPr>
+          <p:cNvSpPr/>
+          <p:nvPr/>
+        </p:nvSpPr>
+        <p:spPr>
+          <a:xfrm>
+            <a:off x="691502" y="1454849"/>
+            <a:ext cx="733331" cy="688467"/>
+          </a:xfrm>
+          <a:prstGeom prst="rect">
+            <a:avLst/>
+          </a:prstGeom>
+          <a:noFill/>
+        </p:spPr>
+        <p:style>
+          <a:lnRef idx="2">
+            <a:schemeClr val="accent1">
+              <a:shade val="15000"/>
+            </a:schemeClr>
+          </a:lnRef>
+          <a:fillRef idx="1">
+            <a:schemeClr val="accent1"/>
+          </a:fillRef>
+          <a:effectRef idx="0">
+            <a:schemeClr val="accent1"/>
+          </a:effectRef>
+          <a:fontRef idx="minor">
+            <a:schemeClr val="lt1"/>
+          </a:fontRef>
+        </p:style>
+        <p:txBody>
+          <a:bodyPr rtlCol="0" anchor="ctr"/>
+          <a:lstStyle/>
+          <a:p>
+            <a:pPr algn="ctr"/>
+            <a:endParaRPr lang="es-419"/>
+          </a:p>
+        </p:txBody>
+      </p:sp>
+      <p:sp>
+        <p:nvSpPr>
+          <p:cNvPr id="6" name="TextBox 5">
+            <a:extLst>
+              <a:ext uri="{FF2B5EF4-FFF2-40B4-BE49-F238E27FC236}">
+                <a16:creationId xmlns:a16="http://schemas.microsoft.com/office/drawing/2014/main" id="{EEC09B2C-85B5-8638-002F-EF673A872AE8}"/>
+              </a:ext>
+            </a:extLst>
+          </p:cNvPr>
+          <p:cNvSpPr txBox="1"/>
+          <p:nvPr/>
+        </p:nvSpPr>
+        <p:spPr>
+          <a:xfrm>
+            <a:off x="601197" y="769576"/>
+            <a:ext cx="1388329" cy="369332"/>
+          </a:xfrm>
+          <a:prstGeom prst="rect">
+            <a:avLst/>
+          </a:prstGeom>
+          <a:noFill/>
+        </p:spPr>
+        <p:txBody>
+          <a:bodyPr wrap="none" rtlCol="0">
+            <a:spAutoFit/>
+          </a:bodyPr>
+          <a:lstStyle/>
+          <a:p>
+            <a:r>
+              <a:rPr lang="es-419" dirty="0"/>
+              <a:t>Open </a:t>
+            </a:r>
+            <a:r>
+              <a:rPr lang="es-419" dirty="0" err="1"/>
+              <a:t>Source</a:t>
+            </a:r>
+            <a:endParaRPr lang="es-419" dirty="0"/>
+          </a:p>
+        </p:txBody>
+      </p:sp>
+      <p:sp>
+        <p:nvSpPr>
+          <p:cNvPr id="7" name="Rectangle 6">
+            <a:extLst>
+              <a:ext uri="{FF2B5EF4-FFF2-40B4-BE49-F238E27FC236}">
+                <a16:creationId xmlns:a16="http://schemas.microsoft.com/office/drawing/2014/main" id="{03C366EA-687D-21EC-E2CF-D0B82596A949}"/>
+              </a:ext>
+            </a:extLst>
+          </p:cNvPr>
+          <p:cNvSpPr/>
+          <p:nvPr/>
+        </p:nvSpPr>
+        <p:spPr>
+          <a:xfrm>
+            <a:off x="706170" y="2849487"/>
+            <a:ext cx="552261" cy="461323"/>
+          </a:xfrm>
+          <a:prstGeom prst="rect">
+            <a:avLst/>
+          </a:prstGeom>
+          <a:noFill/>
+        </p:spPr>
+        <p:style>
+          <a:lnRef idx="2">
+            <a:schemeClr val="accent1">
+              <a:shade val="15000"/>
+            </a:schemeClr>
+          </a:lnRef>
+          <a:fillRef idx="1">
+            <a:schemeClr val="accent1"/>
+          </a:fillRef>
+          <a:effectRef idx="0">
+            <a:schemeClr val="accent1"/>
+          </a:effectRef>
+          <a:fontRef idx="minor">
+            <a:schemeClr val="lt1"/>
+          </a:fontRef>
+        </p:style>
+        <p:txBody>
+          <a:bodyPr rtlCol="0" anchor="ctr"/>
+          <a:lstStyle/>
+          <a:p>
+            <a:pPr algn="ctr"/>
+            <a:r>
+              <a:rPr lang="es-419" sz="1400" dirty="0" err="1">
+                <a:solidFill>
+                  <a:schemeClr val="tx1"/>
+                </a:solidFill>
+              </a:rPr>
+              <a:t>Win</a:t>
+            </a:r>
+            <a:endParaRPr lang="es-419" sz="1400" dirty="0">
+              <a:solidFill>
+                <a:schemeClr val="tx1"/>
+              </a:solidFill>
+            </a:endParaRPr>
+          </a:p>
+        </p:txBody>
+      </p:sp>
+      <p:sp>
+        <p:nvSpPr>
+          <p:cNvPr id="8" name="Rectangle 7">
+            <a:extLst>
+              <a:ext uri="{FF2B5EF4-FFF2-40B4-BE49-F238E27FC236}">
+                <a16:creationId xmlns:a16="http://schemas.microsoft.com/office/drawing/2014/main" id="{C9179E39-06FE-3528-0ECA-E484807AD342}"/>
+              </a:ext>
+            </a:extLst>
+          </p:cNvPr>
+          <p:cNvSpPr/>
+          <p:nvPr/>
+        </p:nvSpPr>
+        <p:spPr>
+          <a:xfrm>
+            <a:off x="1425196" y="2849487"/>
+            <a:ext cx="552261" cy="461323"/>
+          </a:xfrm>
+          <a:prstGeom prst="rect">
+            <a:avLst/>
+          </a:prstGeom>
+          <a:noFill/>
+        </p:spPr>
+        <p:style>
+          <a:lnRef idx="2">
+            <a:schemeClr val="accent1">
+              <a:shade val="15000"/>
+            </a:schemeClr>
+          </a:lnRef>
+          <a:fillRef idx="1">
+            <a:schemeClr val="accent1"/>
+          </a:fillRef>
+          <a:effectRef idx="0">
+            <a:schemeClr val="accent1"/>
+          </a:effectRef>
+          <a:fontRef idx="minor">
+            <a:schemeClr val="lt1"/>
+          </a:fontRef>
+        </p:style>
+        <p:txBody>
+          <a:bodyPr rtlCol="0" anchor="ctr"/>
+          <a:lstStyle/>
+          <a:p>
+            <a:pPr algn="ctr"/>
+            <a:r>
+              <a:rPr lang="es-419" sz="1050" dirty="0">
+                <a:solidFill>
+                  <a:schemeClr val="tx1"/>
+                </a:solidFill>
+              </a:rPr>
+              <a:t>Linux</a:t>
+            </a:r>
+          </a:p>
+          <a:p>
+            <a:pPr algn="ctr"/>
+            <a:r>
+              <a:rPr lang="es-419" sz="1050" dirty="0">
+                <a:solidFill>
+                  <a:schemeClr val="tx1"/>
+                </a:solidFill>
+              </a:rPr>
+              <a:t>(</a:t>
+            </a:r>
+            <a:r>
+              <a:rPr lang="es-419" sz="900" dirty="0">
+                <a:solidFill>
+                  <a:schemeClr val="tx1"/>
+                </a:solidFill>
+              </a:rPr>
+              <a:t>Mono</a:t>
+            </a:r>
+            <a:r>
+              <a:rPr lang="es-419" sz="1050" dirty="0">
+                <a:solidFill>
+                  <a:schemeClr val="tx1"/>
+                </a:solidFill>
+              </a:rPr>
+              <a:t>)</a:t>
+            </a:r>
+          </a:p>
+        </p:txBody>
+      </p:sp>
+      <p:sp>
+        <p:nvSpPr>
+          <p:cNvPr id="9" name="Rectangle 8">
+            <a:extLst>
+              <a:ext uri="{FF2B5EF4-FFF2-40B4-BE49-F238E27FC236}">
+                <a16:creationId xmlns:a16="http://schemas.microsoft.com/office/drawing/2014/main" id="{BA6CBCCD-F914-8C85-178C-D11742C0FE14}"/>
+              </a:ext>
+            </a:extLst>
+          </p:cNvPr>
+          <p:cNvSpPr/>
+          <p:nvPr/>
+        </p:nvSpPr>
+        <p:spPr>
+          <a:xfrm>
+            <a:off x="1485577" y="1454849"/>
+            <a:ext cx="733331" cy="688467"/>
+          </a:xfrm>
+          <a:prstGeom prst="rect">
+            <a:avLst/>
+          </a:prstGeom>
+          <a:noFill/>
+        </p:spPr>
+        <p:style>
+          <a:lnRef idx="2">
+            <a:schemeClr val="accent1">
+              <a:shade val="15000"/>
+            </a:schemeClr>
+          </a:lnRef>
+          <a:fillRef idx="1">
+            <a:schemeClr val="accent1"/>
+          </a:fillRef>
+          <a:effectRef idx="0">
+            <a:schemeClr val="accent1"/>
+          </a:effectRef>
+          <a:fontRef idx="minor">
+            <a:schemeClr val="lt1"/>
+          </a:fontRef>
+        </p:style>
+        <p:txBody>
+          <a:bodyPr rtlCol="0" anchor="ctr"/>
+          <a:lstStyle/>
+          <a:p>
+            <a:pPr algn="ctr"/>
+            <a:endParaRPr lang="es-419"/>
+          </a:p>
+        </p:txBody>
+      </p:sp>
+      <p:sp>
+        <p:nvSpPr>
+          <p:cNvPr id="10" name="Rectangle: Rounded Corners 9">
+            <a:extLst>
+              <a:ext uri="{FF2B5EF4-FFF2-40B4-BE49-F238E27FC236}">
+                <a16:creationId xmlns:a16="http://schemas.microsoft.com/office/drawing/2014/main" id="{557A8DB5-7F19-5732-FA2E-D936E564D13C}"/>
+              </a:ext>
+            </a:extLst>
+          </p:cNvPr>
+          <p:cNvSpPr/>
+          <p:nvPr/>
+        </p:nvSpPr>
+        <p:spPr>
+          <a:xfrm>
+            <a:off x="2584040" y="1192299"/>
+            <a:ext cx="1883845" cy="2598344"/>
+          </a:xfrm>
+          <a:prstGeom prst="roundRect">
+            <a:avLst/>
+          </a:prstGeom>
+          <a:noFill/>
+        </p:spPr>
+        <p:style>
+          <a:lnRef idx="2">
+            <a:schemeClr val="accent1">
+              <a:shade val="15000"/>
+            </a:schemeClr>
+          </a:lnRef>
+          <a:fillRef idx="1">
+            <a:schemeClr val="accent1"/>
+          </a:fillRef>
+          <a:effectRef idx="0">
+            <a:schemeClr val="accent1"/>
+          </a:effectRef>
+          <a:fontRef idx="minor">
+            <a:schemeClr val="lt1"/>
+          </a:fontRef>
+        </p:style>
+        <p:txBody>
+          <a:bodyPr rtlCol="0" anchor="ctr"/>
+          <a:lstStyle/>
+          <a:p>
+            <a:pPr algn="ctr"/>
+            <a:r>
+              <a:rPr lang="es-419" dirty="0" err="1">
+                <a:solidFill>
+                  <a:sysClr val="windowText" lastClr="000000"/>
+                </a:solidFill>
+              </a:rPr>
+              <a:t>Xamarin</a:t>
+            </a:r>
+            <a:endParaRPr lang="es-419" dirty="0">
+              <a:solidFill>
+                <a:sysClr val="windowText" lastClr="000000"/>
+              </a:solidFill>
+            </a:endParaRPr>
+          </a:p>
+          <a:p>
+            <a:pPr algn="ctr"/>
+            <a:r>
+              <a:rPr lang="es-419" dirty="0">
+                <a:solidFill>
+                  <a:sysClr val="windowText" lastClr="000000"/>
+                </a:solidFill>
+              </a:rPr>
+              <a:t>(Mobile)</a:t>
+            </a:r>
+          </a:p>
+          <a:p>
+            <a:pPr algn="ctr"/>
+            <a:r>
+              <a:rPr lang="es-419" dirty="0">
+                <a:solidFill>
+                  <a:sysClr val="windowText" lastClr="000000"/>
+                </a:solidFill>
+              </a:rPr>
+              <a:t>Mono</a:t>
+            </a:r>
+          </a:p>
+        </p:txBody>
+      </p:sp>
+      <p:sp>
+        <p:nvSpPr>
+          <p:cNvPr id="11" name="TextBox 10">
+            <a:extLst>
+              <a:ext uri="{FF2B5EF4-FFF2-40B4-BE49-F238E27FC236}">
+                <a16:creationId xmlns:a16="http://schemas.microsoft.com/office/drawing/2014/main" id="{1AA8815F-9FC9-9A8A-8059-327680E71AB1}"/>
+              </a:ext>
+            </a:extLst>
+          </p:cNvPr>
+          <p:cNvSpPr txBox="1"/>
+          <p:nvPr/>
+        </p:nvSpPr>
+        <p:spPr>
+          <a:xfrm>
+            <a:off x="2764974" y="1246619"/>
+            <a:ext cx="423514" cy="646331"/>
+          </a:xfrm>
+          <a:prstGeom prst="rect">
+            <a:avLst/>
+          </a:prstGeom>
+          <a:noFill/>
+        </p:spPr>
+        <p:txBody>
+          <a:bodyPr wrap="none" rtlCol="0">
+            <a:spAutoFit/>
+          </a:bodyPr>
+          <a:lstStyle/>
+          <a:p>
+            <a:r>
+              <a:rPr lang="es-419" dirty="0"/>
+              <a:t>C#</a:t>
+            </a:r>
+          </a:p>
+          <a:p>
+            <a:endParaRPr lang="es-419" dirty="0"/>
+          </a:p>
+        </p:txBody>
+      </p:sp>
+      <p:sp>
+        <p:nvSpPr>
+          <p:cNvPr id="12" name="Rectangle 11">
+            <a:extLst>
+              <a:ext uri="{FF2B5EF4-FFF2-40B4-BE49-F238E27FC236}">
+                <a16:creationId xmlns:a16="http://schemas.microsoft.com/office/drawing/2014/main" id="{71DDF897-D491-68B9-C23E-5923EAA7AD9D}"/>
+              </a:ext>
+            </a:extLst>
+          </p:cNvPr>
+          <p:cNvSpPr/>
+          <p:nvPr/>
+        </p:nvSpPr>
+        <p:spPr>
+          <a:xfrm>
+            <a:off x="2653276" y="3016773"/>
+            <a:ext cx="666289" cy="461323"/>
+          </a:xfrm>
+          <a:prstGeom prst="rect">
+            <a:avLst/>
+          </a:prstGeom>
+          <a:noFill/>
+        </p:spPr>
+        <p:style>
+          <a:lnRef idx="2">
+            <a:schemeClr val="accent1">
+              <a:shade val="15000"/>
+            </a:schemeClr>
+          </a:lnRef>
+          <a:fillRef idx="1">
+            <a:schemeClr val="accent1"/>
+          </a:fillRef>
+          <a:effectRef idx="0">
+            <a:schemeClr val="accent1"/>
+          </a:effectRef>
+          <a:fontRef idx="minor">
+            <a:schemeClr val="lt1"/>
+          </a:fontRef>
+        </p:style>
+        <p:txBody>
+          <a:bodyPr rtlCol="0" anchor="ctr"/>
+          <a:lstStyle/>
+          <a:p>
+            <a:pPr algn="ctr"/>
+            <a:r>
+              <a:rPr lang="es-419" sz="1050" dirty="0">
+                <a:solidFill>
+                  <a:schemeClr val="tx1"/>
+                </a:solidFill>
+              </a:rPr>
+              <a:t>Android</a:t>
+            </a:r>
+          </a:p>
+          <a:p>
+            <a:pPr algn="ctr"/>
+            <a:r>
+              <a:rPr lang="es-419" sz="1050" dirty="0">
+                <a:solidFill>
+                  <a:schemeClr val="tx1"/>
+                </a:solidFill>
+              </a:rPr>
+              <a:t>Linux</a:t>
+            </a:r>
+          </a:p>
+          <a:p>
+            <a:pPr algn="ctr"/>
+            <a:r>
+              <a:rPr lang="es-419" sz="1050" dirty="0">
+                <a:solidFill>
+                  <a:schemeClr val="tx1"/>
+                </a:solidFill>
+              </a:rPr>
+              <a:t>(</a:t>
+            </a:r>
+            <a:r>
+              <a:rPr lang="es-419" sz="900" dirty="0">
+                <a:solidFill>
+                  <a:schemeClr val="tx1"/>
+                </a:solidFill>
+              </a:rPr>
+              <a:t>Mono</a:t>
+            </a:r>
+            <a:r>
+              <a:rPr lang="es-419" sz="1050" dirty="0">
+                <a:solidFill>
+                  <a:schemeClr val="tx1"/>
+                </a:solidFill>
+              </a:rPr>
+              <a:t>)</a:t>
+            </a:r>
+          </a:p>
+        </p:txBody>
+      </p:sp>
+      <p:sp>
+        <p:nvSpPr>
+          <p:cNvPr id="13" name="Rectangle 12">
+            <a:extLst>
+              <a:ext uri="{FF2B5EF4-FFF2-40B4-BE49-F238E27FC236}">
+                <a16:creationId xmlns:a16="http://schemas.microsoft.com/office/drawing/2014/main" id="{49761D59-E2D3-2618-B39B-31B33D272DCC}"/>
+              </a:ext>
+            </a:extLst>
+          </p:cNvPr>
+          <p:cNvSpPr/>
+          <p:nvPr/>
+        </p:nvSpPr>
+        <p:spPr>
+          <a:xfrm>
+            <a:off x="3321897" y="3016772"/>
+            <a:ext cx="552261" cy="461323"/>
+          </a:xfrm>
+          <a:prstGeom prst="rect">
+            <a:avLst/>
+          </a:prstGeom>
+          <a:noFill/>
+        </p:spPr>
+        <p:style>
+          <a:lnRef idx="2">
+            <a:schemeClr val="accent1">
+              <a:shade val="15000"/>
+            </a:schemeClr>
+          </a:lnRef>
+          <a:fillRef idx="1">
+            <a:schemeClr val="accent1"/>
+          </a:fillRef>
+          <a:effectRef idx="0">
+            <a:schemeClr val="accent1"/>
+          </a:effectRef>
+          <a:fontRef idx="minor">
+            <a:schemeClr val="lt1"/>
+          </a:fontRef>
+        </p:style>
+        <p:txBody>
+          <a:bodyPr rtlCol="0" anchor="ctr"/>
+          <a:lstStyle/>
+          <a:p>
+            <a:pPr algn="ctr"/>
+            <a:r>
+              <a:rPr lang="es-419" sz="1400" dirty="0" err="1">
+                <a:solidFill>
+                  <a:schemeClr val="tx1"/>
+                </a:solidFill>
+              </a:rPr>
+              <a:t>Win</a:t>
+            </a:r>
+            <a:endParaRPr lang="es-419" sz="1400" dirty="0">
+              <a:solidFill>
+                <a:schemeClr val="tx1"/>
+              </a:solidFill>
+            </a:endParaRPr>
+          </a:p>
+        </p:txBody>
+      </p:sp>
+      <p:sp>
+        <p:nvSpPr>
+          <p:cNvPr id="14" name="Rectangle 13">
+            <a:extLst>
+              <a:ext uri="{FF2B5EF4-FFF2-40B4-BE49-F238E27FC236}">
+                <a16:creationId xmlns:a16="http://schemas.microsoft.com/office/drawing/2014/main" id="{D3EC8285-4155-9A9A-F1C1-3351B1791381}"/>
+              </a:ext>
+            </a:extLst>
+          </p:cNvPr>
+          <p:cNvSpPr/>
+          <p:nvPr/>
+        </p:nvSpPr>
+        <p:spPr>
+          <a:xfrm>
+            <a:off x="3874158" y="3016772"/>
+            <a:ext cx="552261" cy="461323"/>
+          </a:xfrm>
+          <a:prstGeom prst="rect">
+            <a:avLst/>
+          </a:prstGeom>
+          <a:noFill/>
+        </p:spPr>
+        <p:style>
+          <a:lnRef idx="2">
+            <a:schemeClr val="accent1">
+              <a:shade val="15000"/>
+            </a:schemeClr>
+          </a:lnRef>
+          <a:fillRef idx="1">
+            <a:schemeClr val="accent1"/>
+          </a:fillRef>
+          <a:effectRef idx="0">
+            <a:schemeClr val="accent1"/>
+          </a:effectRef>
+          <a:fontRef idx="minor">
+            <a:schemeClr val="lt1"/>
+          </a:fontRef>
+        </p:style>
+        <p:txBody>
+          <a:bodyPr rtlCol="0" anchor="ctr"/>
+          <a:lstStyle/>
+          <a:p>
+            <a:pPr algn="ctr"/>
+            <a:r>
+              <a:rPr lang="es-419" sz="1400" dirty="0">
+                <a:solidFill>
+                  <a:schemeClr val="tx1"/>
+                </a:solidFill>
+              </a:rPr>
+              <a:t>iOS</a:t>
+            </a:r>
+          </a:p>
+        </p:txBody>
+      </p:sp>
+      <p:sp>
+        <p:nvSpPr>
+          <p:cNvPr id="15" name="Rectangle: Rounded Corners 14">
+            <a:extLst>
+              <a:ext uri="{FF2B5EF4-FFF2-40B4-BE49-F238E27FC236}">
+                <a16:creationId xmlns:a16="http://schemas.microsoft.com/office/drawing/2014/main" id="{CF78B6EA-A519-E49E-A9DD-257A831EBE0C}"/>
+              </a:ext>
+            </a:extLst>
+          </p:cNvPr>
+          <p:cNvSpPr/>
+          <p:nvPr/>
+        </p:nvSpPr>
+        <p:spPr>
+          <a:xfrm>
+            <a:off x="4634650" y="1192299"/>
+            <a:ext cx="1883845" cy="2598344"/>
+          </a:xfrm>
+          <a:prstGeom prst="roundRect">
+            <a:avLst/>
+          </a:prstGeom>
+          <a:noFill/>
+        </p:spPr>
+        <p:style>
+          <a:lnRef idx="2">
+            <a:schemeClr val="accent1">
+              <a:shade val="15000"/>
+            </a:schemeClr>
+          </a:lnRef>
+          <a:fillRef idx="1">
+            <a:schemeClr val="accent1"/>
+          </a:fillRef>
+          <a:effectRef idx="0">
+            <a:schemeClr val="accent1"/>
+          </a:effectRef>
+          <a:fontRef idx="minor">
+            <a:schemeClr val="lt1"/>
+          </a:fontRef>
+        </p:style>
+        <p:txBody>
+          <a:bodyPr rtlCol="0" anchor="ctr"/>
+          <a:lstStyle/>
+          <a:p>
+            <a:pPr algn="ctr"/>
+            <a:r>
+              <a:rPr lang="es-419" dirty="0" err="1">
+                <a:solidFill>
+                  <a:sysClr val="windowText" lastClr="000000"/>
+                </a:solidFill>
+              </a:rPr>
+              <a:t>.Net</a:t>
+            </a:r>
+            <a:r>
+              <a:rPr lang="es-419" dirty="0">
+                <a:solidFill>
+                  <a:sysClr val="windowText" lastClr="000000"/>
+                </a:solidFill>
+              </a:rPr>
+              <a:t> Framework</a:t>
+            </a:r>
+          </a:p>
+          <a:p>
+            <a:pPr algn="ctr"/>
+            <a:r>
+              <a:rPr lang="es-419" dirty="0">
+                <a:solidFill>
+                  <a:sysClr val="windowText" lastClr="000000"/>
+                </a:solidFill>
+              </a:rPr>
+              <a:t>4.8</a:t>
+            </a:r>
+          </a:p>
+        </p:txBody>
+      </p:sp>
+      <p:sp>
+        <p:nvSpPr>
+          <p:cNvPr id="16" name="Rectangle 15">
+            <a:extLst>
+              <a:ext uri="{FF2B5EF4-FFF2-40B4-BE49-F238E27FC236}">
+                <a16:creationId xmlns:a16="http://schemas.microsoft.com/office/drawing/2014/main" id="{F8A1FE1A-C7CF-A4F4-E7AA-D2F2E62108B1}"/>
+              </a:ext>
+            </a:extLst>
+          </p:cNvPr>
+          <p:cNvSpPr/>
+          <p:nvPr/>
+        </p:nvSpPr>
+        <p:spPr>
+          <a:xfrm>
+            <a:off x="4902073" y="2842402"/>
+            <a:ext cx="697118" cy="461323"/>
+          </a:xfrm>
+          <a:prstGeom prst="rect">
+            <a:avLst/>
+          </a:prstGeom>
+          <a:noFill/>
+        </p:spPr>
+        <p:style>
+          <a:lnRef idx="2">
+            <a:schemeClr val="accent1">
+              <a:shade val="15000"/>
+            </a:schemeClr>
+          </a:lnRef>
+          <a:fillRef idx="1">
+            <a:schemeClr val="accent1"/>
+          </a:fillRef>
+          <a:effectRef idx="0">
+            <a:schemeClr val="accent1"/>
+          </a:effectRef>
+          <a:fontRef idx="minor">
+            <a:schemeClr val="lt1"/>
+          </a:fontRef>
+        </p:style>
+        <p:txBody>
+          <a:bodyPr rtlCol="0" anchor="ctr"/>
+          <a:lstStyle/>
+          <a:p>
+            <a:pPr algn="ctr"/>
+            <a:r>
+              <a:rPr lang="es-419" sz="1050" dirty="0" err="1">
+                <a:solidFill>
+                  <a:sysClr val="windowText" lastClr="000000"/>
+                </a:solidFill>
+              </a:rPr>
+              <a:t>WinForm</a:t>
+            </a:r>
+            <a:endParaRPr lang="es-419" sz="1050" dirty="0">
+              <a:solidFill>
+                <a:sysClr val="windowText" lastClr="000000"/>
+              </a:solidFill>
+            </a:endParaRPr>
+          </a:p>
+        </p:txBody>
+      </p:sp>
+      <p:sp>
+        <p:nvSpPr>
+          <p:cNvPr id="17" name="Arrow: Right 16">
+            <a:extLst>
+              <a:ext uri="{FF2B5EF4-FFF2-40B4-BE49-F238E27FC236}">
+                <a16:creationId xmlns:a16="http://schemas.microsoft.com/office/drawing/2014/main" id="{9A2CA605-0A40-1278-2F93-9ADDB9F7002C}"/>
+              </a:ext>
+            </a:extLst>
+          </p:cNvPr>
+          <p:cNvSpPr/>
+          <p:nvPr/>
+        </p:nvSpPr>
+        <p:spPr>
+          <a:xfrm>
+            <a:off x="6762939" y="2263366"/>
+            <a:ext cx="579421" cy="488887"/>
+          </a:xfrm>
+          <a:prstGeom prst="rightArrow">
+            <a:avLst/>
+          </a:prstGeom>
+          <a:noFill/>
+        </p:spPr>
+        <p:style>
+          <a:lnRef idx="2">
+            <a:schemeClr val="accent1">
+              <a:shade val="15000"/>
+            </a:schemeClr>
+          </a:lnRef>
+          <a:fillRef idx="1">
+            <a:schemeClr val="accent1"/>
+          </a:fillRef>
+          <a:effectRef idx="0">
+            <a:schemeClr val="accent1"/>
+          </a:effectRef>
+          <a:fontRef idx="minor">
+            <a:schemeClr val="lt1"/>
+          </a:fontRef>
+        </p:style>
+        <p:txBody>
+          <a:bodyPr rtlCol="0" anchor="ctr"/>
+          <a:lstStyle/>
+          <a:p>
+            <a:pPr algn="ctr"/>
+            <a:endParaRPr lang="es-419"/>
+          </a:p>
+        </p:txBody>
+      </p:sp>
+      <p:sp>
+        <p:nvSpPr>
+          <p:cNvPr id="18" name="Rectangle: Rounded Corners 17">
+            <a:extLst>
+              <a:ext uri="{FF2B5EF4-FFF2-40B4-BE49-F238E27FC236}">
+                <a16:creationId xmlns:a16="http://schemas.microsoft.com/office/drawing/2014/main" id="{70B83D5A-96AF-8224-1491-48CF09444E8B}"/>
+              </a:ext>
+            </a:extLst>
+          </p:cNvPr>
+          <p:cNvSpPr/>
+          <p:nvPr/>
+        </p:nvSpPr>
+        <p:spPr>
+          <a:xfrm>
+            <a:off x="7654879" y="1192299"/>
+            <a:ext cx="4241374" cy="2598344"/>
+          </a:xfrm>
+          <a:prstGeom prst="roundRect">
+            <a:avLst/>
+          </a:prstGeom>
+          <a:noFill/>
+        </p:spPr>
+        <p:style>
+          <a:lnRef idx="2">
+            <a:schemeClr val="accent1">
+              <a:shade val="15000"/>
+            </a:schemeClr>
+          </a:lnRef>
+          <a:fillRef idx="1">
+            <a:schemeClr val="accent1"/>
+          </a:fillRef>
+          <a:effectRef idx="0">
+            <a:schemeClr val="accent1"/>
+          </a:effectRef>
+          <a:fontRef idx="minor">
+            <a:schemeClr val="lt1"/>
+          </a:fontRef>
+        </p:style>
+        <p:txBody>
+          <a:bodyPr rtlCol="0" anchor="ctr"/>
+          <a:lstStyle/>
+          <a:p>
+            <a:pPr algn="ctr"/>
+            <a:r>
+              <a:rPr lang="es-419" dirty="0">
+                <a:solidFill>
+                  <a:sysClr val="windowText" lastClr="000000"/>
+                </a:solidFill>
+              </a:rPr>
+              <a:t>NET 5</a:t>
+            </a:r>
+          </a:p>
+        </p:txBody>
+      </p:sp>
+      <p:sp>
+        <p:nvSpPr>
+          <p:cNvPr id="19" name="TextBox 18">
+            <a:extLst>
+              <a:ext uri="{FF2B5EF4-FFF2-40B4-BE49-F238E27FC236}">
+                <a16:creationId xmlns:a16="http://schemas.microsoft.com/office/drawing/2014/main" id="{608674AB-E43F-083B-2CCA-2D39F3AA7B3C}"/>
+              </a:ext>
+            </a:extLst>
+          </p:cNvPr>
+          <p:cNvSpPr txBox="1"/>
+          <p:nvPr/>
+        </p:nvSpPr>
+        <p:spPr>
+          <a:xfrm>
+            <a:off x="7939940" y="2752253"/>
+            <a:ext cx="678391" cy="923330"/>
+          </a:xfrm>
+          <a:prstGeom prst="rect">
+            <a:avLst/>
+          </a:prstGeom>
+          <a:noFill/>
+        </p:spPr>
+        <p:txBody>
+          <a:bodyPr wrap="none" rtlCol="0">
+            <a:spAutoFit/>
+          </a:bodyPr>
+          <a:lstStyle/>
+          <a:p>
+            <a:r>
+              <a:rPr lang="es-419" dirty="0"/>
+              <a:t>Linux</a:t>
+            </a:r>
+          </a:p>
+          <a:p>
+            <a:r>
+              <a:rPr lang="es-419" dirty="0" err="1"/>
+              <a:t>Win</a:t>
+            </a:r>
+            <a:endParaRPr lang="es-419" dirty="0"/>
+          </a:p>
+          <a:p>
+            <a:r>
+              <a:rPr lang="es-419" dirty="0"/>
+              <a:t>iOS</a:t>
+            </a:r>
+          </a:p>
+        </p:txBody>
+      </p:sp>
+      <p:sp>
+        <p:nvSpPr>
+          <p:cNvPr id="20" name="Rectangle 19">
+            <a:extLst>
+              <a:ext uri="{FF2B5EF4-FFF2-40B4-BE49-F238E27FC236}">
+                <a16:creationId xmlns:a16="http://schemas.microsoft.com/office/drawing/2014/main" id="{C0D0AAF0-CEFF-5950-81D0-6EEFE009A5E2}"/>
+              </a:ext>
+            </a:extLst>
+          </p:cNvPr>
+          <p:cNvSpPr/>
+          <p:nvPr/>
+        </p:nvSpPr>
+        <p:spPr>
+          <a:xfrm>
+            <a:off x="8841606" y="2849487"/>
+            <a:ext cx="697118" cy="461323"/>
+          </a:xfrm>
+          <a:prstGeom prst="rect">
+            <a:avLst/>
+          </a:prstGeom>
+          <a:noFill/>
+        </p:spPr>
+        <p:style>
+          <a:lnRef idx="2">
+            <a:schemeClr val="accent1">
+              <a:shade val="15000"/>
+            </a:schemeClr>
+          </a:lnRef>
+          <a:fillRef idx="1">
+            <a:schemeClr val="accent1"/>
+          </a:fillRef>
+          <a:effectRef idx="0">
+            <a:schemeClr val="accent1"/>
+          </a:effectRef>
+          <a:fontRef idx="minor">
+            <a:schemeClr val="lt1"/>
+          </a:fontRef>
+        </p:style>
+        <p:txBody>
+          <a:bodyPr rtlCol="0" anchor="ctr"/>
+          <a:lstStyle/>
+          <a:p>
+            <a:pPr algn="ctr"/>
+            <a:r>
+              <a:rPr lang="es-419" sz="1050" dirty="0" err="1">
+                <a:solidFill>
+                  <a:sysClr val="windowText" lastClr="000000"/>
+                </a:solidFill>
+              </a:rPr>
+              <a:t>WinForm</a:t>
+            </a:r>
+            <a:endParaRPr lang="es-419" sz="1050" dirty="0">
+              <a:solidFill>
+                <a:sysClr val="windowText" lastClr="000000"/>
+              </a:solidFill>
+            </a:endParaRPr>
+          </a:p>
+          <a:p>
+            <a:pPr algn="ctr"/>
+            <a:r>
+              <a:rPr lang="es-419" sz="1050" dirty="0">
+                <a:solidFill>
+                  <a:sysClr val="windowText" lastClr="000000"/>
+                </a:solidFill>
+              </a:rPr>
+              <a:t>(</a:t>
+            </a:r>
+            <a:r>
+              <a:rPr lang="es-419" sz="1050" dirty="0" err="1">
+                <a:solidFill>
+                  <a:sysClr val="windowText" lastClr="000000"/>
+                </a:solidFill>
+              </a:rPr>
+              <a:t>Win</a:t>
+            </a:r>
+            <a:r>
+              <a:rPr lang="es-419" sz="1050" dirty="0">
+                <a:solidFill>
+                  <a:sysClr val="windowText" lastClr="000000"/>
+                </a:solidFill>
+              </a:rPr>
+              <a:t>)</a:t>
+            </a:r>
+          </a:p>
+        </p:txBody>
+      </p:sp>
+      <p:sp>
+        <p:nvSpPr>
+          <p:cNvPr id="21" name="Rectangle 20">
+            <a:extLst>
+              <a:ext uri="{FF2B5EF4-FFF2-40B4-BE49-F238E27FC236}">
+                <a16:creationId xmlns:a16="http://schemas.microsoft.com/office/drawing/2014/main" id="{7BF03E80-3774-E61E-FBEE-503AC108BCFF}"/>
+              </a:ext>
+            </a:extLst>
+          </p:cNvPr>
+          <p:cNvSpPr/>
+          <p:nvPr/>
+        </p:nvSpPr>
+        <p:spPr>
+          <a:xfrm>
+            <a:off x="778599" y="4204443"/>
+            <a:ext cx="1100300" cy="1021273"/>
+          </a:xfrm>
+          <a:prstGeom prst="rect">
+            <a:avLst/>
+          </a:prstGeom>
+          <a:noFill/>
+        </p:spPr>
+        <p:style>
+          <a:lnRef idx="2">
+            <a:schemeClr val="accent1">
+              <a:shade val="15000"/>
+            </a:schemeClr>
+          </a:lnRef>
+          <a:fillRef idx="1">
+            <a:schemeClr val="accent1"/>
+          </a:fillRef>
+          <a:effectRef idx="0">
+            <a:schemeClr val="accent1"/>
+          </a:effectRef>
+          <a:fontRef idx="minor">
+            <a:schemeClr val="lt1"/>
+          </a:fontRef>
+        </p:style>
+        <p:txBody>
+          <a:bodyPr rtlCol="0" anchor="ctr"/>
+          <a:lstStyle/>
+          <a:p>
+            <a:pPr algn="ctr"/>
+            <a:r>
+              <a:rPr lang="es-419" dirty="0" err="1">
+                <a:solidFill>
+                  <a:schemeClr val="tx1"/>
+                </a:solidFill>
+              </a:rPr>
+              <a:t>Program</a:t>
+            </a:r>
+            <a:r>
+              <a:rPr lang="es-419" dirty="0">
+                <a:solidFill>
+                  <a:schemeClr val="tx1"/>
+                </a:solidFill>
+              </a:rPr>
+              <a:t> </a:t>
+            </a:r>
+            <a:r>
+              <a:rPr lang="es-419" dirty="0" err="1">
+                <a:solidFill>
+                  <a:schemeClr val="tx1"/>
+                </a:solidFill>
+              </a:rPr>
+              <a:t>Language</a:t>
+            </a:r>
+            <a:endParaRPr lang="es-419" dirty="0">
+              <a:solidFill>
+                <a:schemeClr val="tx1"/>
+              </a:solidFill>
+            </a:endParaRPr>
+          </a:p>
+        </p:txBody>
+      </p:sp>
+      <p:sp>
+        <p:nvSpPr>
+          <p:cNvPr id="22" name="Arrow: Right 21">
+            <a:extLst>
+              <a:ext uri="{FF2B5EF4-FFF2-40B4-BE49-F238E27FC236}">
+                <a16:creationId xmlns:a16="http://schemas.microsoft.com/office/drawing/2014/main" id="{DE116017-FD8A-1EFD-79D6-32F1D9F3972F}"/>
+              </a:ext>
+            </a:extLst>
+          </p:cNvPr>
+          <p:cNvSpPr/>
+          <p:nvPr/>
+        </p:nvSpPr>
+        <p:spPr>
+          <a:xfrm>
+            <a:off x="2127564" y="4474279"/>
+            <a:ext cx="579421" cy="488887"/>
+          </a:xfrm>
+          <a:prstGeom prst="rightArrow">
+            <a:avLst/>
+          </a:prstGeom>
+          <a:noFill/>
+        </p:spPr>
+        <p:style>
+          <a:lnRef idx="2">
+            <a:schemeClr val="accent1">
+              <a:shade val="15000"/>
+            </a:schemeClr>
+          </a:lnRef>
+          <a:fillRef idx="1">
+            <a:schemeClr val="accent1"/>
+          </a:fillRef>
+          <a:effectRef idx="0">
+            <a:schemeClr val="accent1"/>
+          </a:effectRef>
+          <a:fontRef idx="minor">
+            <a:schemeClr val="lt1"/>
+          </a:fontRef>
+        </p:style>
+        <p:txBody>
+          <a:bodyPr rtlCol="0" anchor="ctr"/>
+          <a:lstStyle/>
+          <a:p>
+            <a:pPr algn="ctr"/>
+            <a:endParaRPr lang="es-419"/>
+          </a:p>
+        </p:txBody>
+      </p:sp>
+      <p:sp>
+        <p:nvSpPr>
+          <p:cNvPr id="23" name="Rectangle 22">
+            <a:extLst>
+              <a:ext uri="{FF2B5EF4-FFF2-40B4-BE49-F238E27FC236}">
+                <a16:creationId xmlns:a16="http://schemas.microsoft.com/office/drawing/2014/main" id="{9712F043-3A1F-CD6D-21B6-014507A0B9C4}"/>
+              </a:ext>
+            </a:extLst>
+          </p:cNvPr>
+          <p:cNvSpPr/>
+          <p:nvPr/>
+        </p:nvSpPr>
+        <p:spPr>
+          <a:xfrm>
+            <a:off x="2800293" y="4204443"/>
+            <a:ext cx="1100300" cy="1021273"/>
+          </a:xfrm>
+          <a:prstGeom prst="rect">
+            <a:avLst/>
+          </a:prstGeom>
+          <a:noFill/>
+        </p:spPr>
+        <p:style>
+          <a:lnRef idx="2">
+            <a:schemeClr val="accent1">
+              <a:shade val="15000"/>
+            </a:schemeClr>
+          </a:lnRef>
+          <a:fillRef idx="1">
+            <a:schemeClr val="accent1"/>
+          </a:fillRef>
+          <a:effectRef idx="0">
+            <a:schemeClr val="accent1"/>
+          </a:effectRef>
+          <a:fontRef idx="minor">
+            <a:schemeClr val="lt1"/>
+          </a:fontRef>
+        </p:style>
+        <p:txBody>
+          <a:bodyPr rtlCol="0" anchor="ctr"/>
+          <a:lstStyle/>
+          <a:p>
+            <a:pPr algn="ctr"/>
+            <a:r>
+              <a:rPr lang="es-419" dirty="0" err="1">
+                <a:solidFill>
+                  <a:schemeClr val="tx1"/>
+                </a:solidFill>
+              </a:rPr>
+              <a:t>Intermediate</a:t>
+            </a:r>
+            <a:r>
+              <a:rPr lang="es-419" dirty="0">
+                <a:solidFill>
+                  <a:schemeClr val="tx1"/>
+                </a:solidFill>
+              </a:rPr>
+              <a:t> </a:t>
+            </a:r>
+            <a:r>
+              <a:rPr lang="es-419" dirty="0" err="1">
+                <a:solidFill>
+                  <a:schemeClr val="tx1"/>
+                </a:solidFill>
+              </a:rPr>
+              <a:t>Language</a:t>
+            </a:r>
+            <a:endParaRPr lang="es-419" dirty="0">
+              <a:solidFill>
+                <a:schemeClr val="tx1"/>
+              </a:solidFill>
+            </a:endParaRPr>
+          </a:p>
+        </p:txBody>
+      </p:sp>
+      <p:sp>
+        <p:nvSpPr>
+          <p:cNvPr id="24" name="Arrow: Right 23">
+            <a:extLst>
+              <a:ext uri="{FF2B5EF4-FFF2-40B4-BE49-F238E27FC236}">
+                <a16:creationId xmlns:a16="http://schemas.microsoft.com/office/drawing/2014/main" id="{EAC1D6B5-7AFB-E191-CAA2-D4D8A398A5FD}"/>
+              </a:ext>
+            </a:extLst>
+          </p:cNvPr>
+          <p:cNvSpPr/>
+          <p:nvPr/>
+        </p:nvSpPr>
+        <p:spPr>
+          <a:xfrm>
+            <a:off x="4130077" y="4474279"/>
+            <a:ext cx="579421" cy="488887"/>
+          </a:xfrm>
+          <a:prstGeom prst="rightArrow">
+            <a:avLst/>
+          </a:prstGeom>
+          <a:noFill/>
+        </p:spPr>
+        <p:style>
+          <a:lnRef idx="2">
+            <a:schemeClr val="accent1">
+              <a:shade val="15000"/>
+            </a:schemeClr>
+          </a:lnRef>
+          <a:fillRef idx="1">
+            <a:schemeClr val="accent1"/>
+          </a:fillRef>
+          <a:effectRef idx="0">
+            <a:schemeClr val="accent1"/>
+          </a:effectRef>
+          <a:fontRef idx="minor">
+            <a:schemeClr val="lt1"/>
+          </a:fontRef>
+        </p:style>
+        <p:txBody>
+          <a:bodyPr rtlCol="0" anchor="ctr"/>
+          <a:lstStyle/>
+          <a:p>
+            <a:pPr algn="ctr"/>
+            <a:endParaRPr lang="es-419"/>
+          </a:p>
+        </p:txBody>
+      </p:sp>
+      <p:sp>
+        <p:nvSpPr>
+          <p:cNvPr id="25" name="Rectangle 24">
+            <a:extLst>
+              <a:ext uri="{FF2B5EF4-FFF2-40B4-BE49-F238E27FC236}">
+                <a16:creationId xmlns:a16="http://schemas.microsoft.com/office/drawing/2014/main" id="{699C2525-ED5E-3090-66CE-E50B163BAA3F}"/>
+              </a:ext>
+            </a:extLst>
+          </p:cNvPr>
+          <p:cNvSpPr/>
+          <p:nvPr/>
+        </p:nvSpPr>
+        <p:spPr>
+          <a:xfrm>
+            <a:off x="4880349" y="4204443"/>
+            <a:ext cx="1100300" cy="1021273"/>
+          </a:xfrm>
+          <a:prstGeom prst="rect">
+            <a:avLst/>
+          </a:prstGeom>
+          <a:noFill/>
+        </p:spPr>
+        <p:style>
+          <a:lnRef idx="2">
+            <a:schemeClr val="accent1">
+              <a:shade val="15000"/>
+            </a:schemeClr>
+          </a:lnRef>
+          <a:fillRef idx="1">
+            <a:schemeClr val="accent1"/>
+          </a:fillRef>
+          <a:effectRef idx="0">
+            <a:schemeClr val="accent1"/>
+          </a:effectRef>
+          <a:fontRef idx="minor">
+            <a:schemeClr val="lt1"/>
+          </a:fontRef>
+        </p:style>
+        <p:txBody>
+          <a:bodyPr rtlCol="0" anchor="ctr"/>
+          <a:lstStyle/>
+          <a:p>
+            <a:pPr algn="ctr"/>
+            <a:r>
+              <a:rPr lang="es-419" dirty="0" err="1">
+                <a:solidFill>
+                  <a:schemeClr val="tx1"/>
+                </a:solidFill>
+              </a:rPr>
+              <a:t>Processor</a:t>
+            </a:r>
+            <a:endParaRPr lang="es-419" dirty="0">
+              <a:solidFill>
+                <a:schemeClr val="tx1"/>
+              </a:solidFill>
+            </a:endParaRPr>
+          </a:p>
+        </p:txBody>
+      </p:sp>
+      <p:sp>
+        <p:nvSpPr>
+          <p:cNvPr id="26" name="TextBox 25">
+            <a:extLst>
+              <a:ext uri="{FF2B5EF4-FFF2-40B4-BE49-F238E27FC236}">
+                <a16:creationId xmlns:a16="http://schemas.microsoft.com/office/drawing/2014/main" id="{5BC21A1C-946B-7255-2C3E-3D6B9D3A4D2B}"/>
+              </a:ext>
+            </a:extLst>
+          </p:cNvPr>
+          <p:cNvSpPr txBox="1"/>
+          <p:nvPr/>
+        </p:nvSpPr>
+        <p:spPr>
+          <a:xfrm>
+            <a:off x="6105444" y="4391913"/>
+            <a:ext cx="816249" cy="646331"/>
+          </a:xfrm>
+          <a:prstGeom prst="rect">
+            <a:avLst/>
+          </a:prstGeom>
+          <a:noFill/>
+        </p:spPr>
+        <p:txBody>
+          <a:bodyPr wrap="none" rtlCol="0">
+            <a:spAutoFit/>
+          </a:bodyPr>
+          <a:lstStyle/>
+          <a:p>
+            <a:r>
+              <a:rPr lang="es-419" dirty="0"/>
+              <a:t>x64</a:t>
+            </a:r>
+          </a:p>
+          <a:p>
+            <a:r>
+              <a:rPr lang="es-419" dirty="0"/>
+              <a:t>Arm64</a:t>
+            </a:r>
+          </a:p>
+        </p:txBody>
+      </p:sp>
+      <p:sp>
+        <p:nvSpPr>
+          <p:cNvPr id="27" name="TextBox 26">
+            <a:extLst>
+              <a:ext uri="{FF2B5EF4-FFF2-40B4-BE49-F238E27FC236}">
+                <a16:creationId xmlns:a16="http://schemas.microsoft.com/office/drawing/2014/main" id="{BE2190D3-D7D8-C8F3-4FD1-2734D1EE535D}"/>
+              </a:ext>
+            </a:extLst>
+          </p:cNvPr>
+          <p:cNvSpPr txBox="1"/>
+          <p:nvPr/>
+        </p:nvSpPr>
+        <p:spPr>
+          <a:xfrm>
+            <a:off x="7772213" y="3878170"/>
+            <a:ext cx="1282146" cy="2831544"/>
+          </a:xfrm>
+          <a:prstGeom prst="rect">
+            <a:avLst/>
+          </a:prstGeom>
+          <a:noFill/>
+        </p:spPr>
+        <p:txBody>
+          <a:bodyPr wrap="none" rtlCol="0">
+            <a:spAutoFit/>
+          </a:bodyPr>
+          <a:lstStyle/>
+          <a:p>
+            <a:r>
+              <a:rPr lang="es-419" sz="1600" dirty="0" err="1"/>
+              <a:t>.Net</a:t>
+            </a:r>
+            <a:r>
+              <a:rPr lang="es-419" sz="1600" dirty="0"/>
+              <a:t> Core 1.0</a:t>
+            </a:r>
+          </a:p>
+          <a:p>
+            <a:r>
+              <a:rPr lang="es-419" sz="1600" dirty="0" err="1"/>
+              <a:t>.Net</a:t>
+            </a:r>
+            <a:r>
+              <a:rPr lang="es-419" sz="1600" dirty="0"/>
+              <a:t> Core 1.1</a:t>
+            </a:r>
+          </a:p>
+          <a:p>
+            <a:r>
+              <a:rPr lang="es-419" sz="1600" dirty="0" err="1"/>
+              <a:t>.Net</a:t>
+            </a:r>
+            <a:r>
+              <a:rPr lang="es-419" sz="1600" dirty="0"/>
+              <a:t> Core 2.0</a:t>
+            </a:r>
+          </a:p>
+          <a:p>
+            <a:r>
+              <a:rPr lang="es-419" sz="1600" dirty="0" err="1"/>
+              <a:t>.Net</a:t>
+            </a:r>
+            <a:r>
+              <a:rPr lang="es-419" sz="1600" dirty="0"/>
+              <a:t> Core 2.1</a:t>
+            </a:r>
+          </a:p>
+          <a:p>
+            <a:r>
+              <a:rPr lang="es-419" sz="1600" dirty="0" err="1"/>
+              <a:t>.Net</a:t>
+            </a:r>
+            <a:r>
+              <a:rPr lang="es-419" sz="1600" dirty="0"/>
+              <a:t> Core 3.0</a:t>
+            </a:r>
+          </a:p>
+          <a:p>
+            <a:r>
+              <a:rPr lang="es-419" sz="1600" dirty="0" err="1"/>
+              <a:t>.Net</a:t>
+            </a:r>
+            <a:r>
+              <a:rPr lang="es-419" sz="1600" dirty="0"/>
+              <a:t> Core 3.1</a:t>
+            </a:r>
+          </a:p>
+          <a:p>
+            <a:endParaRPr lang="es-419" sz="1600" dirty="0"/>
+          </a:p>
+          <a:p>
+            <a:r>
+              <a:rPr lang="es-419" sz="1600" dirty="0"/>
+              <a:t>NET 5</a:t>
+            </a:r>
+          </a:p>
+          <a:p>
+            <a:r>
+              <a:rPr lang="es-419" sz="1600" dirty="0"/>
+              <a:t>NET 6</a:t>
+            </a:r>
+          </a:p>
+          <a:p>
+            <a:r>
+              <a:rPr lang="es-419" sz="1600" dirty="0"/>
+              <a:t>NET 7</a:t>
+            </a:r>
+          </a:p>
+          <a:p>
+            <a:r>
+              <a:rPr lang="es-419" sz="1600" dirty="0"/>
+              <a:t>NET 8</a:t>
+            </a:r>
+          </a:p>
+        </p:txBody>
+      </p:sp>
+      <p:sp>
+        <p:nvSpPr>
+          <p:cNvPr id="28" name="Rectangle 27">
+            <a:extLst>
+              <a:ext uri="{FF2B5EF4-FFF2-40B4-BE49-F238E27FC236}">
+                <a16:creationId xmlns:a16="http://schemas.microsoft.com/office/drawing/2014/main" id="{32295FBF-58F8-C097-2B23-4A696F57DF75}"/>
+              </a:ext>
+            </a:extLst>
+          </p:cNvPr>
+          <p:cNvSpPr/>
+          <p:nvPr/>
+        </p:nvSpPr>
+        <p:spPr>
+          <a:xfrm>
+            <a:off x="778599" y="5639517"/>
+            <a:ext cx="1100300" cy="1021273"/>
+          </a:xfrm>
+          <a:prstGeom prst="rect">
+            <a:avLst/>
+          </a:prstGeom>
+          <a:noFill/>
+        </p:spPr>
+        <p:style>
+          <a:lnRef idx="2">
+            <a:schemeClr val="accent1">
+              <a:shade val="15000"/>
+            </a:schemeClr>
+          </a:lnRef>
+          <a:fillRef idx="1">
+            <a:schemeClr val="accent1"/>
+          </a:fillRef>
+          <a:effectRef idx="0">
+            <a:schemeClr val="accent1"/>
+          </a:effectRef>
+          <a:fontRef idx="minor">
+            <a:schemeClr val="lt1"/>
+          </a:fontRef>
+        </p:style>
+        <p:txBody>
+          <a:bodyPr rtlCol="0" anchor="ctr"/>
+          <a:lstStyle/>
+          <a:p>
+            <a:pPr algn="ctr"/>
+            <a:r>
+              <a:rPr lang="es-419" dirty="0" err="1">
+                <a:solidFill>
+                  <a:schemeClr val="tx1"/>
+                </a:solidFill>
+              </a:rPr>
+              <a:t>Program</a:t>
+            </a:r>
+            <a:r>
+              <a:rPr lang="es-419" dirty="0">
+                <a:solidFill>
+                  <a:schemeClr val="tx1"/>
+                </a:solidFill>
+              </a:rPr>
+              <a:t> </a:t>
+            </a:r>
+            <a:r>
+              <a:rPr lang="es-419" dirty="0" err="1">
+                <a:solidFill>
+                  <a:schemeClr val="tx1"/>
+                </a:solidFill>
+              </a:rPr>
+              <a:t>Language</a:t>
+            </a:r>
+            <a:endParaRPr lang="es-419" dirty="0">
+              <a:solidFill>
+                <a:schemeClr val="tx1"/>
+              </a:solidFill>
+            </a:endParaRPr>
+          </a:p>
+        </p:txBody>
+      </p:sp>
+      <p:sp>
+        <p:nvSpPr>
+          <p:cNvPr id="29" name="Arrow: Right 28">
+            <a:extLst>
+              <a:ext uri="{FF2B5EF4-FFF2-40B4-BE49-F238E27FC236}">
+                <a16:creationId xmlns:a16="http://schemas.microsoft.com/office/drawing/2014/main" id="{8E9484F1-A6A2-F2FD-DFC6-86C5B84609F3}"/>
+              </a:ext>
+            </a:extLst>
+          </p:cNvPr>
+          <p:cNvSpPr/>
+          <p:nvPr/>
+        </p:nvSpPr>
+        <p:spPr>
+          <a:xfrm>
+            <a:off x="2127564" y="5909353"/>
+            <a:ext cx="2507086" cy="488887"/>
+          </a:xfrm>
+          <a:prstGeom prst="rightArrow">
+            <a:avLst/>
+          </a:prstGeom>
+          <a:noFill/>
+        </p:spPr>
+        <p:style>
+          <a:lnRef idx="2">
+            <a:schemeClr val="accent1">
+              <a:shade val="15000"/>
+            </a:schemeClr>
+          </a:lnRef>
+          <a:fillRef idx="1">
+            <a:schemeClr val="accent1"/>
+          </a:fillRef>
+          <a:effectRef idx="0">
+            <a:schemeClr val="accent1"/>
+          </a:effectRef>
+          <a:fontRef idx="minor">
+            <a:schemeClr val="lt1"/>
+          </a:fontRef>
+        </p:style>
+        <p:txBody>
+          <a:bodyPr rtlCol="0" anchor="ctr"/>
+          <a:lstStyle/>
+          <a:p>
+            <a:pPr algn="ctr"/>
+            <a:endParaRPr lang="es-419"/>
+          </a:p>
+        </p:txBody>
+      </p:sp>
+      <p:sp>
+        <p:nvSpPr>
+          <p:cNvPr id="30" name="Rectangle 29">
+            <a:extLst>
+              <a:ext uri="{FF2B5EF4-FFF2-40B4-BE49-F238E27FC236}">
+                <a16:creationId xmlns:a16="http://schemas.microsoft.com/office/drawing/2014/main" id="{DDD6C461-CFF9-B08F-6AA1-16747E944E31}"/>
+              </a:ext>
+            </a:extLst>
+          </p:cNvPr>
+          <p:cNvSpPr/>
+          <p:nvPr/>
+        </p:nvSpPr>
+        <p:spPr>
+          <a:xfrm>
+            <a:off x="4880349" y="5639514"/>
+            <a:ext cx="1100300" cy="1021273"/>
+          </a:xfrm>
+          <a:prstGeom prst="rect">
+            <a:avLst/>
+          </a:prstGeom>
+          <a:noFill/>
+        </p:spPr>
+        <p:style>
+          <a:lnRef idx="2">
+            <a:schemeClr val="accent1">
+              <a:shade val="15000"/>
+            </a:schemeClr>
+          </a:lnRef>
+          <a:fillRef idx="1">
+            <a:schemeClr val="accent1"/>
+          </a:fillRef>
+          <a:effectRef idx="0">
+            <a:schemeClr val="accent1"/>
+          </a:effectRef>
+          <a:fontRef idx="minor">
+            <a:schemeClr val="lt1"/>
+          </a:fontRef>
+        </p:style>
+        <p:txBody>
+          <a:bodyPr rtlCol="0" anchor="ctr"/>
+          <a:lstStyle/>
+          <a:p>
+            <a:pPr algn="ctr"/>
+            <a:r>
+              <a:rPr lang="es-419" dirty="0" err="1">
+                <a:solidFill>
+                  <a:schemeClr val="tx1"/>
+                </a:solidFill>
+              </a:rPr>
+              <a:t>Processor</a:t>
+            </a:r>
+            <a:endParaRPr lang="es-419" dirty="0">
+              <a:solidFill>
+                <a:schemeClr val="tx1"/>
+              </a:solidFill>
+            </a:endParaRPr>
+          </a:p>
+        </p:txBody>
+      </p:sp>
+      <p:sp>
+        <p:nvSpPr>
+          <p:cNvPr id="31" name="TextBox 30">
+            <a:extLst>
+              <a:ext uri="{FF2B5EF4-FFF2-40B4-BE49-F238E27FC236}">
+                <a16:creationId xmlns:a16="http://schemas.microsoft.com/office/drawing/2014/main" id="{4120DF11-C1D9-1F9A-4C15-0944692633CC}"/>
+              </a:ext>
+            </a:extLst>
+          </p:cNvPr>
+          <p:cNvSpPr txBox="1"/>
+          <p:nvPr/>
+        </p:nvSpPr>
+        <p:spPr>
+          <a:xfrm>
+            <a:off x="6122580" y="5826984"/>
+            <a:ext cx="816249" cy="646331"/>
+          </a:xfrm>
+          <a:prstGeom prst="rect">
+            <a:avLst/>
+          </a:prstGeom>
+          <a:noFill/>
+        </p:spPr>
+        <p:txBody>
+          <a:bodyPr wrap="none" rtlCol="0">
+            <a:spAutoFit/>
+          </a:bodyPr>
+          <a:lstStyle/>
+          <a:p>
+            <a:r>
+              <a:rPr lang="es-419" dirty="0"/>
+              <a:t>x64</a:t>
+            </a:r>
+          </a:p>
+          <a:p>
+            <a:r>
+              <a:rPr lang="es-419" dirty="0"/>
+              <a:t>Arm64</a:t>
+            </a:r>
+          </a:p>
+        </p:txBody>
+      </p:sp>
+    </p:spTree>
+    <p:extLst>
+      <p:ext uri="{BB962C8B-B14F-4D97-AF65-F5344CB8AC3E}">
+        <p14:creationId xmlns:p14="http://schemas.microsoft.com/office/powerpoint/2010/main" val="4228656114"/>
+      </p:ext>
+    </p:extLst>
+  </p:cSld>
+  <p:clrMapOvr>
+    <a:masterClrMapping/>
+  </p:clrMapOvr>
+</p:sld>
+</file>
+
+<file path=ppt/slides/slide4.xml><?xml version="1.0" encoding="utf-8"?>
+<p:sld xmlns:a="http://schemas.openxmlformats.org/drawingml/2006/main" xmlns:r="http://schemas.openxmlformats.org/officeDocument/2006/relationships" xmlns:p="http://schemas.openxmlformats.org/presentationml/2006/main">
+  <p:cSld>
+    <p:spTree>
+      <p:nvGrpSpPr>
+        <p:cNvPr id="1" name=""/>
+        <p:cNvGrpSpPr/>
+        <p:nvPr/>
+      </p:nvGrpSpPr>
+      <p:grpSpPr>
+        <a:xfrm>
+          <a:off x="0" y="0"/>
+          <a:ext cx="0" cy="0"/>
+          <a:chOff x="0" y="0"/>
+          <a:chExt cx="0" cy="0"/>
+        </a:xfrm>
+      </p:grpSpPr>
+      <p:sp>
+        <p:nvSpPr>
+          <p:cNvPr id="4" name="Rectangle 3">
+            <a:extLst>
+              <a:ext uri="{FF2B5EF4-FFF2-40B4-BE49-F238E27FC236}">
+                <a16:creationId xmlns:a16="http://schemas.microsoft.com/office/drawing/2014/main" id="{8E663D86-EBB9-52BA-07E6-CF30CC38DAB4}"/>
+              </a:ext>
+            </a:extLst>
+          </p:cNvPr>
+          <p:cNvSpPr/>
+          <p:nvPr/>
+        </p:nvSpPr>
+        <p:spPr>
+          <a:xfrm>
+            <a:off x="1548142" y="2043794"/>
+            <a:ext cx="878187" cy="253916"/>
+          </a:xfrm>
+          <a:prstGeom prst="rect">
+            <a:avLst/>
+          </a:prstGeom>
+          <a:noFill/>
+        </p:spPr>
+        <p:style>
+          <a:lnRef idx="2">
+            <a:schemeClr val="accent1">
+              <a:shade val="15000"/>
+            </a:schemeClr>
+          </a:lnRef>
+          <a:fillRef idx="1">
+            <a:schemeClr val="accent1"/>
+          </a:fillRef>
+          <a:effectRef idx="0">
+            <a:schemeClr val="accent1"/>
+          </a:effectRef>
+          <a:fontRef idx="minor">
+            <a:schemeClr val="lt1"/>
+          </a:fontRef>
+        </p:style>
+        <p:txBody>
+          <a:bodyPr rtlCol="0" anchor="ctr"/>
+          <a:lstStyle/>
+          <a:p>
+            <a:pPr algn="ctr"/>
+            <a:endParaRPr lang="es-419" sz="1050">
+              <a:latin typeface="Arial" panose="020B0604020202020204" pitchFamily="34" charset="0"/>
+              <a:cs typeface="Arial" panose="020B0604020202020204" pitchFamily="34" charset="0"/>
+            </a:endParaRPr>
+          </a:p>
+        </p:txBody>
+      </p:sp>
+      <p:sp>
+        <p:nvSpPr>
+          <p:cNvPr id="5" name="TextBox 4">
+            <a:extLst>
+              <a:ext uri="{FF2B5EF4-FFF2-40B4-BE49-F238E27FC236}">
+                <a16:creationId xmlns:a16="http://schemas.microsoft.com/office/drawing/2014/main" id="{7B6CC73D-7FD8-7182-C6AC-EC7257144D41}"/>
+              </a:ext>
+            </a:extLst>
+          </p:cNvPr>
+          <p:cNvSpPr txBox="1"/>
+          <p:nvPr/>
+        </p:nvSpPr>
+        <p:spPr>
+          <a:xfrm>
+            <a:off x="1531925" y="2061900"/>
+            <a:ext cx="803869" cy="215444"/>
+          </a:xfrm>
+          <a:prstGeom prst="rect">
+            <a:avLst/>
+          </a:prstGeom>
+          <a:noFill/>
+        </p:spPr>
+        <p:txBody>
+          <a:bodyPr wrap="square" rtlCol="0">
+            <a:spAutoFit/>
+          </a:bodyPr>
+          <a:lstStyle/>
+          <a:p>
+            <a:r>
+              <a:rPr lang="es-419" sz="800" dirty="0" err="1">
+                <a:latin typeface="Arial" panose="020B0604020202020204" pitchFamily="34" charset="0"/>
+                <a:cs typeface="Arial" panose="020B0604020202020204" pitchFamily="34" charset="0"/>
+              </a:rPr>
+              <a:t>ASP.Net</a:t>
+            </a:r>
+            <a:r>
+              <a:rPr lang="es-419" sz="800" dirty="0">
+                <a:latin typeface="Arial" panose="020B0604020202020204" pitchFamily="34" charset="0"/>
+                <a:cs typeface="Arial" panose="020B0604020202020204" pitchFamily="34" charset="0"/>
+              </a:rPr>
+              <a:t> App</a:t>
+            </a:r>
+          </a:p>
+        </p:txBody>
+      </p:sp>
+      <p:sp>
+        <p:nvSpPr>
+          <p:cNvPr id="6" name="Rectangle 5">
+            <a:extLst>
+              <a:ext uri="{FF2B5EF4-FFF2-40B4-BE49-F238E27FC236}">
+                <a16:creationId xmlns:a16="http://schemas.microsoft.com/office/drawing/2014/main" id="{A95426D7-8282-A4FD-51CD-F31561F1777C}"/>
+              </a:ext>
+            </a:extLst>
+          </p:cNvPr>
+          <p:cNvSpPr/>
+          <p:nvPr/>
+        </p:nvSpPr>
+        <p:spPr>
+          <a:xfrm>
+            <a:off x="1403286" y="1597467"/>
+            <a:ext cx="2344849" cy="1218162"/>
+          </a:xfrm>
+          <a:prstGeom prst="rect">
+            <a:avLst/>
+          </a:prstGeom>
+          <a:noFill/>
+        </p:spPr>
+        <p:style>
+          <a:lnRef idx="2">
+            <a:schemeClr val="accent1">
+              <a:shade val="15000"/>
+            </a:schemeClr>
+          </a:lnRef>
+          <a:fillRef idx="1">
+            <a:schemeClr val="accent1"/>
+          </a:fillRef>
+          <a:effectRef idx="0">
+            <a:schemeClr val="accent1"/>
+          </a:effectRef>
+          <a:fontRef idx="minor">
+            <a:schemeClr val="lt1"/>
+          </a:fontRef>
+        </p:style>
+        <p:txBody>
+          <a:bodyPr rtlCol="0" anchor="ctr"/>
+          <a:lstStyle/>
+          <a:p>
+            <a:pPr algn="ctr"/>
+            <a:endParaRPr lang="es-419" sz="1050">
+              <a:latin typeface="Arial" panose="020B0604020202020204" pitchFamily="34" charset="0"/>
+              <a:cs typeface="Arial" panose="020B0604020202020204" pitchFamily="34" charset="0"/>
+            </a:endParaRPr>
+          </a:p>
+        </p:txBody>
+      </p:sp>
+      <p:sp>
+        <p:nvSpPr>
+          <p:cNvPr id="7" name="TextBox 6">
+            <a:extLst>
+              <a:ext uri="{FF2B5EF4-FFF2-40B4-BE49-F238E27FC236}">
+                <a16:creationId xmlns:a16="http://schemas.microsoft.com/office/drawing/2014/main" id="{C29A6C62-555F-AADB-CAB8-FDAC3AB80BCF}"/>
+              </a:ext>
+            </a:extLst>
+          </p:cNvPr>
+          <p:cNvSpPr txBox="1"/>
+          <p:nvPr/>
+        </p:nvSpPr>
+        <p:spPr>
+          <a:xfrm>
+            <a:off x="1403285" y="1597467"/>
+            <a:ext cx="1412566" cy="253916"/>
+          </a:xfrm>
+          <a:prstGeom prst="rect">
+            <a:avLst/>
+          </a:prstGeom>
+          <a:noFill/>
+        </p:spPr>
+        <p:txBody>
+          <a:bodyPr wrap="none" rtlCol="0">
+            <a:spAutoFit/>
+          </a:bodyPr>
+          <a:lstStyle/>
+          <a:p>
+            <a:r>
+              <a:rPr lang="es-419" sz="1050" dirty="0" err="1">
+                <a:latin typeface="Arial" panose="020B0604020202020204" pitchFamily="34" charset="0"/>
+                <a:cs typeface="Arial" panose="020B0604020202020204" pitchFamily="34" charset="0"/>
+              </a:rPr>
+              <a:t>ASP.Net</a:t>
+            </a:r>
+            <a:r>
+              <a:rPr lang="es-419" sz="1050" dirty="0">
+                <a:latin typeface="Arial" panose="020B0604020202020204" pitchFamily="34" charset="0"/>
+                <a:cs typeface="Arial" panose="020B0604020202020204" pitchFamily="34" charset="0"/>
+              </a:rPr>
+              <a:t> Framework</a:t>
+            </a:r>
+          </a:p>
+        </p:txBody>
+      </p:sp>
+      <p:sp>
+        <p:nvSpPr>
+          <p:cNvPr id="8" name="Rectangle 7">
+            <a:extLst>
+              <a:ext uri="{FF2B5EF4-FFF2-40B4-BE49-F238E27FC236}">
+                <a16:creationId xmlns:a16="http://schemas.microsoft.com/office/drawing/2014/main" id="{75BB4034-D89B-56AE-0961-19B539EB95A3}"/>
+              </a:ext>
+            </a:extLst>
+          </p:cNvPr>
+          <p:cNvSpPr/>
+          <p:nvPr/>
+        </p:nvSpPr>
+        <p:spPr>
+          <a:xfrm>
+            <a:off x="1050202" y="1217220"/>
+            <a:ext cx="2888056" cy="2594289"/>
+          </a:xfrm>
+          <a:prstGeom prst="rect">
+            <a:avLst/>
+          </a:prstGeom>
+          <a:noFill/>
+        </p:spPr>
+        <p:style>
+          <a:lnRef idx="2">
+            <a:schemeClr val="accent1">
+              <a:shade val="15000"/>
+            </a:schemeClr>
+          </a:lnRef>
+          <a:fillRef idx="1">
+            <a:schemeClr val="accent1"/>
+          </a:fillRef>
+          <a:effectRef idx="0">
+            <a:schemeClr val="accent1"/>
+          </a:effectRef>
+          <a:fontRef idx="minor">
+            <a:schemeClr val="lt1"/>
+          </a:fontRef>
+        </p:style>
+        <p:txBody>
+          <a:bodyPr rtlCol="0" anchor="ctr"/>
+          <a:lstStyle/>
+          <a:p>
+            <a:pPr algn="ctr"/>
+            <a:endParaRPr lang="es-419" sz="1050">
+              <a:latin typeface="Arial" panose="020B0604020202020204" pitchFamily="34" charset="0"/>
+              <a:cs typeface="Arial" panose="020B0604020202020204" pitchFamily="34" charset="0"/>
+            </a:endParaRPr>
+          </a:p>
+        </p:txBody>
+      </p:sp>
+      <p:sp>
+        <p:nvSpPr>
+          <p:cNvPr id="9" name="TextBox 8">
+            <a:extLst>
+              <a:ext uri="{FF2B5EF4-FFF2-40B4-BE49-F238E27FC236}">
+                <a16:creationId xmlns:a16="http://schemas.microsoft.com/office/drawing/2014/main" id="{29165309-0895-103F-93F1-595ADAE8A5F4}"/>
+              </a:ext>
+            </a:extLst>
+          </p:cNvPr>
+          <p:cNvSpPr txBox="1"/>
+          <p:nvPr/>
+        </p:nvSpPr>
+        <p:spPr>
+          <a:xfrm>
+            <a:off x="1050202" y="1217220"/>
+            <a:ext cx="1143262" cy="253916"/>
+          </a:xfrm>
+          <a:prstGeom prst="rect">
+            <a:avLst/>
+          </a:prstGeom>
+          <a:noFill/>
+        </p:spPr>
+        <p:txBody>
+          <a:bodyPr wrap="none" rtlCol="0">
+            <a:spAutoFit/>
+          </a:bodyPr>
+          <a:lstStyle/>
+          <a:p>
+            <a:r>
+              <a:rPr lang="es-419" sz="1050" dirty="0" err="1">
+                <a:latin typeface="Arial" panose="020B0604020202020204" pitchFamily="34" charset="0"/>
+                <a:cs typeface="Arial" panose="020B0604020202020204" pitchFamily="34" charset="0"/>
+              </a:rPr>
+              <a:t>.Net</a:t>
+            </a:r>
+            <a:r>
+              <a:rPr lang="es-419" sz="1050" dirty="0">
+                <a:latin typeface="Arial" panose="020B0604020202020204" pitchFamily="34" charset="0"/>
+                <a:cs typeface="Arial" panose="020B0604020202020204" pitchFamily="34" charset="0"/>
+              </a:rPr>
+              <a:t> Framework</a:t>
+            </a:r>
+          </a:p>
+        </p:txBody>
+      </p:sp>
+      <p:sp>
+        <p:nvSpPr>
+          <p:cNvPr id="10" name="Rectangle 9">
+            <a:extLst>
+              <a:ext uri="{FF2B5EF4-FFF2-40B4-BE49-F238E27FC236}">
+                <a16:creationId xmlns:a16="http://schemas.microsoft.com/office/drawing/2014/main" id="{C0A3DFA6-23DF-FAA0-DE22-97975700FAF3}"/>
+              </a:ext>
+            </a:extLst>
+          </p:cNvPr>
+          <p:cNvSpPr/>
+          <p:nvPr/>
+        </p:nvSpPr>
+        <p:spPr>
+          <a:xfrm>
+            <a:off x="860080" y="814811"/>
+            <a:ext cx="3295462" cy="3295461"/>
+          </a:xfrm>
+          <a:prstGeom prst="rect">
+            <a:avLst/>
+          </a:prstGeom>
+          <a:noFill/>
+        </p:spPr>
+        <p:style>
+          <a:lnRef idx="2">
+            <a:schemeClr val="accent1">
+              <a:shade val="15000"/>
+            </a:schemeClr>
+          </a:lnRef>
+          <a:fillRef idx="1">
+            <a:schemeClr val="accent1"/>
+          </a:fillRef>
+          <a:effectRef idx="0">
+            <a:schemeClr val="accent1"/>
+          </a:effectRef>
+          <a:fontRef idx="minor">
+            <a:schemeClr val="lt1"/>
+          </a:fontRef>
+        </p:style>
+        <p:txBody>
+          <a:bodyPr rtlCol="0" anchor="ctr"/>
+          <a:lstStyle/>
+          <a:p>
+            <a:pPr algn="ctr"/>
+            <a:endParaRPr lang="es-419" sz="1050">
+              <a:latin typeface="Arial" panose="020B0604020202020204" pitchFamily="34" charset="0"/>
+              <a:cs typeface="Arial" panose="020B0604020202020204" pitchFamily="34" charset="0"/>
+            </a:endParaRPr>
+          </a:p>
+        </p:txBody>
+      </p:sp>
+      <p:sp>
+        <p:nvSpPr>
+          <p:cNvPr id="11" name="TextBox 10">
+            <a:extLst>
+              <a:ext uri="{FF2B5EF4-FFF2-40B4-BE49-F238E27FC236}">
+                <a16:creationId xmlns:a16="http://schemas.microsoft.com/office/drawing/2014/main" id="{F52E32F0-81F7-4464-689E-F8A451BD2DBB}"/>
+              </a:ext>
+            </a:extLst>
+          </p:cNvPr>
+          <p:cNvSpPr txBox="1"/>
+          <p:nvPr/>
+        </p:nvSpPr>
+        <p:spPr>
+          <a:xfrm>
+            <a:off x="806439" y="813242"/>
+            <a:ext cx="348172" cy="253916"/>
+          </a:xfrm>
+          <a:prstGeom prst="rect">
+            <a:avLst/>
+          </a:prstGeom>
+          <a:noFill/>
+        </p:spPr>
+        <p:txBody>
+          <a:bodyPr wrap="none" rtlCol="0">
+            <a:spAutoFit/>
+          </a:bodyPr>
+          <a:lstStyle/>
+          <a:p>
+            <a:r>
+              <a:rPr lang="es-419" sz="1050" dirty="0">
+                <a:latin typeface="Arial" panose="020B0604020202020204" pitchFamily="34" charset="0"/>
+                <a:cs typeface="Arial" panose="020B0604020202020204" pitchFamily="34" charset="0"/>
+              </a:rPr>
+              <a:t>IIS</a:t>
+            </a:r>
+          </a:p>
+        </p:txBody>
+      </p:sp>
+      <p:sp>
+        <p:nvSpPr>
+          <p:cNvPr id="12" name="Rectangle 11">
+            <a:extLst>
+              <a:ext uri="{FF2B5EF4-FFF2-40B4-BE49-F238E27FC236}">
+                <a16:creationId xmlns:a16="http://schemas.microsoft.com/office/drawing/2014/main" id="{8CF40A59-75D2-F417-8333-DB3BDBE29DF7}"/>
+              </a:ext>
+            </a:extLst>
+          </p:cNvPr>
+          <p:cNvSpPr/>
+          <p:nvPr/>
+        </p:nvSpPr>
+        <p:spPr>
+          <a:xfrm>
+            <a:off x="624689" y="414169"/>
+            <a:ext cx="3793402" cy="3994869"/>
+          </a:xfrm>
+          <a:prstGeom prst="rect">
+            <a:avLst/>
+          </a:prstGeom>
+          <a:noFill/>
+        </p:spPr>
+        <p:style>
+          <a:lnRef idx="2">
+            <a:schemeClr val="accent1">
+              <a:shade val="15000"/>
+            </a:schemeClr>
+          </a:lnRef>
+          <a:fillRef idx="1">
+            <a:schemeClr val="accent1"/>
+          </a:fillRef>
+          <a:effectRef idx="0">
+            <a:schemeClr val="accent1"/>
+          </a:effectRef>
+          <a:fontRef idx="minor">
+            <a:schemeClr val="lt1"/>
+          </a:fontRef>
+        </p:style>
+        <p:txBody>
+          <a:bodyPr rtlCol="0" anchor="ctr"/>
+          <a:lstStyle/>
+          <a:p>
+            <a:pPr algn="ctr"/>
+            <a:endParaRPr lang="es-419" sz="1050">
+              <a:latin typeface="Arial" panose="020B0604020202020204" pitchFamily="34" charset="0"/>
+              <a:cs typeface="Arial" panose="020B0604020202020204" pitchFamily="34" charset="0"/>
+            </a:endParaRPr>
+          </a:p>
+        </p:txBody>
+      </p:sp>
+      <p:sp>
+        <p:nvSpPr>
+          <p:cNvPr id="13" name="TextBox 12">
+            <a:extLst>
+              <a:ext uri="{FF2B5EF4-FFF2-40B4-BE49-F238E27FC236}">
+                <a16:creationId xmlns:a16="http://schemas.microsoft.com/office/drawing/2014/main" id="{22377665-3D70-22A1-6E09-18E33AD86D2D}"/>
+              </a:ext>
+            </a:extLst>
+          </p:cNvPr>
+          <p:cNvSpPr txBox="1"/>
+          <p:nvPr/>
+        </p:nvSpPr>
+        <p:spPr>
+          <a:xfrm>
+            <a:off x="624689" y="417952"/>
+            <a:ext cx="417102" cy="253916"/>
+          </a:xfrm>
+          <a:prstGeom prst="rect">
+            <a:avLst/>
+          </a:prstGeom>
+          <a:noFill/>
+        </p:spPr>
+        <p:txBody>
+          <a:bodyPr wrap="none" rtlCol="0">
+            <a:spAutoFit/>
+          </a:bodyPr>
+          <a:lstStyle/>
+          <a:p>
+            <a:r>
+              <a:rPr lang="es-419" sz="1050" dirty="0" err="1">
+                <a:latin typeface="Arial" panose="020B0604020202020204" pitchFamily="34" charset="0"/>
+                <a:cs typeface="Arial" panose="020B0604020202020204" pitchFamily="34" charset="0"/>
+              </a:rPr>
+              <a:t>Win</a:t>
+            </a:r>
+            <a:endParaRPr lang="es-419" sz="1050" dirty="0">
+              <a:latin typeface="Arial" panose="020B0604020202020204" pitchFamily="34" charset="0"/>
+              <a:cs typeface="Arial" panose="020B0604020202020204" pitchFamily="34" charset="0"/>
+            </a:endParaRPr>
+          </a:p>
+        </p:txBody>
+      </p:sp>
+      <p:sp>
+        <p:nvSpPr>
+          <p:cNvPr id="14" name="Rectangle 13">
+            <a:extLst>
+              <a:ext uri="{FF2B5EF4-FFF2-40B4-BE49-F238E27FC236}">
+                <a16:creationId xmlns:a16="http://schemas.microsoft.com/office/drawing/2014/main" id="{BF8E5F17-4E8B-13D0-0F7B-BD1C2EBA105F}"/>
+              </a:ext>
+            </a:extLst>
+          </p:cNvPr>
+          <p:cNvSpPr/>
+          <p:nvPr/>
+        </p:nvSpPr>
+        <p:spPr>
+          <a:xfrm>
+            <a:off x="2159250" y="3248762"/>
+            <a:ext cx="755965" cy="433267"/>
+          </a:xfrm>
+          <a:prstGeom prst="rect">
+            <a:avLst/>
+          </a:prstGeom>
+          <a:noFill/>
+        </p:spPr>
+        <p:style>
+          <a:lnRef idx="2">
+            <a:schemeClr val="accent1">
+              <a:shade val="15000"/>
+            </a:schemeClr>
+          </a:lnRef>
+          <a:fillRef idx="1">
+            <a:schemeClr val="accent1"/>
+          </a:fillRef>
+          <a:effectRef idx="0">
+            <a:schemeClr val="accent1"/>
+          </a:effectRef>
+          <a:fontRef idx="minor">
+            <a:schemeClr val="lt1"/>
+          </a:fontRef>
+        </p:style>
+        <p:txBody>
+          <a:bodyPr rtlCol="0" anchor="ctr"/>
+          <a:lstStyle/>
+          <a:p>
+            <a:pPr algn="ctr"/>
+            <a:r>
+              <a:rPr lang="es-419" sz="1050" dirty="0">
+                <a:solidFill>
+                  <a:schemeClr val="tx1"/>
+                </a:solidFill>
+                <a:latin typeface="Arial" panose="020B0604020202020204" pitchFamily="34" charset="0"/>
+                <a:cs typeface="Arial" panose="020B0604020202020204" pitchFamily="34" charset="0"/>
+              </a:rPr>
+              <a:t>WCF</a:t>
+            </a:r>
+          </a:p>
+        </p:txBody>
+      </p:sp>
+      <p:sp>
+        <p:nvSpPr>
+          <p:cNvPr id="15" name="Rectangle 14">
+            <a:extLst>
+              <a:ext uri="{FF2B5EF4-FFF2-40B4-BE49-F238E27FC236}">
+                <a16:creationId xmlns:a16="http://schemas.microsoft.com/office/drawing/2014/main" id="{5F942C57-0C07-E242-EFEA-F710CCDC3441}"/>
+              </a:ext>
+            </a:extLst>
+          </p:cNvPr>
+          <p:cNvSpPr/>
+          <p:nvPr/>
+        </p:nvSpPr>
+        <p:spPr>
+          <a:xfrm>
+            <a:off x="1226743" y="3248762"/>
+            <a:ext cx="755965" cy="433267"/>
+          </a:xfrm>
+          <a:prstGeom prst="rect">
+            <a:avLst/>
+          </a:prstGeom>
+          <a:noFill/>
+        </p:spPr>
+        <p:style>
+          <a:lnRef idx="2">
+            <a:schemeClr val="accent1">
+              <a:shade val="15000"/>
+            </a:schemeClr>
+          </a:lnRef>
+          <a:fillRef idx="1">
+            <a:schemeClr val="accent1"/>
+          </a:fillRef>
+          <a:effectRef idx="0">
+            <a:schemeClr val="accent1"/>
+          </a:effectRef>
+          <a:fontRef idx="minor">
+            <a:schemeClr val="lt1"/>
+          </a:fontRef>
+        </p:style>
+        <p:txBody>
+          <a:bodyPr rtlCol="0" anchor="ctr"/>
+          <a:lstStyle/>
+          <a:p>
+            <a:pPr algn="ctr"/>
+            <a:r>
+              <a:rPr lang="es-419" sz="1050" dirty="0" err="1">
+                <a:solidFill>
+                  <a:schemeClr val="tx1"/>
+                </a:solidFill>
+                <a:latin typeface="Arial" panose="020B0604020202020204" pitchFamily="34" charset="0"/>
+                <a:cs typeface="Arial" panose="020B0604020202020204" pitchFamily="34" charset="0"/>
+              </a:rPr>
+              <a:t>WinForm</a:t>
+            </a:r>
+            <a:endParaRPr lang="es-419" sz="1050" dirty="0">
+              <a:solidFill>
+                <a:schemeClr val="tx1"/>
+              </a:solidFill>
+              <a:latin typeface="Arial" panose="020B0604020202020204" pitchFamily="34" charset="0"/>
+              <a:cs typeface="Arial" panose="020B0604020202020204" pitchFamily="34" charset="0"/>
+            </a:endParaRPr>
+          </a:p>
+        </p:txBody>
+      </p:sp>
+      <p:sp>
+        <p:nvSpPr>
+          <p:cNvPr id="16" name="TextBox 15">
+            <a:extLst>
+              <a:ext uri="{FF2B5EF4-FFF2-40B4-BE49-F238E27FC236}">
+                <a16:creationId xmlns:a16="http://schemas.microsoft.com/office/drawing/2014/main" id="{197A51AD-E31D-300A-66C2-195135CD4C2B}"/>
+              </a:ext>
+            </a:extLst>
+          </p:cNvPr>
+          <p:cNvSpPr txBox="1"/>
+          <p:nvPr/>
+        </p:nvSpPr>
+        <p:spPr>
+          <a:xfrm>
+            <a:off x="4531748" y="1539759"/>
+            <a:ext cx="1103187" cy="261610"/>
+          </a:xfrm>
+          <a:prstGeom prst="rect">
+            <a:avLst/>
+          </a:prstGeom>
+          <a:noFill/>
+        </p:spPr>
+        <p:txBody>
+          <a:bodyPr wrap="none" rtlCol="0">
+            <a:spAutoFit/>
+          </a:bodyPr>
+          <a:lstStyle/>
+          <a:p>
+            <a:r>
+              <a:rPr lang="es-419" sz="1100" dirty="0"/>
+              <a:t>OWIN -&gt; </a:t>
+            </a:r>
+            <a:r>
+              <a:rPr lang="es-419" sz="1100" dirty="0" err="1"/>
+              <a:t>Katana</a:t>
+            </a:r>
+            <a:endParaRPr lang="es-419" sz="1100" dirty="0"/>
+          </a:p>
+        </p:txBody>
+      </p:sp>
+      <p:sp>
+        <p:nvSpPr>
+          <p:cNvPr id="17" name="Arrow: Right 16">
+            <a:extLst>
+              <a:ext uri="{FF2B5EF4-FFF2-40B4-BE49-F238E27FC236}">
+                <a16:creationId xmlns:a16="http://schemas.microsoft.com/office/drawing/2014/main" id="{93A5B755-9EA1-CD1B-FD9F-362833971598}"/>
+              </a:ext>
+            </a:extLst>
+          </p:cNvPr>
+          <p:cNvSpPr/>
+          <p:nvPr/>
+        </p:nvSpPr>
+        <p:spPr>
+          <a:xfrm>
+            <a:off x="4653480" y="2001445"/>
+            <a:ext cx="905347" cy="814184"/>
+          </a:xfrm>
+          <a:prstGeom prst="rightArrow">
+            <a:avLst/>
+          </a:prstGeom>
+          <a:noFill/>
+        </p:spPr>
+        <p:style>
+          <a:lnRef idx="2">
+            <a:schemeClr val="accent1">
+              <a:shade val="15000"/>
+            </a:schemeClr>
+          </a:lnRef>
+          <a:fillRef idx="1">
+            <a:schemeClr val="accent1"/>
+          </a:fillRef>
+          <a:effectRef idx="0">
+            <a:schemeClr val="accent1"/>
+          </a:effectRef>
+          <a:fontRef idx="minor">
+            <a:schemeClr val="lt1"/>
+          </a:fontRef>
+        </p:style>
+        <p:txBody>
+          <a:bodyPr rtlCol="0" anchor="ctr"/>
+          <a:lstStyle/>
+          <a:p>
+            <a:pPr algn="ctr"/>
+            <a:endParaRPr lang="es-419"/>
+          </a:p>
+        </p:txBody>
+      </p:sp>
+      <p:sp>
+        <p:nvSpPr>
+          <p:cNvPr id="20" name="Rectangle 19">
+            <a:extLst>
+              <a:ext uri="{FF2B5EF4-FFF2-40B4-BE49-F238E27FC236}">
+                <a16:creationId xmlns:a16="http://schemas.microsoft.com/office/drawing/2014/main" id="{15F47DBA-BFD2-B2B5-79D2-3B8AA2817920}"/>
+              </a:ext>
+            </a:extLst>
+          </p:cNvPr>
+          <p:cNvSpPr/>
+          <p:nvPr/>
+        </p:nvSpPr>
+        <p:spPr>
+          <a:xfrm>
+            <a:off x="6953062" y="1217221"/>
+            <a:ext cx="1602463" cy="1317750"/>
+          </a:xfrm>
+          <a:prstGeom prst="rect">
+            <a:avLst/>
+          </a:prstGeom>
+          <a:noFill/>
+        </p:spPr>
+        <p:style>
+          <a:lnRef idx="2">
+            <a:schemeClr val="accent1">
+              <a:shade val="15000"/>
+            </a:schemeClr>
+          </a:lnRef>
+          <a:fillRef idx="1">
+            <a:schemeClr val="accent1"/>
+          </a:fillRef>
+          <a:effectRef idx="0">
+            <a:schemeClr val="accent1"/>
+          </a:effectRef>
+          <a:fontRef idx="minor">
+            <a:schemeClr val="lt1"/>
+          </a:fontRef>
+        </p:style>
+        <p:txBody>
+          <a:bodyPr rtlCol="0" anchor="ctr"/>
+          <a:lstStyle/>
+          <a:p>
+            <a:pPr algn="ctr"/>
+            <a:endParaRPr lang="es-419" sz="1050">
+              <a:latin typeface="Arial" panose="020B0604020202020204" pitchFamily="34" charset="0"/>
+              <a:cs typeface="Arial" panose="020B0604020202020204" pitchFamily="34" charset="0"/>
+            </a:endParaRPr>
+          </a:p>
+        </p:txBody>
+      </p:sp>
+      <p:sp>
+        <p:nvSpPr>
+          <p:cNvPr id="21" name="TextBox 20">
+            <a:extLst>
+              <a:ext uri="{FF2B5EF4-FFF2-40B4-BE49-F238E27FC236}">
+                <a16:creationId xmlns:a16="http://schemas.microsoft.com/office/drawing/2014/main" id="{93670657-E522-D12A-8314-6D1C73656F54}"/>
+              </a:ext>
+            </a:extLst>
+          </p:cNvPr>
+          <p:cNvSpPr txBox="1"/>
+          <p:nvPr/>
+        </p:nvSpPr>
+        <p:spPr>
+          <a:xfrm>
+            <a:off x="6953062" y="1217220"/>
+            <a:ext cx="724878" cy="253916"/>
+          </a:xfrm>
+          <a:prstGeom prst="rect">
+            <a:avLst/>
+          </a:prstGeom>
+          <a:noFill/>
+        </p:spPr>
+        <p:txBody>
+          <a:bodyPr wrap="none" rtlCol="0">
+            <a:spAutoFit/>
+          </a:bodyPr>
+          <a:lstStyle/>
+          <a:p>
+            <a:r>
+              <a:rPr lang="es-419" sz="1050" dirty="0">
+                <a:latin typeface="Arial" panose="020B0604020202020204" pitchFamily="34" charset="0"/>
+                <a:cs typeface="Arial" panose="020B0604020202020204" pitchFamily="34" charset="0"/>
+              </a:rPr>
+              <a:t>Net Core</a:t>
+            </a:r>
+          </a:p>
+        </p:txBody>
+      </p:sp>
+      <p:sp>
+        <p:nvSpPr>
+          <p:cNvPr id="22" name="Rectangle 21">
+            <a:extLst>
+              <a:ext uri="{FF2B5EF4-FFF2-40B4-BE49-F238E27FC236}">
+                <a16:creationId xmlns:a16="http://schemas.microsoft.com/office/drawing/2014/main" id="{C0C7F7FE-A0F6-86E2-D989-B7A0A968C173}"/>
+              </a:ext>
+            </a:extLst>
+          </p:cNvPr>
+          <p:cNvSpPr/>
+          <p:nvPr/>
+        </p:nvSpPr>
+        <p:spPr>
+          <a:xfrm>
+            <a:off x="7070756" y="1597467"/>
+            <a:ext cx="1412565" cy="814184"/>
+          </a:xfrm>
+          <a:prstGeom prst="rect">
+            <a:avLst/>
+          </a:prstGeom>
+          <a:noFill/>
+        </p:spPr>
+        <p:style>
+          <a:lnRef idx="2">
+            <a:schemeClr val="accent1">
+              <a:shade val="15000"/>
+            </a:schemeClr>
+          </a:lnRef>
+          <a:fillRef idx="1">
+            <a:schemeClr val="accent1"/>
+          </a:fillRef>
+          <a:effectRef idx="0">
+            <a:schemeClr val="accent1"/>
+          </a:effectRef>
+          <a:fontRef idx="minor">
+            <a:schemeClr val="lt1"/>
+          </a:fontRef>
+        </p:style>
+        <p:txBody>
+          <a:bodyPr rtlCol="0" anchor="ctr"/>
+          <a:lstStyle/>
+          <a:p>
+            <a:pPr algn="ctr"/>
+            <a:endParaRPr lang="es-419" sz="1050">
+              <a:latin typeface="Arial" panose="020B0604020202020204" pitchFamily="34" charset="0"/>
+              <a:cs typeface="Arial" panose="020B0604020202020204" pitchFamily="34" charset="0"/>
+            </a:endParaRPr>
+          </a:p>
+        </p:txBody>
+      </p:sp>
+      <p:sp>
+        <p:nvSpPr>
+          <p:cNvPr id="23" name="TextBox 22">
+            <a:extLst>
+              <a:ext uri="{FF2B5EF4-FFF2-40B4-BE49-F238E27FC236}">
+                <a16:creationId xmlns:a16="http://schemas.microsoft.com/office/drawing/2014/main" id="{F47EDE37-3EA3-588B-A380-67960364E8F6}"/>
+              </a:ext>
+            </a:extLst>
+          </p:cNvPr>
+          <p:cNvSpPr txBox="1"/>
+          <p:nvPr/>
+        </p:nvSpPr>
+        <p:spPr>
+          <a:xfrm>
+            <a:off x="7070755" y="1597467"/>
+            <a:ext cx="1031051" cy="253916"/>
+          </a:xfrm>
+          <a:prstGeom prst="rect">
+            <a:avLst/>
+          </a:prstGeom>
+          <a:noFill/>
+        </p:spPr>
+        <p:txBody>
+          <a:bodyPr wrap="none" rtlCol="0">
+            <a:spAutoFit/>
+          </a:bodyPr>
+          <a:lstStyle/>
+          <a:p>
+            <a:r>
+              <a:rPr lang="es-419" sz="1050" dirty="0" err="1">
+                <a:latin typeface="Arial" panose="020B0604020202020204" pitchFamily="34" charset="0"/>
+                <a:cs typeface="Arial" panose="020B0604020202020204" pitchFamily="34" charset="0"/>
+              </a:rPr>
+              <a:t>ASP.Net</a:t>
+            </a:r>
+            <a:r>
+              <a:rPr lang="es-419" sz="1050" dirty="0">
+                <a:latin typeface="Arial" panose="020B0604020202020204" pitchFamily="34" charset="0"/>
+                <a:cs typeface="Arial" panose="020B0604020202020204" pitchFamily="34" charset="0"/>
+              </a:rPr>
+              <a:t> Core</a:t>
+            </a:r>
+          </a:p>
+        </p:txBody>
+      </p:sp>
+      <p:sp>
+        <p:nvSpPr>
+          <p:cNvPr id="24" name="Rectangle 23">
+            <a:extLst>
+              <a:ext uri="{FF2B5EF4-FFF2-40B4-BE49-F238E27FC236}">
+                <a16:creationId xmlns:a16="http://schemas.microsoft.com/office/drawing/2014/main" id="{1859C0FD-2F7D-3EEF-3301-7E5954A8BA26}"/>
+              </a:ext>
+            </a:extLst>
+          </p:cNvPr>
+          <p:cNvSpPr/>
+          <p:nvPr/>
+        </p:nvSpPr>
+        <p:spPr>
+          <a:xfrm>
+            <a:off x="7197504" y="2043794"/>
+            <a:ext cx="878187" cy="253916"/>
+          </a:xfrm>
+          <a:prstGeom prst="rect">
+            <a:avLst/>
+          </a:prstGeom>
+          <a:noFill/>
+        </p:spPr>
+        <p:style>
+          <a:lnRef idx="2">
+            <a:schemeClr val="accent1">
+              <a:shade val="15000"/>
+            </a:schemeClr>
+          </a:lnRef>
+          <a:fillRef idx="1">
+            <a:schemeClr val="accent1"/>
+          </a:fillRef>
+          <a:effectRef idx="0">
+            <a:schemeClr val="accent1"/>
+          </a:effectRef>
+          <a:fontRef idx="minor">
+            <a:schemeClr val="lt1"/>
+          </a:fontRef>
+        </p:style>
+        <p:txBody>
+          <a:bodyPr rtlCol="0" anchor="ctr"/>
+          <a:lstStyle/>
+          <a:p>
+            <a:pPr algn="ctr"/>
+            <a:endParaRPr lang="es-419" sz="1050">
+              <a:latin typeface="Arial" panose="020B0604020202020204" pitchFamily="34" charset="0"/>
+              <a:cs typeface="Arial" panose="020B0604020202020204" pitchFamily="34" charset="0"/>
+            </a:endParaRPr>
+          </a:p>
+        </p:txBody>
+      </p:sp>
+      <p:sp>
+        <p:nvSpPr>
+          <p:cNvPr id="25" name="TextBox 24">
+            <a:extLst>
+              <a:ext uri="{FF2B5EF4-FFF2-40B4-BE49-F238E27FC236}">
+                <a16:creationId xmlns:a16="http://schemas.microsoft.com/office/drawing/2014/main" id="{C057A66E-5F5E-1241-B80B-F043377E381D}"/>
+              </a:ext>
+            </a:extLst>
+          </p:cNvPr>
+          <p:cNvSpPr txBox="1"/>
+          <p:nvPr/>
+        </p:nvSpPr>
+        <p:spPr>
+          <a:xfrm>
+            <a:off x="7181287" y="2061900"/>
+            <a:ext cx="803869" cy="215444"/>
+          </a:xfrm>
+          <a:prstGeom prst="rect">
+            <a:avLst/>
+          </a:prstGeom>
+          <a:noFill/>
+        </p:spPr>
+        <p:txBody>
+          <a:bodyPr wrap="square" rtlCol="0">
+            <a:spAutoFit/>
+          </a:bodyPr>
+          <a:lstStyle/>
+          <a:p>
+            <a:r>
+              <a:rPr lang="es-419" sz="800" dirty="0" err="1">
+                <a:latin typeface="Arial" panose="020B0604020202020204" pitchFamily="34" charset="0"/>
+                <a:cs typeface="Arial" panose="020B0604020202020204" pitchFamily="34" charset="0"/>
+              </a:rPr>
+              <a:t>ASP.Net</a:t>
+            </a:r>
+            <a:r>
+              <a:rPr lang="es-419" sz="800" dirty="0">
+                <a:latin typeface="Arial" panose="020B0604020202020204" pitchFamily="34" charset="0"/>
+                <a:cs typeface="Arial" panose="020B0604020202020204" pitchFamily="34" charset="0"/>
+              </a:rPr>
+              <a:t> App</a:t>
+            </a:r>
+          </a:p>
+        </p:txBody>
+      </p:sp>
+      <p:sp>
+        <p:nvSpPr>
+          <p:cNvPr id="26" name="Rectangle 25">
+            <a:extLst>
+              <a:ext uri="{FF2B5EF4-FFF2-40B4-BE49-F238E27FC236}">
+                <a16:creationId xmlns:a16="http://schemas.microsoft.com/office/drawing/2014/main" id="{CD51D615-202C-608D-8215-2CB2BEF79A9E}"/>
+              </a:ext>
+            </a:extLst>
+          </p:cNvPr>
+          <p:cNvSpPr/>
+          <p:nvPr/>
+        </p:nvSpPr>
+        <p:spPr>
+          <a:xfrm>
+            <a:off x="6844420" y="814812"/>
+            <a:ext cx="1792586" cy="1837854"/>
+          </a:xfrm>
+          <a:prstGeom prst="rect">
+            <a:avLst/>
+          </a:prstGeom>
+          <a:noFill/>
+        </p:spPr>
+        <p:style>
+          <a:lnRef idx="2">
+            <a:schemeClr val="accent1">
+              <a:shade val="15000"/>
+            </a:schemeClr>
+          </a:lnRef>
+          <a:fillRef idx="1">
+            <a:schemeClr val="accent1"/>
+          </a:fillRef>
+          <a:effectRef idx="0">
+            <a:schemeClr val="accent1"/>
+          </a:effectRef>
+          <a:fontRef idx="minor">
+            <a:schemeClr val="lt1"/>
+          </a:fontRef>
+        </p:style>
+        <p:txBody>
+          <a:bodyPr rtlCol="0" anchor="ctr"/>
+          <a:lstStyle/>
+          <a:p>
+            <a:pPr algn="ctr"/>
+            <a:endParaRPr lang="es-419" sz="1050">
+              <a:latin typeface="Arial" panose="020B0604020202020204" pitchFamily="34" charset="0"/>
+              <a:cs typeface="Arial" panose="020B0604020202020204" pitchFamily="34" charset="0"/>
+            </a:endParaRPr>
+          </a:p>
+        </p:txBody>
+      </p:sp>
+      <p:sp>
+        <p:nvSpPr>
+          <p:cNvPr id="27" name="TextBox 26">
+            <a:extLst>
+              <a:ext uri="{FF2B5EF4-FFF2-40B4-BE49-F238E27FC236}">
+                <a16:creationId xmlns:a16="http://schemas.microsoft.com/office/drawing/2014/main" id="{EAC67B18-C1C7-09CA-D9B6-D66DB8C9D4DB}"/>
+              </a:ext>
+            </a:extLst>
+          </p:cNvPr>
+          <p:cNvSpPr txBox="1"/>
+          <p:nvPr/>
+        </p:nvSpPr>
+        <p:spPr>
+          <a:xfrm>
+            <a:off x="6844420" y="813242"/>
+            <a:ext cx="1313180" cy="253916"/>
+          </a:xfrm>
+          <a:prstGeom prst="rect">
+            <a:avLst/>
+          </a:prstGeom>
+          <a:noFill/>
+        </p:spPr>
+        <p:txBody>
+          <a:bodyPr wrap="none" rtlCol="0">
+            <a:spAutoFit/>
+          </a:bodyPr>
+          <a:lstStyle/>
+          <a:p>
+            <a:r>
+              <a:rPr lang="es-419" sz="1050" dirty="0" err="1">
+                <a:latin typeface="Arial" panose="020B0604020202020204" pitchFamily="34" charset="0"/>
+                <a:cs typeface="Arial" panose="020B0604020202020204" pitchFamily="34" charset="0"/>
+              </a:rPr>
+              <a:t>Kestrel</a:t>
+            </a:r>
+            <a:r>
+              <a:rPr lang="es-419" sz="1050" dirty="0">
+                <a:latin typeface="Arial" panose="020B0604020202020204" pitchFamily="34" charset="0"/>
+                <a:cs typeface="Arial" panose="020B0604020202020204" pitchFamily="34" charset="0"/>
+              </a:rPr>
+              <a:t> (Port / http)</a:t>
+            </a:r>
+          </a:p>
+        </p:txBody>
+      </p:sp>
+      <p:sp>
+        <p:nvSpPr>
+          <p:cNvPr id="28" name="Rectangle: Rounded Corners 27">
+            <a:extLst>
+              <a:ext uri="{FF2B5EF4-FFF2-40B4-BE49-F238E27FC236}">
+                <a16:creationId xmlns:a16="http://schemas.microsoft.com/office/drawing/2014/main" id="{678BF785-C6AC-DF5D-6389-9EB5B1D25532}"/>
+              </a:ext>
+            </a:extLst>
+          </p:cNvPr>
+          <p:cNvSpPr/>
+          <p:nvPr/>
+        </p:nvSpPr>
+        <p:spPr>
+          <a:xfrm>
+            <a:off x="7840301" y="5174056"/>
+            <a:ext cx="1430447" cy="841973"/>
+          </a:xfrm>
+          <a:prstGeom prst="roundRect">
+            <a:avLst/>
+          </a:prstGeom>
+          <a:noFill/>
+        </p:spPr>
+        <p:style>
+          <a:lnRef idx="2">
+            <a:schemeClr val="accent1">
+              <a:shade val="15000"/>
+            </a:schemeClr>
+          </a:lnRef>
+          <a:fillRef idx="1">
+            <a:schemeClr val="accent1"/>
+          </a:fillRef>
+          <a:effectRef idx="0">
+            <a:schemeClr val="accent1"/>
+          </a:effectRef>
+          <a:fontRef idx="minor">
+            <a:schemeClr val="lt1"/>
+          </a:fontRef>
+        </p:style>
+        <p:txBody>
+          <a:bodyPr rtlCol="0" anchor="ctr"/>
+          <a:lstStyle/>
+          <a:p>
+            <a:pPr algn="ctr"/>
+            <a:endParaRPr lang="es-419">
+              <a:latin typeface="Arial" panose="020B0604020202020204" pitchFamily="34" charset="0"/>
+              <a:cs typeface="Arial" panose="020B0604020202020204" pitchFamily="34" charset="0"/>
+            </a:endParaRPr>
+          </a:p>
+        </p:txBody>
+      </p:sp>
+      <p:sp>
+        <p:nvSpPr>
+          <p:cNvPr id="29" name="Parallelogram 28">
+            <a:extLst>
+              <a:ext uri="{FF2B5EF4-FFF2-40B4-BE49-F238E27FC236}">
+                <a16:creationId xmlns:a16="http://schemas.microsoft.com/office/drawing/2014/main" id="{89930029-D24C-8579-26D5-3BD8A69FBF42}"/>
+              </a:ext>
+            </a:extLst>
+          </p:cNvPr>
+          <p:cNvSpPr/>
+          <p:nvPr/>
+        </p:nvSpPr>
+        <p:spPr>
+          <a:xfrm>
+            <a:off x="7840301" y="6124670"/>
+            <a:ext cx="1430447" cy="380245"/>
+          </a:xfrm>
+          <a:prstGeom prst="parallelogram">
+            <a:avLst/>
+          </a:prstGeom>
+          <a:noFill/>
+        </p:spPr>
+        <p:style>
+          <a:lnRef idx="2">
+            <a:schemeClr val="accent1">
+              <a:shade val="15000"/>
+            </a:schemeClr>
+          </a:lnRef>
+          <a:fillRef idx="1">
+            <a:schemeClr val="accent1"/>
+          </a:fillRef>
+          <a:effectRef idx="0">
+            <a:schemeClr val="accent1"/>
+          </a:effectRef>
+          <a:fontRef idx="minor">
+            <a:schemeClr val="lt1"/>
+          </a:fontRef>
+        </p:style>
+        <p:txBody>
+          <a:bodyPr rtlCol="0" anchor="ctr"/>
+          <a:lstStyle/>
+          <a:p>
+            <a:pPr algn="ctr"/>
+            <a:endParaRPr lang="es-419">
+              <a:latin typeface="Arial" panose="020B0604020202020204" pitchFamily="34" charset="0"/>
+              <a:cs typeface="Arial" panose="020B0604020202020204" pitchFamily="34" charset="0"/>
+            </a:endParaRPr>
+          </a:p>
+        </p:txBody>
+      </p:sp>
+      <p:grpSp>
+        <p:nvGrpSpPr>
+          <p:cNvPr id="30" name="Group 29">
+            <a:extLst>
+              <a:ext uri="{FF2B5EF4-FFF2-40B4-BE49-F238E27FC236}">
+                <a16:creationId xmlns:a16="http://schemas.microsoft.com/office/drawing/2014/main" id="{E26EACE2-BCEE-5CA1-83C9-2D56A2110CCA}"/>
+              </a:ext>
+            </a:extLst>
+          </p:cNvPr>
+          <p:cNvGrpSpPr/>
+          <p:nvPr/>
+        </p:nvGrpSpPr>
+        <p:grpSpPr>
+          <a:xfrm>
+            <a:off x="9570272" y="5720597"/>
+            <a:ext cx="410236" cy="381675"/>
+            <a:chOff x="9650907" y="5174056"/>
+            <a:chExt cx="1430447" cy="1330859"/>
+          </a:xfrm>
+        </p:grpSpPr>
+        <p:sp>
+          <p:nvSpPr>
+            <p:cNvPr id="31" name="Rectangle: Rounded Corners 30">
+              <a:extLst>
+                <a:ext uri="{FF2B5EF4-FFF2-40B4-BE49-F238E27FC236}">
+                  <a16:creationId xmlns:a16="http://schemas.microsoft.com/office/drawing/2014/main" id="{871D6227-6C8D-701C-5C9A-36E6D0BB0902}"/>
+                </a:ext>
+              </a:extLst>
+            </p:cNvPr>
+            <p:cNvSpPr/>
+            <p:nvPr/>
+          </p:nvSpPr>
+          <p:spPr>
+            <a:xfrm>
+              <a:off x="9650907" y="5174056"/>
+              <a:ext cx="1430447" cy="841973"/>
+            </a:xfrm>
+            <a:prstGeom prst="roundRect">
+              <a:avLst/>
+            </a:prstGeom>
+            <a:noFill/>
+          </p:spPr>
+          <p:style>
+            <a:lnRef idx="2">
+              <a:schemeClr val="accent1">
+                <a:shade val="15000"/>
+              </a:schemeClr>
+            </a:lnRef>
+            <a:fillRef idx="1">
+              <a:schemeClr val="accent1"/>
+            </a:fillRef>
+            <a:effectRef idx="0">
+              <a:schemeClr val="accent1"/>
+            </a:effectRef>
+            <a:fontRef idx="minor">
+              <a:schemeClr val="lt1"/>
+            </a:fontRef>
+          </p:style>
+          <p:txBody>
+            <a:bodyPr rtlCol="0" anchor="ctr"/>
+            <a:lstStyle/>
+            <a:p>
+              <a:pPr algn="ctr"/>
+              <a:endParaRPr lang="es-419">
+                <a:latin typeface="Arial" panose="020B0604020202020204" pitchFamily="34" charset="0"/>
+                <a:cs typeface="Arial" panose="020B0604020202020204" pitchFamily="34" charset="0"/>
+              </a:endParaRPr>
+            </a:p>
+          </p:txBody>
+        </p:sp>
+        <p:sp>
+          <p:nvSpPr>
+            <p:cNvPr id="32" name="Parallelogram 31">
+              <a:extLst>
+                <a:ext uri="{FF2B5EF4-FFF2-40B4-BE49-F238E27FC236}">
+                  <a16:creationId xmlns:a16="http://schemas.microsoft.com/office/drawing/2014/main" id="{35545D48-7B6E-ABCE-80AF-7944EFA700C5}"/>
+                </a:ext>
+              </a:extLst>
+            </p:cNvPr>
+            <p:cNvSpPr/>
+            <p:nvPr/>
+          </p:nvSpPr>
+          <p:spPr>
+            <a:xfrm>
+              <a:off x="9650907" y="6124670"/>
+              <a:ext cx="1430447" cy="380245"/>
+            </a:xfrm>
+            <a:prstGeom prst="parallelogram">
+              <a:avLst/>
+            </a:prstGeom>
+            <a:noFill/>
+          </p:spPr>
+          <p:style>
+            <a:lnRef idx="2">
+              <a:schemeClr val="accent1">
+                <a:shade val="15000"/>
+              </a:schemeClr>
+            </a:lnRef>
+            <a:fillRef idx="1">
+              <a:schemeClr val="accent1"/>
+            </a:fillRef>
+            <a:effectRef idx="0">
+              <a:schemeClr val="accent1"/>
+            </a:effectRef>
+            <a:fontRef idx="minor">
+              <a:schemeClr val="lt1"/>
+            </a:fontRef>
+          </p:style>
+          <p:txBody>
+            <a:bodyPr rtlCol="0" anchor="ctr"/>
+            <a:lstStyle/>
+            <a:p>
+              <a:pPr algn="ctr"/>
+              <a:endParaRPr lang="es-419">
+                <a:latin typeface="Arial" panose="020B0604020202020204" pitchFamily="34" charset="0"/>
+                <a:cs typeface="Arial" panose="020B0604020202020204" pitchFamily="34" charset="0"/>
+              </a:endParaRPr>
+            </a:p>
+          </p:txBody>
+        </p:sp>
+      </p:grpSp>
+      <p:grpSp>
+        <p:nvGrpSpPr>
+          <p:cNvPr id="33" name="Group 32">
+            <a:extLst>
+              <a:ext uri="{FF2B5EF4-FFF2-40B4-BE49-F238E27FC236}">
+                <a16:creationId xmlns:a16="http://schemas.microsoft.com/office/drawing/2014/main" id="{4E55B297-A08D-5871-F173-DC7EF66A5B94}"/>
+              </a:ext>
+            </a:extLst>
+          </p:cNvPr>
+          <p:cNvGrpSpPr/>
+          <p:nvPr/>
+        </p:nvGrpSpPr>
+        <p:grpSpPr>
+          <a:xfrm>
+            <a:off x="10096572" y="5720597"/>
+            <a:ext cx="410236" cy="381675"/>
+            <a:chOff x="9650907" y="5174056"/>
+            <a:chExt cx="1430447" cy="1330859"/>
+          </a:xfrm>
+        </p:grpSpPr>
+        <p:sp>
+          <p:nvSpPr>
+            <p:cNvPr id="34" name="Rectangle: Rounded Corners 33">
+              <a:extLst>
+                <a:ext uri="{FF2B5EF4-FFF2-40B4-BE49-F238E27FC236}">
+                  <a16:creationId xmlns:a16="http://schemas.microsoft.com/office/drawing/2014/main" id="{2B0CEBB3-B377-C945-19B6-F5412C5A5B57}"/>
+                </a:ext>
+              </a:extLst>
+            </p:cNvPr>
+            <p:cNvSpPr/>
+            <p:nvPr/>
+          </p:nvSpPr>
+          <p:spPr>
+            <a:xfrm>
+              <a:off x="9650907" y="5174056"/>
+              <a:ext cx="1430447" cy="841973"/>
+            </a:xfrm>
+            <a:prstGeom prst="roundRect">
+              <a:avLst/>
+            </a:prstGeom>
+            <a:noFill/>
+          </p:spPr>
+          <p:style>
+            <a:lnRef idx="2">
+              <a:schemeClr val="accent1">
+                <a:shade val="15000"/>
+              </a:schemeClr>
+            </a:lnRef>
+            <a:fillRef idx="1">
+              <a:schemeClr val="accent1"/>
+            </a:fillRef>
+            <a:effectRef idx="0">
+              <a:schemeClr val="accent1"/>
+            </a:effectRef>
+            <a:fontRef idx="minor">
+              <a:schemeClr val="lt1"/>
+            </a:fontRef>
+          </p:style>
+          <p:txBody>
+            <a:bodyPr rtlCol="0" anchor="ctr"/>
+            <a:lstStyle/>
+            <a:p>
+              <a:pPr algn="ctr"/>
+              <a:endParaRPr lang="es-419">
+                <a:latin typeface="Arial" panose="020B0604020202020204" pitchFamily="34" charset="0"/>
+                <a:cs typeface="Arial" panose="020B0604020202020204" pitchFamily="34" charset="0"/>
+              </a:endParaRPr>
+            </a:p>
+          </p:txBody>
+        </p:sp>
+        <p:sp>
+          <p:nvSpPr>
+            <p:cNvPr id="35" name="Parallelogram 34">
+              <a:extLst>
+                <a:ext uri="{FF2B5EF4-FFF2-40B4-BE49-F238E27FC236}">
+                  <a16:creationId xmlns:a16="http://schemas.microsoft.com/office/drawing/2014/main" id="{BDCABD4F-5CC7-35CA-D3BD-BB7EF50EBED9}"/>
+                </a:ext>
+              </a:extLst>
+            </p:cNvPr>
+            <p:cNvSpPr/>
+            <p:nvPr/>
+          </p:nvSpPr>
+          <p:spPr>
+            <a:xfrm>
+              <a:off x="9650907" y="6124670"/>
+              <a:ext cx="1430447" cy="380245"/>
+            </a:xfrm>
+            <a:prstGeom prst="parallelogram">
+              <a:avLst/>
+            </a:prstGeom>
+            <a:noFill/>
+          </p:spPr>
+          <p:style>
+            <a:lnRef idx="2">
+              <a:schemeClr val="accent1">
+                <a:shade val="15000"/>
+              </a:schemeClr>
+            </a:lnRef>
+            <a:fillRef idx="1">
+              <a:schemeClr val="accent1"/>
+            </a:fillRef>
+            <a:effectRef idx="0">
+              <a:schemeClr val="accent1"/>
+            </a:effectRef>
+            <a:fontRef idx="minor">
+              <a:schemeClr val="lt1"/>
+            </a:fontRef>
+          </p:style>
+          <p:txBody>
+            <a:bodyPr rtlCol="0" anchor="ctr"/>
+            <a:lstStyle/>
+            <a:p>
+              <a:pPr algn="ctr"/>
+              <a:endParaRPr lang="es-419">
+                <a:latin typeface="Arial" panose="020B0604020202020204" pitchFamily="34" charset="0"/>
+                <a:cs typeface="Arial" panose="020B0604020202020204" pitchFamily="34" charset="0"/>
+              </a:endParaRPr>
+            </a:p>
+          </p:txBody>
+        </p:sp>
+      </p:grpSp>
+      <p:grpSp>
+        <p:nvGrpSpPr>
+          <p:cNvPr id="36" name="Group 35">
+            <a:extLst>
+              <a:ext uri="{FF2B5EF4-FFF2-40B4-BE49-F238E27FC236}">
+                <a16:creationId xmlns:a16="http://schemas.microsoft.com/office/drawing/2014/main" id="{0878C6C7-775E-E0A5-92A2-8CDBA09EB7C7}"/>
+              </a:ext>
+            </a:extLst>
+          </p:cNvPr>
+          <p:cNvGrpSpPr/>
+          <p:nvPr/>
+        </p:nvGrpSpPr>
+        <p:grpSpPr>
+          <a:xfrm>
+            <a:off x="10632903" y="5720597"/>
+            <a:ext cx="410236" cy="381675"/>
+            <a:chOff x="9650907" y="5174056"/>
+            <a:chExt cx="1430447" cy="1330859"/>
+          </a:xfrm>
+        </p:grpSpPr>
+        <p:sp>
+          <p:nvSpPr>
+            <p:cNvPr id="37" name="Rectangle: Rounded Corners 36">
+              <a:extLst>
+                <a:ext uri="{FF2B5EF4-FFF2-40B4-BE49-F238E27FC236}">
+                  <a16:creationId xmlns:a16="http://schemas.microsoft.com/office/drawing/2014/main" id="{6F871006-6B7A-E4FC-5E0C-9FBAB5F59615}"/>
+                </a:ext>
+              </a:extLst>
+            </p:cNvPr>
+            <p:cNvSpPr/>
+            <p:nvPr/>
+          </p:nvSpPr>
+          <p:spPr>
+            <a:xfrm>
+              <a:off x="9650907" y="5174056"/>
+              <a:ext cx="1430447" cy="841973"/>
+            </a:xfrm>
+            <a:prstGeom prst="roundRect">
+              <a:avLst/>
+            </a:prstGeom>
+            <a:noFill/>
+          </p:spPr>
+          <p:style>
+            <a:lnRef idx="2">
+              <a:schemeClr val="accent1">
+                <a:shade val="15000"/>
+              </a:schemeClr>
+            </a:lnRef>
+            <a:fillRef idx="1">
+              <a:schemeClr val="accent1"/>
+            </a:fillRef>
+            <a:effectRef idx="0">
+              <a:schemeClr val="accent1"/>
+            </a:effectRef>
+            <a:fontRef idx="minor">
+              <a:schemeClr val="lt1"/>
+            </a:fontRef>
+          </p:style>
+          <p:txBody>
+            <a:bodyPr rtlCol="0" anchor="ctr"/>
+            <a:lstStyle/>
+            <a:p>
+              <a:pPr algn="ctr"/>
+              <a:endParaRPr lang="es-419">
+                <a:latin typeface="Arial" panose="020B0604020202020204" pitchFamily="34" charset="0"/>
+                <a:cs typeface="Arial" panose="020B0604020202020204" pitchFamily="34" charset="0"/>
+              </a:endParaRPr>
+            </a:p>
+          </p:txBody>
+        </p:sp>
+        <p:sp>
+          <p:nvSpPr>
+            <p:cNvPr id="38" name="Parallelogram 37">
+              <a:extLst>
+                <a:ext uri="{FF2B5EF4-FFF2-40B4-BE49-F238E27FC236}">
+                  <a16:creationId xmlns:a16="http://schemas.microsoft.com/office/drawing/2014/main" id="{A5B76CD6-1418-976C-09E9-EFB969B08818}"/>
+                </a:ext>
+              </a:extLst>
+            </p:cNvPr>
+            <p:cNvSpPr/>
+            <p:nvPr/>
+          </p:nvSpPr>
+          <p:spPr>
+            <a:xfrm>
+              <a:off x="9650907" y="6124670"/>
+              <a:ext cx="1430447" cy="380245"/>
+            </a:xfrm>
+            <a:prstGeom prst="parallelogram">
+              <a:avLst/>
+            </a:prstGeom>
+            <a:noFill/>
+          </p:spPr>
+          <p:style>
+            <a:lnRef idx="2">
+              <a:schemeClr val="accent1">
+                <a:shade val="15000"/>
+              </a:schemeClr>
+            </a:lnRef>
+            <a:fillRef idx="1">
+              <a:schemeClr val="accent1"/>
+            </a:fillRef>
+            <a:effectRef idx="0">
+              <a:schemeClr val="accent1"/>
+            </a:effectRef>
+            <a:fontRef idx="minor">
+              <a:schemeClr val="lt1"/>
+            </a:fontRef>
+          </p:style>
+          <p:txBody>
+            <a:bodyPr rtlCol="0" anchor="ctr"/>
+            <a:lstStyle/>
+            <a:p>
+              <a:pPr algn="ctr"/>
+              <a:endParaRPr lang="es-419">
+                <a:latin typeface="Arial" panose="020B0604020202020204" pitchFamily="34" charset="0"/>
+                <a:cs typeface="Arial" panose="020B0604020202020204" pitchFamily="34" charset="0"/>
+              </a:endParaRPr>
+            </a:p>
+          </p:txBody>
+        </p:sp>
+      </p:grpSp>
+      <p:grpSp>
+        <p:nvGrpSpPr>
+          <p:cNvPr id="39" name="Group 38">
+            <a:extLst>
+              <a:ext uri="{FF2B5EF4-FFF2-40B4-BE49-F238E27FC236}">
+                <a16:creationId xmlns:a16="http://schemas.microsoft.com/office/drawing/2014/main" id="{31EA21E0-2479-72F7-4100-8AA4C014033A}"/>
+              </a:ext>
+            </a:extLst>
+          </p:cNvPr>
+          <p:cNvGrpSpPr/>
+          <p:nvPr/>
+        </p:nvGrpSpPr>
+        <p:grpSpPr>
+          <a:xfrm>
+            <a:off x="9570272" y="5720597"/>
+            <a:ext cx="410236" cy="381675"/>
+            <a:chOff x="9650907" y="5174056"/>
+            <a:chExt cx="1430447" cy="1330859"/>
+          </a:xfrm>
+        </p:grpSpPr>
+        <p:sp>
+          <p:nvSpPr>
+            <p:cNvPr id="40" name="Rectangle: Rounded Corners 39">
+              <a:extLst>
+                <a:ext uri="{FF2B5EF4-FFF2-40B4-BE49-F238E27FC236}">
+                  <a16:creationId xmlns:a16="http://schemas.microsoft.com/office/drawing/2014/main" id="{E4B9DD63-4631-926A-8959-00805CC44817}"/>
+                </a:ext>
+              </a:extLst>
+            </p:cNvPr>
+            <p:cNvSpPr/>
+            <p:nvPr/>
+          </p:nvSpPr>
+          <p:spPr>
+            <a:xfrm>
+              <a:off x="9650907" y="5174056"/>
+              <a:ext cx="1430447" cy="841973"/>
+            </a:xfrm>
+            <a:prstGeom prst="roundRect">
+              <a:avLst/>
+            </a:prstGeom>
+            <a:noFill/>
+          </p:spPr>
+          <p:style>
+            <a:lnRef idx="2">
+              <a:schemeClr val="accent1">
+                <a:shade val="15000"/>
+              </a:schemeClr>
+            </a:lnRef>
+            <a:fillRef idx="1">
+              <a:schemeClr val="accent1"/>
+            </a:fillRef>
+            <a:effectRef idx="0">
+              <a:schemeClr val="accent1"/>
+            </a:effectRef>
+            <a:fontRef idx="minor">
+              <a:schemeClr val="lt1"/>
+            </a:fontRef>
+          </p:style>
+          <p:txBody>
+            <a:bodyPr rtlCol="0" anchor="ctr"/>
+            <a:lstStyle/>
+            <a:p>
+              <a:pPr algn="ctr"/>
+              <a:endParaRPr lang="es-419">
+                <a:latin typeface="Arial" panose="020B0604020202020204" pitchFamily="34" charset="0"/>
+                <a:cs typeface="Arial" panose="020B0604020202020204" pitchFamily="34" charset="0"/>
+              </a:endParaRPr>
+            </a:p>
+          </p:txBody>
+        </p:sp>
+        <p:sp>
+          <p:nvSpPr>
+            <p:cNvPr id="41" name="Parallelogram 40">
+              <a:extLst>
+                <a:ext uri="{FF2B5EF4-FFF2-40B4-BE49-F238E27FC236}">
+                  <a16:creationId xmlns:a16="http://schemas.microsoft.com/office/drawing/2014/main" id="{994EACA4-77ED-09EF-CCC8-986F07F99666}"/>
+                </a:ext>
+              </a:extLst>
+            </p:cNvPr>
+            <p:cNvSpPr/>
+            <p:nvPr/>
+          </p:nvSpPr>
+          <p:spPr>
+            <a:xfrm>
+              <a:off x="9650907" y="6124670"/>
+              <a:ext cx="1430447" cy="380245"/>
+            </a:xfrm>
+            <a:prstGeom prst="parallelogram">
+              <a:avLst/>
+            </a:prstGeom>
+            <a:noFill/>
+          </p:spPr>
+          <p:style>
+            <a:lnRef idx="2">
+              <a:schemeClr val="accent1">
+                <a:shade val="15000"/>
+              </a:schemeClr>
+            </a:lnRef>
+            <a:fillRef idx="1">
+              <a:schemeClr val="accent1"/>
+            </a:fillRef>
+            <a:effectRef idx="0">
+              <a:schemeClr val="accent1"/>
+            </a:effectRef>
+            <a:fontRef idx="minor">
+              <a:schemeClr val="lt1"/>
+            </a:fontRef>
+          </p:style>
+          <p:txBody>
+            <a:bodyPr rtlCol="0" anchor="ctr"/>
+            <a:lstStyle/>
+            <a:p>
+              <a:pPr algn="ctr"/>
+              <a:endParaRPr lang="es-419">
+                <a:latin typeface="Arial" panose="020B0604020202020204" pitchFamily="34" charset="0"/>
+                <a:cs typeface="Arial" panose="020B0604020202020204" pitchFamily="34" charset="0"/>
+              </a:endParaRPr>
+            </a:p>
+          </p:txBody>
+        </p:sp>
+      </p:grpSp>
+      <p:grpSp>
+        <p:nvGrpSpPr>
+          <p:cNvPr id="42" name="Group 41">
+            <a:extLst>
+              <a:ext uri="{FF2B5EF4-FFF2-40B4-BE49-F238E27FC236}">
+                <a16:creationId xmlns:a16="http://schemas.microsoft.com/office/drawing/2014/main" id="{41F7492F-C252-EEB3-6DDA-BA0942A636C1}"/>
+              </a:ext>
+            </a:extLst>
+          </p:cNvPr>
+          <p:cNvGrpSpPr/>
+          <p:nvPr/>
+        </p:nvGrpSpPr>
+        <p:grpSpPr>
+          <a:xfrm>
+            <a:off x="10096572" y="5720597"/>
+            <a:ext cx="410236" cy="381675"/>
+            <a:chOff x="9650907" y="5174056"/>
+            <a:chExt cx="1430447" cy="1330859"/>
+          </a:xfrm>
+        </p:grpSpPr>
+        <p:sp>
+          <p:nvSpPr>
+            <p:cNvPr id="43" name="Rectangle: Rounded Corners 42">
+              <a:extLst>
+                <a:ext uri="{FF2B5EF4-FFF2-40B4-BE49-F238E27FC236}">
+                  <a16:creationId xmlns:a16="http://schemas.microsoft.com/office/drawing/2014/main" id="{94646B7D-B4D8-B8C3-1498-3D0273CE38D3}"/>
+                </a:ext>
+              </a:extLst>
+            </p:cNvPr>
+            <p:cNvSpPr/>
+            <p:nvPr/>
+          </p:nvSpPr>
+          <p:spPr>
+            <a:xfrm>
+              <a:off x="9650907" y="5174056"/>
+              <a:ext cx="1430447" cy="841973"/>
+            </a:xfrm>
+            <a:prstGeom prst="roundRect">
+              <a:avLst/>
+            </a:prstGeom>
+            <a:noFill/>
+          </p:spPr>
+          <p:style>
+            <a:lnRef idx="2">
+              <a:schemeClr val="accent1">
+                <a:shade val="15000"/>
+              </a:schemeClr>
+            </a:lnRef>
+            <a:fillRef idx="1">
+              <a:schemeClr val="accent1"/>
+            </a:fillRef>
+            <a:effectRef idx="0">
+              <a:schemeClr val="accent1"/>
+            </a:effectRef>
+            <a:fontRef idx="minor">
+              <a:schemeClr val="lt1"/>
+            </a:fontRef>
+          </p:style>
+          <p:txBody>
+            <a:bodyPr rtlCol="0" anchor="ctr"/>
+            <a:lstStyle/>
+            <a:p>
+              <a:pPr algn="ctr"/>
+              <a:endParaRPr lang="es-419">
+                <a:latin typeface="Arial" panose="020B0604020202020204" pitchFamily="34" charset="0"/>
+                <a:cs typeface="Arial" panose="020B0604020202020204" pitchFamily="34" charset="0"/>
+              </a:endParaRPr>
+            </a:p>
+          </p:txBody>
+        </p:sp>
+        <p:sp>
+          <p:nvSpPr>
+            <p:cNvPr id="44" name="Parallelogram 43">
+              <a:extLst>
+                <a:ext uri="{FF2B5EF4-FFF2-40B4-BE49-F238E27FC236}">
+                  <a16:creationId xmlns:a16="http://schemas.microsoft.com/office/drawing/2014/main" id="{EB28CF8C-34B0-8B84-4974-BF476013FDE9}"/>
+                </a:ext>
+              </a:extLst>
+            </p:cNvPr>
+            <p:cNvSpPr/>
+            <p:nvPr/>
+          </p:nvSpPr>
+          <p:spPr>
+            <a:xfrm>
+              <a:off x="9650907" y="6124670"/>
+              <a:ext cx="1430447" cy="380245"/>
+            </a:xfrm>
+            <a:prstGeom prst="parallelogram">
+              <a:avLst/>
+            </a:prstGeom>
+            <a:noFill/>
+          </p:spPr>
+          <p:style>
+            <a:lnRef idx="2">
+              <a:schemeClr val="accent1">
+                <a:shade val="15000"/>
+              </a:schemeClr>
+            </a:lnRef>
+            <a:fillRef idx="1">
+              <a:schemeClr val="accent1"/>
+            </a:fillRef>
+            <a:effectRef idx="0">
+              <a:schemeClr val="accent1"/>
+            </a:effectRef>
+            <a:fontRef idx="minor">
+              <a:schemeClr val="lt1"/>
+            </a:fontRef>
+          </p:style>
+          <p:txBody>
+            <a:bodyPr rtlCol="0" anchor="ctr"/>
+            <a:lstStyle/>
+            <a:p>
+              <a:pPr algn="ctr"/>
+              <a:endParaRPr lang="es-419">
+                <a:latin typeface="Arial" panose="020B0604020202020204" pitchFamily="34" charset="0"/>
+                <a:cs typeface="Arial" panose="020B0604020202020204" pitchFamily="34" charset="0"/>
+              </a:endParaRPr>
+            </a:p>
+          </p:txBody>
+        </p:sp>
+      </p:grpSp>
+      <p:grpSp>
+        <p:nvGrpSpPr>
+          <p:cNvPr id="45" name="Group 44">
+            <a:extLst>
+              <a:ext uri="{FF2B5EF4-FFF2-40B4-BE49-F238E27FC236}">
+                <a16:creationId xmlns:a16="http://schemas.microsoft.com/office/drawing/2014/main" id="{BAA38474-8231-E519-355F-454CDB29653C}"/>
+              </a:ext>
+            </a:extLst>
+          </p:cNvPr>
+          <p:cNvGrpSpPr/>
+          <p:nvPr/>
+        </p:nvGrpSpPr>
+        <p:grpSpPr>
+          <a:xfrm>
+            <a:off x="10632903" y="5720597"/>
+            <a:ext cx="410236" cy="381675"/>
+            <a:chOff x="9650907" y="5174056"/>
+            <a:chExt cx="1430447" cy="1330859"/>
+          </a:xfrm>
+        </p:grpSpPr>
+        <p:sp>
+          <p:nvSpPr>
+            <p:cNvPr id="46" name="Rectangle: Rounded Corners 45">
+              <a:extLst>
+                <a:ext uri="{FF2B5EF4-FFF2-40B4-BE49-F238E27FC236}">
+                  <a16:creationId xmlns:a16="http://schemas.microsoft.com/office/drawing/2014/main" id="{E81E2871-FDEA-D2F9-40E8-6BA3C14080E3}"/>
+                </a:ext>
+              </a:extLst>
+            </p:cNvPr>
+            <p:cNvSpPr/>
+            <p:nvPr/>
+          </p:nvSpPr>
+          <p:spPr>
+            <a:xfrm>
+              <a:off x="9650907" y="5174056"/>
+              <a:ext cx="1430447" cy="841973"/>
+            </a:xfrm>
+            <a:prstGeom prst="roundRect">
+              <a:avLst/>
+            </a:prstGeom>
+            <a:noFill/>
+          </p:spPr>
+          <p:style>
+            <a:lnRef idx="2">
+              <a:schemeClr val="accent1">
+                <a:shade val="15000"/>
+              </a:schemeClr>
+            </a:lnRef>
+            <a:fillRef idx="1">
+              <a:schemeClr val="accent1"/>
+            </a:fillRef>
+            <a:effectRef idx="0">
+              <a:schemeClr val="accent1"/>
+            </a:effectRef>
+            <a:fontRef idx="minor">
+              <a:schemeClr val="lt1"/>
+            </a:fontRef>
+          </p:style>
+          <p:txBody>
+            <a:bodyPr rtlCol="0" anchor="ctr"/>
+            <a:lstStyle/>
+            <a:p>
+              <a:pPr algn="ctr"/>
+              <a:endParaRPr lang="es-419">
+                <a:latin typeface="Arial" panose="020B0604020202020204" pitchFamily="34" charset="0"/>
+                <a:cs typeface="Arial" panose="020B0604020202020204" pitchFamily="34" charset="0"/>
+              </a:endParaRPr>
+            </a:p>
+          </p:txBody>
+        </p:sp>
+        <p:sp>
+          <p:nvSpPr>
+            <p:cNvPr id="47" name="Parallelogram 46">
+              <a:extLst>
+                <a:ext uri="{FF2B5EF4-FFF2-40B4-BE49-F238E27FC236}">
+                  <a16:creationId xmlns:a16="http://schemas.microsoft.com/office/drawing/2014/main" id="{2788491E-2E03-D1CC-6E09-C775D4F75D99}"/>
+                </a:ext>
+              </a:extLst>
+            </p:cNvPr>
+            <p:cNvSpPr/>
+            <p:nvPr/>
+          </p:nvSpPr>
+          <p:spPr>
+            <a:xfrm>
+              <a:off x="9650907" y="6124670"/>
+              <a:ext cx="1430447" cy="380245"/>
+            </a:xfrm>
+            <a:prstGeom prst="parallelogram">
+              <a:avLst/>
+            </a:prstGeom>
+            <a:noFill/>
+          </p:spPr>
+          <p:style>
+            <a:lnRef idx="2">
+              <a:schemeClr val="accent1">
+                <a:shade val="15000"/>
+              </a:schemeClr>
+            </a:lnRef>
+            <a:fillRef idx="1">
+              <a:schemeClr val="accent1"/>
+            </a:fillRef>
+            <a:effectRef idx="0">
+              <a:schemeClr val="accent1"/>
+            </a:effectRef>
+            <a:fontRef idx="minor">
+              <a:schemeClr val="lt1"/>
+            </a:fontRef>
+          </p:style>
+          <p:txBody>
+            <a:bodyPr rtlCol="0" anchor="ctr"/>
+            <a:lstStyle/>
+            <a:p>
+              <a:pPr algn="ctr"/>
+              <a:endParaRPr lang="es-419">
+                <a:latin typeface="Arial" panose="020B0604020202020204" pitchFamily="34" charset="0"/>
+                <a:cs typeface="Arial" panose="020B0604020202020204" pitchFamily="34" charset="0"/>
+              </a:endParaRPr>
+            </a:p>
+          </p:txBody>
+        </p:sp>
+      </p:grpSp>
+      <p:cxnSp>
+        <p:nvCxnSpPr>
+          <p:cNvPr id="48" name="Connector: Curved 47">
+            <a:extLst>
+              <a:ext uri="{FF2B5EF4-FFF2-40B4-BE49-F238E27FC236}">
+                <a16:creationId xmlns:a16="http://schemas.microsoft.com/office/drawing/2014/main" id="{7EEBAC5A-F30E-1C00-8839-4C1348F9A7E6}"/>
+              </a:ext>
+            </a:extLst>
+          </p:cNvPr>
+          <p:cNvCxnSpPr>
+            <a:cxnSpLocks/>
+            <a:stCxn id="28" idx="1"/>
+            <a:endCxn id="26" idx="1"/>
+          </p:cNvCxnSpPr>
+          <p:nvPr/>
+        </p:nvCxnSpPr>
+        <p:spPr>
+          <a:xfrm rot="10800000">
+            <a:off x="6844421" y="1733739"/>
+            <a:ext cx="995881" cy="3861304"/>
+          </a:xfrm>
+          <a:prstGeom prst="curvedConnector3">
+            <a:avLst>
+              <a:gd name="adj1" fmla="val 122955"/>
+            </a:avLst>
+          </a:prstGeom>
+          <a:ln>
+            <a:tailEnd type="triangle"/>
+          </a:ln>
+        </p:spPr>
+        <p:style>
+          <a:lnRef idx="1">
+            <a:schemeClr val="accent1"/>
+          </a:lnRef>
+          <a:fillRef idx="0">
+            <a:schemeClr val="accent1"/>
+          </a:fillRef>
+          <a:effectRef idx="0">
+            <a:schemeClr val="accent1"/>
+          </a:effectRef>
+          <a:fontRef idx="minor">
+            <a:schemeClr val="tx1"/>
+          </a:fontRef>
+        </p:style>
+      </p:cxnSp>
+      <p:sp>
+        <p:nvSpPr>
+          <p:cNvPr id="51" name="Rectangle 50">
+            <a:extLst>
+              <a:ext uri="{FF2B5EF4-FFF2-40B4-BE49-F238E27FC236}">
+                <a16:creationId xmlns:a16="http://schemas.microsoft.com/office/drawing/2014/main" id="{92F6F029-EA31-DAA4-FD85-7520FF0EEDB0}"/>
+              </a:ext>
+            </a:extLst>
+          </p:cNvPr>
+          <p:cNvSpPr/>
+          <p:nvPr/>
+        </p:nvSpPr>
+        <p:spPr>
+          <a:xfrm>
+            <a:off x="6740305" y="414170"/>
+            <a:ext cx="1996289" cy="2324506"/>
+          </a:xfrm>
+          <a:prstGeom prst="rect">
+            <a:avLst/>
+          </a:prstGeom>
+          <a:noFill/>
+        </p:spPr>
+        <p:style>
+          <a:lnRef idx="2">
+            <a:schemeClr val="accent1">
+              <a:shade val="15000"/>
+            </a:schemeClr>
+          </a:lnRef>
+          <a:fillRef idx="1">
+            <a:schemeClr val="accent1"/>
+          </a:fillRef>
+          <a:effectRef idx="0">
+            <a:schemeClr val="accent1"/>
+          </a:effectRef>
+          <a:fontRef idx="minor">
+            <a:schemeClr val="lt1"/>
+          </a:fontRef>
+        </p:style>
+        <p:txBody>
+          <a:bodyPr rtlCol="0" anchor="ctr"/>
+          <a:lstStyle/>
+          <a:p>
+            <a:pPr algn="ctr"/>
+            <a:endParaRPr lang="es-419" sz="1050">
+              <a:latin typeface="Arial" panose="020B0604020202020204" pitchFamily="34" charset="0"/>
+              <a:cs typeface="Arial" panose="020B0604020202020204" pitchFamily="34" charset="0"/>
+            </a:endParaRPr>
+          </a:p>
+        </p:txBody>
+      </p:sp>
+      <p:sp>
+        <p:nvSpPr>
+          <p:cNvPr id="52" name="TextBox 51">
+            <a:extLst>
+              <a:ext uri="{FF2B5EF4-FFF2-40B4-BE49-F238E27FC236}">
+                <a16:creationId xmlns:a16="http://schemas.microsoft.com/office/drawing/2014/main" id="{D616F47E-D387-2641-F2B6-014A39D0D0F5}"/>
+              </a:ext>
+            </a:extLst>
+          </p:cNvPr>
+          <p:cNvSpPr txBox="1"/>
+          <p:nvPr/>
+        </p:nvSpPr>
+        <p:spPr>
+          <a:xfrm>
+            <a:off x="6740305" y="417952"/>
+            <a:ext cx="1069524" cy="253916"/>
+          </a:xfrm>
+          <a:prstGeom prst="rect">
+            <a:avLst/>
+          </a:prstGeom>
+          <a:noFill/>
+        </p:spPr>
+        <p:txBody>
+          <a:bodyPr wrap="none" rtlCol="0">
+            <a:spAutoFit/>
+          </a:bodyPr>
+          <a:lstStyle/>
+          <a:p>
+            <a:r>
+              <a:rPr lang="es-419" sz="1050" dirty="0" err="1">
+                <a:latin typeface="Arial" panose="020B0604020202020204" pitchFamily="34" charset="0"/>
+                <a:cs typeface="Arial" panose="020B0604020202020204" pitchFamily="34" charset="0"/>
+              </a:rPr>
+              <a:t>Win</a:t>
+            </a:r>
+            <a:r>
+              <a:rPr lang="es-419" sz="1050" dirty="0">
+                <a:latin typeface="Arial" panose="020B0604020202020204" pitchFamily="34" charset="0"/>
+                <a:cs typeface="Arial" panose="020B0604020202020204" pitchFamily="34" charset="0"/>
+              </a:rPr>
+              <a:t>/Linux/Mac</a:t>
+            </a:r>
+          </a:p>
+        </p:txBody>
+      </p:sp>
+      <p:sp>
+        <p:nvSpPr>
+          <p:cNvPr id="53" name="Rectangle 52">
+            <a:extLst>
+              <a:ext uri="{FF2B5EF4-FFF2-40B4-BE49-F238E27FC236}">
+                <a16:creationId xmlns:a16="http://schemas.microsoft.com/office/drawing/2014/main" id="{E9F25DB0-46C2-F691-27E7-D55C3C2E298D}"/>
+              </a:ext>
+            </a:extLst>
+          </p:cNvPr>
+          <p:cNvSpPr/>
+          <p:nvPr/>
+        </p:nvSpPr>
+        <p:spPr>
+          <a:xfrm>
+            <a:off x="10366131" y="545123"/>
+            <a:ext cx="1547446" cy="2107543"/>
+          </a:xfrm>
+          <a:prstGeom prst="rect">
+            <a:avLst/>
+          </a:prstGeom>
+          <a:noFill/>
+        </p:spPr>
+        <p:style>
+          <a:lnRef idx="2">
+            <a:schemeClr val="accent1">
+              <a:shade val="15000"/>
+            </a:schemeClr>
+          </a:lnRef>
+          <a:fillRef idx="1">
+            <a:schemeClr val="accent1"/>
+          </a:fillRef>
+          <a:effectRef idx="0">
+            <a:schemeClr val="accent1"/>
+          </a:effectRef>
+          <a:fontRef idx="minor">
+            <a:schemeClr val="lt1"/>
+          </a:fontRef>
+        </p:style>
+        <p:txBody>
+          <a:bodyPr rtlCol="0" anchor="ctr"/>
+          <a:lstStyle/>
+          <a:p>
+            <a:pPr algn="ctr"/>
+            <a:endParaRPr lang="es-419"/>
+          </a:p>
+        </p:txBody>
+      </p:sp>
+      <p:sp>
+        <p:nvSpPr>
+          <p:cNvPr id="54" name="TextBox 53">
+            <a:extLst>
+              <a:ext uri="{FF2B5EF4-FFF2-40B4-BE49-F238E27FC236}">
+                <a16:creationId xmlns:a16="http://schemas.microsoft.com/office/drawing/2014/main" id="{9DABF034-3570-7BC9-AE53-34E53F24FCED}"/>
+              </a:ext>
+            </a:extLst>
+          </p:cNvPr>
+          <p:cNvSpPr txBox="1"/>
+          <p:nvPr/>
+        </p:nvSpPr>
+        <p:spPr>
+          <a:xfrm>
+            <a:off x="10277609" y="290994"/>
+            <a:ext cx="582211" cy="253916"/>
+          </a:xfrm>
+          <a:prstGeom prst="rect">
+            <a:avLst/>
+          </a:prstGeom>
+          <a:noFill/>
+        </p:spPr>
+        <p:txBody>
+          <a:bodyPr wrap="none" rtlCol="0">
+            <a:spAutoFit/>
+          </a:bodyPr>
+          <a:lstStyle/>
+          <a:p>
+            <a:r>
+              <a:rPr lang="es-419" sz="1050" dirty="0">
+                <a:latin typeface="Arial" panose="020B0604020202020204" pitchFamily="34" charset="0"/>
+                <a:cs typeface="Arial" panose="020B0604020202020204" pitchFamily="34" charset="0"/>
+              </a:rPr>
+              <a:t>Server</a:t>
+            </a:r>
+          </a:p>
+        </p:txBody>
+      </p:sp>
+      <p:sp>
+        <p:nvSpPr>
+          <p:cNvPr id="55" name="Rectangle 54">
+            <a:extLst>
+              <a:ext uri="{FF2B5EF4-FFF2-40B4-BE49-F238E27FC236}">
+                <a16:creationId xmlns:a16="http://schemas.microsoft.com/office/drawing/2014/main" id="{C020EC77-DB27-B808-D18A-1BD0855CD33A}"/>
+              </a:ext>
+            </a:extLst>
+          </p:cNvPr>
+          <p:cNvSpPr/>
+          <p:nvPr/>
+        </p:nvSpPr>
+        <p:spPr>
+          <a:xfrm>
+            <a:off x="10506808" y="671868"/>
+            <a:ext cx="1283678" cy="664563"/>
+          </a:xfrm>
+          <a:prstGeom prst="rect">
+            <a:avLst/>
+          </a:prstGeom>
+          <a:noFill/>
+        </p:spPr>
+        <p:style>
+          <a:lnRef idx="2">
+            <a:schemeClr val="accent1">
+              <a:shade val="15000"/>
+            </a:schemeClr>
+          </a:lnRef>
+          <a:fillRef idx="1">
+            <a:schemeClr val="accent1"/>
+          </a:fillRef>
+          <a:effectRef idx="0">
+            <a:schemeClr val="accent1"/>
+          </a:effectRef>
+          <a:fontRef idx="minor">
+            <a:schemeClr val="lt1"/>
+          </a:fontRef>
+        </p:style>
+        <p:txBody>
+          <a:bodyPr rtlCol="0" anchor="ctr"/>
+          <a:lstStyle/>
+          <a:p>
+            <a:pPr algn="ctr"/>
+            <a:endParaRPr lang="es-419" dirty="0"/>
+          </a:p>
+        </p:txBody>
+      </p:sp>
+      <p:sp>
+        <p:nvSpPr>
+          <p:cNvPr id="56" name="TextBox 55">
+            <a:extLst>
+              <a:ext uri="{FF2B5EF4-FFF2-40B4-BE49-F238E27FC236}">
+                <a16:creationId xmlns:a16="http://schemas.microsoft.com/office/drawing/2014/main" id="{7279B7F4-B264-8DB8-F6CC-27534BA1A35B}"/>
+              </a:ext>
+            </a:extLst>
+          </p:cNvPr>
+          <p:cNvSpPr txBox="1"/>
+          <p:nvPr/>
+        </p:nvSpPr>
+        <p:spPr>
+          <a:xfrm>
+            <a:off x="10506808" y="771881"/>
+            <a:ext cx="1317990" cy="577081"/>
+          </a:xfrm>
+          <a:prstGeom prst="rect">
+            <a:avLst/>
+          </a:prstGeom>
+          <a:noFill/>
+        </p:spPr>
+        <p:txBody>
+          <a:bodyPr wrap="none" rtlCol="0">
+            <a:spAutoFit/>
+          </a:bodyPr>
+          <a:lstStyle/>
+          <a:p>
+            <a:pPr algn="ctr"/>
+            <a:r>
+              <a:rPr lang="es-419" sz="1050" dirty="0" err="1">
+                <a:latin typeface="Arial" panose="020B0604020202020204" pitchFamily="34" charset="0"/>
+                <a:cs typeface="Arial" panose="020B0604020202020204" pitchFamily="34" charset="0"/>
+              </a:rPr>
+              <a:t>Template</a:t>
+            </a:r>
+            <a:r>
+              <a:rPr lang="es-419" sz="1050" dirty="0">
+                <a:latin typeface="Arial" panose="020B0604020202020204" pitchFamily="34" charset="0"/>
+                <a:cs typeface="Arial" panose="020B0604020202020204" pitchFamily="34" charset="0"/>
+              </a:rPr>
+              <a:t> manager</a:t>
+            </a:r>
+          </a:p>
+          <a:p>
+            <a:pPr algn="ctr"/>
+            <a:r>
+              <a:rPr lang="es-419" sz="1050" dirty="0">
+                <a:latin typeface="Arial" panose="020B0604020202020204" pitchFamily="34" charset="0"/>
+                <a:cs typeface="Arial" panose="020B0604020202020204" pitchFamily="34" charset="0"/>
+              </a:rPr>
+              <a:t>(C#, JAVA, PHP)</a:t>
+            </a:r>
+          </a:p>
+          <a:p>
+            <a:pPr algn="ctr"/>
+            <a:r>
+              <a:rPr lang="es-419" sz="1050" dirty="0" err="1">
+                <a:latin typeface="Arial" panose="020B0604020202020204" pitchFamily="34" charset="0"/>
+                <a:cs typeface="Arial" panose="020B0604020202020204" pitchFamily="34" charset="0"/>
+              </a:rPr>
+              <a:t>Blazor</a:t>
+            </a:r>
+            <a:endParaRPr lang="es-419" sz="1050" dirty="0">
+              <a:latin typeface="Arial" panose="020B0604020202020204" pitchFamily="34" charset="0"/>
+              <a:cs typeface="Arial" panose="020B0604020202020204" pitchFamily="34" charset="0"/>
+            </a:endParaRPr>
+          </a:p>
+        </p:txBody>
+      </p:sp>
+      <p:sp>
+        <p:nvSpPr>
+          <p:cNvPr id="57" name="Arrow: Down 56">
+            <a:extLst>
+              <a:ext uri="{FF2B5EF4-FFF2-40B4-BE49-F238E27FC236}">
+                <a16:creationId xmlns:a16="http://schemas.microsoft.com/office/drawing/2014/main" id="{3FD8F10E-EC68-02C6-112A-E6ADC8260017}"/>
+              </a:ext>
+            </a:extLst>
+          </p:cNvPr>
+          <p:cNvSpPr/>
+          <p:nvPr/>
+        </p:nvSpPr>
+        <p:spPr>
+          <a:xfrm>
+            <a:off x="10990385" y="1387093"/>
+            <a:ext cx="341535" cy="379114"/>
+          </a:xfrm>
+          <a:prstGeom prst="downArrow">
+            <a:avLst/>
+          </a:prstGeom>
+          <a:noFill/>
+        </p:spPr>
+        <p:style>
+          <a:lnRef idx="2">
+            <a:schemeClr val="accent1">
+              <a:shade val="15000"/>
+            </a:schemeClr>
+          </a:lnRef>
+          <a:fillRef idx="1">
+            <a:schemeClr val="accent1"/>
+          </a:fillRef>
+          <a:effectRef idx="0">
+            <a:schemeClr val="accent1"/>
+          </a:effectRef>
+          <a:fontRef idx="minor">
+            <a:schemeClr val="lt1"/>
+          </a:fontRef>
+        </p:style>
+        <p:txBody>
+          <a:bodyPr rtlCol="0" anchor="ctr"/>
+          <a:lstStyle/>
+          <a:p>
+            <a:pPr algn="ctr"/>
+            <a:endParaRPr lang="es-419" dirty="0"/>
+          </a:p>
+        </p:txBody>
+      </p:sp>
+      <p:sp>
+        <p:nvSpPr>
+          <p:cNvPr id="58" name="Rectangle 57">
+            <a:extLst>
+              <a:ext uri="{FF2B5EF4-FFF2-40B4-BE49-F238E27FC236}">
+                <a16:creationId xmlns:a16="http://schemas.microsoft.com/office/drawing/2014/main" id="{7CDF0B85-8D11-5D86-52A5-892F5E1541DB}"/>
+              </a:ext>
+            </a:extLst>
+          </p:cNvPr>
+          <p:cNvSpPr/>
+          <p:nvPr/>
+        </p:nvSpPr>
+        <p:spPr>
+          <a:xfrm>
+            <a:off x="10506808" y="1801369"/>
+            <a:ext cx="1283678" cy="664563"/>
+          </a:xfrm>
+          <a:prstGeom prst="rect">
+            <a:avLst/>
+          </a:prstGeom>
+          <a:noFill/>
+        </p:spPr>
+        <p:style>
+          <a:lnRef idx="2">
+            <a:schemeClr val="accent1">
+              <a:shade val="15000"/>
+            </a:schemeClr>
+          </a:lnRef>
+          <a:fillRef idx="1">
+            <a:schemeClr val="accent1"/>
+          </a:fillRef>
+          <a:effectRef idx="0">
+            <a:schemeClr val="accent1"/>
+          </a:effectRef>
+          <a:fontRef idx="minor">
+            <a:schemeClr val="lt1"/>
+          </a:fontRef>
+        </p:style>
+        <p:txBody>
+          <a:bodyPr rtlCol="0" anchor="ctr"/>
+          <a:lstStyle/>
+          <a:p>
+            <a:pPr algn="ctr"/>
+            <a:endParaRPr lang="es-419" dirty="0"/>
+          </a:p>
+        </p:txBody>
+      </p:sp>
+      <p:sp>
+        <p:nvSpPr>
+          <p:cNvPr id="59" name="TextBox 58">
+            <a:extLst>
+              <a:ext uri="{FF2B5EF4-FFF2-40B4-BE49-F238E27FC236}">
+                <a16:creationId xmlns:a16="http://schemas.microsoft.com/office/drawing/2014/main" id="{0AFBF9DC-9D41-D831-77BA-773CFC0FACCC}"/>
+              </a:ext>
+            </a:extLst>
+          </p:cNvPr>
+          <p:cNvSpPr txBox="1"/>
+          <p:nvPr/>
+        </p:nvSpPr>
+        <p:spPr>
+          <a:xfrm>
+            <a:off x="10669515" y="1978900"/>
+            <a:ext cx="992580" cy="253916"/>
+          </a:xfrm>
+          <a:prstGeom prst="rect">
+            <a:avLst/>
+          </a:prstGeom>
+          <a:noFill/>
+        </p:spPr>
+        <p:txBody>
+          <a:bodyPr wrap="none" rtlCol="0">
+            <a:spAutoFit/>
+          </a:bodyPr>
+          <a:lstStyle/>
+          <a:p>
+            <a:pPr algn="ctr"/>
+            <a:r>
+              <a:rPr lang="es-419" sz="1050" dirty="0">
+                <a:latin typeface="Arial" panose="020B0604020202020204" pitchFamily="34" charset="0"/>
+                <a:cs typeface="Arial" panose="020B0604020202020204" pitchFamily="34" charset="0"/>
+              </a:rPr>
+              <a:t>Output HTML</a:t>
+            </a:r>
+          </a:p>
+        </p:txBody>
+      </p:sp>
+      <p:cxnSp>
+        <p:nvCxnSpPr>
+          <p:cNvPr id="60" name="Connector: Curved 59">
+            <a:extLst>
+              <a:ext uri="{FF2B5EF4-FFF2-40B4-BE49-F238E27FC236}">
+                <a16:creationId xmlns:a16="http://schemas.microsoft.com/office/drawing/2014/main" id="{27046246-3C65-66B2-224D-FFDFC5107495}"/>
+              </a:ext>
+            </a:extLst>
+          </p:cNvPr>
+          <p:cNvCxnSpPr>
+            <a:cxnSpLocks/>
+          </p:cNvCxnSpPr>
+          <p:nvPr/>
+        </p:nvCxnSpPr>
+        <p:spPr>
+          <a:xfrm rot="5400000" flipH="1" flipV="1">
+            <a:off x="7673248" y="2481173"/>
+            <a:ext cx="3575161" cy="1810606"/>
+          </a:xfrm>
+          <a:prstGeom prst="curvedConnector2">
+            <a:avLst/>
+          </a:prstGeom>
+          <a:ln>
+            <a:tailEnd type="triangle"/>
+          </a:ln>
+        </p:spPr>
+        <p:style>
+          <a:lnRef idx="1">
+            <a:schemeClr val="accent1"/>
+          </a:lnRef>
+          <a:fillRef idx="0">
+            <a:schemeClr val="accent1"/>
+          </a:fillRef>
+          <a:effectRef idx="0">
+            <a:schemeClr val="accent1"/>
+          </a:effectRef>
+          <a:fontRef idx="minor">
+            <a:schemeClr val="tx1"/>
+          </a:fontRef>
+        </p:style>
+      </p:cxnSp>
+      <p:cxnSp>
+        <p:nvCxnSpPr>
+          <p:cNvPr id="61" name="Connector: Curved 60">
+            <a:extLst>
+              <a:ext uri="{FF2B5EF4-FFF2-40B4-BE49-F238E27FC236}">
+                <a16:creationId xmlns:a16="http://schemas.microsoft.com/office/drawing/2014/main" id="{04B4EC73-953F-FE93-ADAE-A731DB06D021}"/>
+              </a:ext>
+            </a:extLst>
+          </p:cNvPr>
+          <p:cNvCxnSpPr>
+            <a:cxnSpLocks/>
+          </p:cNvCxnSpPr>
+          <p:nvPr/>
+        </p:nvCxnSpPr>
+        <p:spPr>
+          <a:xfrm rot="5400000">
+            <a:off x="8734113" y="3189301"/>
+            <a:ext cx="2942377" cy="1869106"/>
+          </a:xfrm>
+          <a:prstGeom prst="curvedConnector2">
+            <a:avLst/>
+          </a:prstGeom>
+          <a:ln>
+            <a:tailEnd type="triangle"/>
+          </a:ln>
+        </p:spPr>
+        <p:style>
+          <a:lnRef idx="1">
+            <a:schemeClr val="accent1"/>
+          </a:lnRef>
+          <a:fillRef idx="0">
+            <a:schemeClr val="accent1"/>
+          </a:fillRef>
+          <a:effectRef idx="0">
+            <a:schemeClr val="accent1"/>
+          </a:effectRef>
+          <a:fontRef idx="minor">
+            <a:schemeClr val="tx1"/>
+          </a:fontRef>
+        </p:style>
+      </p:cxnSp>
+      <p:sp>
+        <p:nvSpPr>
+          <p:cNvPr id="62" name="TextBox 61">
+            <a:extLst>
+              <a:ext uri="{FF2B5EF4-FFF2-40B4-BE49-F238E27FC236}">
+                <a16:creationId xmlns:a16="http://schemas.microsoft.com/office/drawing/2014/main" id="{8A5F5FFF-0F15-E91D-E5CE-9F8616AEB3E1}"/>
+              </a:ext>
+            </a:extLst>
+          </p:cNvPr>
+          <p:cNvSpPr txBox="1"/>
+          <p:nvPr/>
+        </p:nvSpPr>
+        <p:spPr>
+          <a:xfrm>
+            <a:off x="6172756" y="5724990"/>
+            <a:ext cx="1083951" cy="738664"/>
+          </a:xfrm>
+          <a:prstGeom prst="rect">
+            <a:avLst/>
+          </a:prstGeom>
+          <a:noFill/>
+        </p:spPr>
+        <p:txBody>
+          <a:bodyPr wrap="none" rtlCol="0">
+            <a:spAutoFit/>
+          </a:bodyPr>
+          <a:lstStyle/>
+          <a:p>
+            <a:r>
+              <a:rPr lang="es-419" sz="1050" dirty="0">
+                <a:latin typeface="Arial" panose="020B0604020202020204" pitchFamily="34" charset="0"/>
+                <a:cs typeface="Arial" panose="020B0604020202020204" pitchFamily="34" charset="0"/>
+              </a:rPr>
+              <a:t>Web </a:t>
+            </a:r>
+            <a:r>
+              <a:rPr lang="es-419" sz="1050" dirty="0" err="1">
+                <a:latin typeface="Arial" panose="020B0604020202020204" pitchFamily="34" charset="0"/>
+                <a:cs typeface="Arial" panose="020B0604020202020204" pitchFamily="34" charset="0"/>
+              </a:rPr>
+              <a:t>Assembly</a:t>
+            </a:r>
+            <a:endParaRPr lang="es-419" sz="1050" dirty="0">
+              <a:latin typeface="Arial" panose="020B0604020202020204" pitchFamily="34" charset="0"/>
+              <a:cs typeface="Arial" panose="020B0604020202020204" pitchFamily="34" charset="0"/>
+            </a:endParaRPr>
+          </a:p>
+          <a:p>
+            <a:r>
+              <a:rPr lang="es-419" sz="1050" dirty="0">
+                <a:latin typeface="Arial" panose="020B0604020202020204" pitchFamily="34" charset="0"/>
+                <a:cs typeface="Arial" panose="020B0604020202020204" pitchFamily="34" charset="0"/>
+              </a:rPr>
+              <a:t>C#</a:t>
+            </a:r>
+          </a:p>
+          <a:p>
+            <a:r>
+              <a:rPr lang="es-419" sz="1050" dirty="0">
+                <a:latin typeface="Arial" panose="020B0604020202020204" pitchFamily="34" charset="0"/>
+                <a:cs typeface="Arial" panose="020B0604020202020204" pitchFamily="34" charset="0"/>
+              </a:rPr>
+              <a:t>Python</a:t>
+            </a:r>
+          </a:p>
+          <a:p>
+            <a:r>
+              <a:rPr lang="es-419" sz="1050" dirty="0">
+                <a:latin typeface="Arial" panose="020B0604020202020204" pitchFamily="34" charset="0"/>
+                <a:cs typeface="Arial" panose="020B0604020202020204" pitchFamily="34" charset="0"/>
+              </a:rPr>
+              <a:t>Java</a:t>
+            </a:r>
+          </a:p>
+        </p:txBody>
+      </p:sp>
+      <p:sp>
+        <p:nvSpPr>
+          <p:cNvPr id="63" name="TextBox 62">
+            <a:extLst>
+              <a:ext uri="{FF2B5EF4-FFF2-40B4-BE49-F238E27FC236}">
+                <a16:creationId xmlns:a16="http://schemas.microsoft.com/office/drawing/2014/main" id="{17E320D0-A90D-DC18-6EE4-A83744B09514}"/>
+              </a:ext>
+            </a:extLst>
+          </p:cNvPr>
+          <p:cNvSpPr txBox="1"/>
+          <p:nvPr/>
+        </p:nvSpPr>
+        <p:spPr>
+          <a:xfrm>
+            <a:off x="9305319" y="6227827"/>
+            <a:ext cx="1503938" cy="253916"/>
+          </a:xfrm>
+          <a:prstGeom prst="rect">
+            <a:avLst/>
+          </a:prstGeom>
+          <a:noFill/>
+        </p:spPr>
+        <p:txBody>
+          <a:bodyPr wrap="none" rtlCol="0">
+            <a:spAutoFit/>
+          </a:bodyPr>
+          <a:lstStyle/>
+          <a:p>
+            <a:pPr algn="ctr"/>
+            <a:r>
+              <a:rPr lang="es-419" sz="1050" dirty="0" err="1">
+                <a:latin typeface="Arial" panose="020B0604020202020204" pitchFamily="34" charset="0"/>
+                <a:cs typeface="Arial" panose="020B0604020202020204" pitchFamily="34" charset="0"/>
+              </a:rPr>
+              <a:t>Blazor</a:t>
+            </a:r>
+            <a:r>
+              <a:rPr lang="es-419" sz="1050" dirty="0">
+                <a:latin typeface="Arial" panose="020B0604020202020204" pitchFamily="34" charset="0"/>
+                <a:cs typeface="Arial" panose="020B0604020202020204" pitchFamily="34" charset="0"/>
+              </a:rPr>
+              <a:t> Web </a:t>
+            </a:r>
+            <a:r>
+              <a:rPr lang="es-419" sz="1050" dirty="0" err="1">
+                <a:latin typeface="Arial" panose="020B0604020202020204" pitchFamily="34" charset="0"/>
+                <a:cs typeface="Arial" panose="020B0604020202020204" pitchFamily="34" charset="0"/>
+              </a:rPr>
+              <a:t>Assembly</a:t>
+            </a:r>
+            <a:endParaRPr lang="es-419" sz="1050" dirty="0">
+              <a:latin typeface="Arial" panose="020B0604020202020204" pitchFamily="34" charset="0"/>
+              <a:cs typeface="Arial" panose="020B0604020202020204" pitchFamily="34" charset="0"/>
+            </a:endParaRPr>
+          </a:p>
+        </p:txBody>
+      </p:sp>
+      <p:sp>
+        <p:nvSpPr>
+          <p:cNvPr id="66" name="TextBox 65">
+            <a:extLst>
+              <a:ext uri="{FF2B5EF4-FFF2-40B4-BE49-F238E27FC236}">
+                <a16:creationId xmlns:a16="http://schemas.microsoft.com/office/drawing/2014/main" id="{396CDFB1-6973-6992-FDB1-D064215D8C4F}"/>
+              </a:ext>
+            </a:extLst>
+          </p:cNvPr>
+          <p:cNvSpPr txBox="1"/>
+          <p:nvPr/>
+        </p:nvSpPr>
+        <p:spPr>
+          <a:xfrm>
+            <a:off x="10787751" y="4261484"/>
+            <a:ext cx="974947" cy="738664"/>
+          </a:xfrm>
+          <a:prstGeom prst="rect">
+            <a:avLst/>
+          </a:prstGeom>
+          <a:noFill/>
+        </p:spPr>
+        <p:txBody>
+          <a:bodyPr wrap="none" rtlCol="0">
+            <a:spAutoFit/>
+          </a:bodyPr>
+          <a:lstStyle/>
+          <a:p>
+            <a:r>
+              <a:rPr lang="es-419" sz="1050" b="1" dirty="0" err="1">
+                <a:latin typeface="Arial" panose="020B0604020202020204" pitchFamily="34" charset="0"/>
+                <a:cs typeface="Arial" panose="020B0604020202020204" pitchFamily="34" charset="0"/>
+              </a:rPr>
+              <a:t>SignalR</a:t>
+            </a:r>
+            <a:endParaRPr lang="es-419" sz="1050" b="1" dirty="0">
+              <a:latin typeface="Arial" panose="020B0604020202020204" pitchFamily="34" charset="0"/>
+              <a:cs typeface="Arial" panose="020B0604020202020204" pitchFamily="34" charset="0"/>
+            </a:endParaRPr>
+          </a:p>
+          <a:p>
+            <a:r>
+              <a:rPr lang="es-419" sz="1050" dirty="0" err="1">
+                <a:latin typeface="Arial" panose="020B0604020202020204" pitchFamily="34" charset="0"/>
+                <a:cs typeface="Arial" panose="020B0604020202020204" pitchFamily="34" charset="0"/>
+              </a:rPr>
+              <a:t>WebSocket</a:t>
+            </a:r>
+            <a:endParaRPr lang="es-419" sz="1050" dirty="0">
+              <a:latin typeface="Arial" panose="020B0604020202020204" pitchFamily="34" charset="0"/>
+              <a:cs typeface="Arial" panose="020B0604020202020204" pitchFamily="34" charset="0"/>
+            </a:endParaRPr>
+          </a:p>
+          <a:p>
+            <a:r>
+              <a:rPr lang="es-419" sz="1050" dirty="0">
+                <a:latin typeface="Arial" panose="020B0604020202020204" pitchFamily="34" charset="0"/>
+                <a:cs typeface="Arial" panose="020B0604020202020204" pitchFamily="34" charset="0"/>
+              </a:rPr>
+              <a:t>SSE</a:t>
+            </a:r>
+          </a:p>
+          <a:p>
+            <a:r>
+              <a:rPr lang="es-419" sz="1050" dirty="0">
+                <a:latin typeface="Arial" panose="020B0604020202020204" pitchFamily="34" charset="0"/>
+                <a:cs typeface="Arial" panose="020B0604020202020204" pitchFamily="34" charset="0"/>
+              </a:rPr>
+              <a:t>Long </a:t>
+            </a:r>
+            <a:r>
+              <a:rPr lang="es-419" sz="1050" dirty="0" err="1">
+                <a:latin typeface="Arial" panose="020B0604020202020204" pitchFamily="34" charset="0"/>
+                <a:cs typeface="Arial" panose="020B0604020202020204" pitchFamily="34" charset="0"/>
+              </a:rPr>
+              <a:t>Pooling</a:t>
+            </a:r>
+            <a:endParaRPr lang="es-419" sz="1050" dirty="0">
+              <a:latin typeface="Arial" panose="020B0604020202020204" pitchFamily="34" charset="0"/>
+              <a:cs typeface="Arial" panose="020B0604020202020204" pitchFamily="34" charset="0"/>
+            </a:endParaRPr>
+          </a:p>
+        </p:txBody>
+      </p:sp>
+      <p:sp>
+        <p:nvSpPr>
+          <p:cNvPr id="67" name="Hexagon 66">
+            <a:extLst>
+              <a:ext uri="{FF2B5EF4-FFF2-40B4-BE49-F238E27FC236}">
+                <a16:creationId xmlns:a16="http://schemas.microsoft.com/office/drawing/2014/main" id="{0BEB8BA7-F5D3-203B-4EC1-81129042ABE7}"/>
+              </a:ext>
+            </a:extLst>
+          </p:cNvPr>
+          <p:cNvSpPr/>
+          <p:nvPr/>
+        </p:nvSpPr>
+        <p:spPr>
+          <a:xfrm>
+            <a:off x="738554" y="5174056"/>
+            <a:ext cx="949569" cy="818594"/>
+          </a:xfrm>
+          <a:prstGeom prst="hexagon">
+            <a:avLst/>
+          </a:prstGeom>
+          <a:noFill/>
+        </p:spPr>
+        <p:style>
+          <a:lnRef idx="2">
+            <a:schemeClr val="accent1">
+              <a:shade val="15000"/>
+            </a:schemeClr>
+          </a:lnRef>
+          <a:fillRef idx="1">
+            <a:schemeClr val="accent1"/>
+          </a:fillRef>
+          <a:effectRef idx="0">
+            <a:schemeClr val="accent1"/>
+          </a:effectRef>
+          <a:fontRef idx="minor">
+            <a:schemeClr val="lt1"/>
+          </a:fontRef>
+        </p:style>
+        <p:txBody>
+          <a:bodyPr rtlCol="0" anchor="ctr"/>
+          <a:lstStyle/>
+          <a:p>
+            <a:pPr algn="ctr"/>
+            <a:endParaRPr lang="es-419"/>
+          </a:p>
+        </p:txBody>
+      </p:sp>
+      <p:sp>
+        <p:nvSpPr>
+          <p:cNvPr id="68" name="Hexagon 67">
+            <a:extLst>
+              <a:ext uri="{FF2B5EF4-FFF2-40B4-BE49-F238E27FC236}">
+                <a16:creationId xmlns:a16="http://schemas.microsoft.com/office/drawing/2014/main" id="{553BBCAC-2BC5-F35A-1CEC-19B5F89C4C92}"/>
+              </a:ext>
+            </a:extLst>
+          </p:cNvPr>
+          <p:cNvSpPr/>
+          <p:nvPr/>
+        </p:nvSpPr>
+        <p:spPr>
+          <a:xfrm>
+            <a:off x="3910973" y="5174056"/>
+            <a:ext cx="949569" cy="818594"/>
+          </a:xfrm>
+          <a:prstGeom prst="hexagon">
+            <a:avLst/>
+          </a:prstGeom>
+          <a:noFill/>
+        </p:spPr>
+        <p:style>
+          <a:lnRef idx="2">
+            <a:schemeClr val="accent1">
+              <a:shade val="15000"/>
+            </a:schemeClr>
+          </a:lnRef>
+          <a:fillRef idx="1">
+            <a:schemeClr val="accent1"/>
+          </a:fillRef>
+          <a:effectRef idx="0">
+            <a:schemeClr val="accent1"/>
+          </a:effectRef>
+          <a:fontRef idx="minor">
+            <a:schemeClr val="lt1"/>
+          </a:fontRef>
+        </p:style>
+        <p:txBody>
+          <a:bodyPr rtlCol="0" anchor="ctr"/>
+          <a:lstStyle/>
+          <a:p>
+            <a:pPr algn="ctr"/>
+            <a:endParaRPr lang="es-419"/>
+          </a:p>
+        </p:txBody>
+      </p:sp>
+      <p:sp>
+        <p:nvSpPr>
+          <p:cNvPr id="69" name="TextBox 68">
+            <a:extLst>
+              <a:ext uri="{FF2B5EF4-FFF2-40B4-BE49-F238E27FC236}">
+                <a16:creationId xmlns:a16="http://schemas.microsoft.com/office/drawing/2014/main" id="{E73FD135-5338-282A-B692-A9763BC40E69}"/>
+              </a:ext>
+            </a:extLst>
+          </p:cNvPr>
+          <p:cNvSpPr txBox="1"/>
+          <p:nvPr/>
+        </p:nvSpPr>
+        <p:spPr>
+          <a:xfrm>
+            <a:off x="872319" y="5462275"/>
+            <a:ext cx="708848" cy="261610"/>
+          </a:xfrm>
+          <a:prstGeom prst="rect">
+            <a:avLst/>
+          </a:prstGeom>
+          <a:noFill/>
+        </p:spPr>
+        <p:txBody>
+          <a:bodyPr wrap="none" rtlCol="0">
+            <a:spAutoFit/>
+          </a:bodyPr>
+          <a:lstStyle/>
+          <a:p>
+            <a:r>
+              <a:rPr lang="es-419" sz="1100" dirty="0" err="1"/>
+              <a:t>Service</a:t>
+            </a:r>
+            <a:r>
+              <a:rPr lang="es-419" sz="1100" dirty="0"/>
+              <a:t> A</a:t>
+            </a:r>
+          </a:p>
+        </p:txBody>
+      </p:sp>
+      <p:sp>
+        <p:nvSpPr>
+          <p:cNvPr id="70" name="TextBox 69">
+            <a:extLst>
+              <a:ext uri="{FF2B5EF4-FFF2-40B4-BE49-F238E27FC236}">
+                <a16:creationId xmlns:a16="http://schemas.microsoft.com/office/drawing/2014/main" id="{34A30699-4B32-AAE1-D8AF-E670AC2E254B}"/>
+              </a:ext>
+            </a:extLst>
+          </p:cNvPr>
+          <p:cNvSpPr txBox="1"/>
+          <p:nvPr/>
+        </p:nvSpPr>
+        <p:spPr>
+          <a:xfrm>
+            <a:off x="4063667" y="5462275"/>
+            <a:ext cx="704039" cy="261610"/>
+          </a:xfrm>
+          <a:prstGeom prst="rect">
+            <a:avLst/>
+          </a:prstGeom>
+          <a:noFill/>
+        </p:spPr>
+        <p:txBody>
+          <a:bodyPr wrap="none" rtlCol="0">
+            <a:spAutoFit/>
+          </a:bodyPr>
+          <a:lstStyle/>
+          <a:p>
+            <a:r>
+              <a:rPr lang="es-419" sz="1100" dirty="0" err="1"/>
+              <a:t>Service</a:t>
+            </a:r>
+            <a:r>
+              <a:rPr lang="es-419" sz="1100" dirty="0"/>
+              <a:t> B</a:t>
+            </a:r>
+          </a:p>
+        </p:txBody>
+      </p:sp>
+      <p:cxnSp>
+        <p:nvCxnSpPr>
+          <p:cNvPr id="71" name="Straight Arrow Connector 70">
+            <a:extLst>
+              <a:ext uri="{FF2B5EF4-FFF2-40B4-BE49-F238E27FC236}">
+                <a16:creationId xmlns:a16="http://schemas.microsoft.com/office/drawing/2014/main" id="{C427C093-6D0E-8DCB-B4EF-00C92B55A3ED}"/>
+              </a:ext>
+            </a:extLst>
+          </p:cNvPr>
+          <p:cNvCxnSpPr/>
+          <p:nvPr/>
+        </p:nvCxnSpPr>
+        <p:spPr>
+          <a:xfrm>
+            <a:off x="1581167" y="5319347"/>
+            <a:ext cx="2482500" cy="0"/>
+          </a:xfrm>
+          <a:prstGeom prst="straightConnector1">
+            <a:avLst/>
+          </a:prstGeom>
+          <a:ln>
+            <a:tailEnd type="triangle"/>
+          </a:ln>
+        </p:spPr>
+        <p:style>
+          <a:lnRef idx="1">
+            <a:schemeClr val="accent1"/>
+          </a:lnRef>
+          <a:fillRef idx="0">
+            <a:schemeClr val="accent1"/>
+          </a:fillRef>
+          <a:effectRef idx="0">
+            <a:schemeClr val="accent1"/>
+          </a:effectRef>
+          <a:fontRef idx="minor">
+            <a:schemeClr val="tx1"/>
+          </a:fontRef>
+        </p:style>
+      </p:cxnSp>
+      <p:cxnSp>
+        <p:nvCxnSpPr>
+          <p:cNvPr id="72" name="Straight Arrow Connector 71">
+            <a:extLst>
+              <a:ext uri="{FF2B5EF4-FFF2-40B4-BE49-F238E27FC236}">
+                <a16:creationId xmlns:a16="http://schemas.microsoft.com/office/drawing/2014/main" id="{61526FBB-1D1A-B2E3-D7E7-9DACEE46B567}"/>
+              </a:ext>
+            </a:extLst>
+          </p:cNvPr>
+          <p:cNvCxnSpPr/>
+          <p:nvPr/>
+        </p:nvCxnSpPr>
+        <p:spPr>
+          <a:xfrm>
+            <a:off x="1581167" y="5864469"/>
+            <a:ext cx="2482500" cy="0"/>
+          </a:xfrm>
+          <a:prstGeom prst="straightConnector1">
+            <a:avLst/>
+          </a:prstGeom>
+          <a:ln>
+            <a:headEnd type="triangle" w="med" len="med"/>
+            <a:tailEnd type="none" w="med" len="med"/>
+          </a:ln>
+        </p:spPr>
+        <p:style>
+          <a:lnRef idx="1">
+            <a:schemeClr val="accent1"/>
+          </a:lnRef>
+          <a:fillRef idx="0">
+            <a:schemeClr val="accent1"/>
+          </a:fillRef>
+          <a:effectRef idx="0">
+            <a:schemeClr val="accent1"/>
+          </a:effectRef>
+          <a:fontRef idx="minor">
+            <a:schemeClr val="tx1"/>
+          </a:fontRef>
+        </p:style>
+      </p:cxnSp>
+      <p:sp>
+        <p:nvSpPr>
+          <p:cNvPr id="73" name="TextBox 72">
+            <a:extLst>
+              <a:ext uri="{FF2B5EF4-FFF2-40B4-BE49-F238E27FC236}">
+                <a16:creationId xmlns:a16="http://schemas.microsoft.com/office/drawing/2014/main" id="{A7E66CE8-86C6-CC7E-08BD-596074430FA7}"/>
+              </a:ext>
+            </a:extLst>
+          </p:cNvPr>
+          <p:cNvSpPr txBox="1"/>
+          <p:nvPr/>
+        </p:nvSpPr>
+        <p:spPr>
+          <a:xfrm>
+            <a:off x="2494230" y="5462275"/>
+            <a:ext cx="439544" cy="261610"/>
+          </a:xfrm>
+          <a:prstGeom prst="rect">
+            <a:avLst/>
+          </a:prstGeom>
+          <a:noFill/>
+        </p:spPr>
+        <p:txBody>
+          <a:bodyPr wrap="none" rtlCol="0">
+            <a:spAutoFit/>
+          </a:bodyPr>
+          <a:lstStyle/>
+          <a:p>
+            <a:r>
+              <a:rPr lang="es-419" sz="1100" dirty="0"/>
+              <a:t>Http</a:t>
+            </a:r>
+          </a:p>
+        </p:txBody>
+      </p:sp>
+      <p:sp>
+        <p:nvSpPr>
+          <p:cNvPr id="74" name="TextBox 73">
+            <a:extLst>
+              <a:ext uri="{FF2B5EF4-FFF2-40B4-BE49-F238E27FC236}">
+                <a16:creationId xmlns:a16="http://schemas.microsoft.com/office/drawing/2014/main" id="{5D2EF06F-D187-BE03-0D1B-BC4B3365559D}"/>
+              </a:ext>
+            </a:extLst>
+          </p:cNvPr>
+          <p:cNvSpPr txBox="1"/>
+          <p:nvPr/>
+        </p:nvSpPr>
+        <p:spPr>
+          <a:xfrm>
+            <a:off x="2405748" y="5993865"/>
+            <a:ext cx="1016625" cy="261610"/>
+          </a:xfrm>
+          <a:prstGeom prst="rect">
+            <a:avLst/>
+          </a:prstGeom>
+          <a:noFill/>
+        </p:spPr>
+        <p:txBody>
+          <a:bodyPr wrap="none" rtlCol="0">
+            <a:spAutoFit/>
+          </a:bodyPr>
+          <a:lstStyle/>
+          <a:p>
+            <a:r>
+              <a:rPr lang="es-419" sz="1100" dirty="0" err="1"/>
+              <a:t>gRPC</a:t>
+            </a:r>
+            <a:r>
+              <a:rPr lang="es-419" sz="1100" dirty="0"/>
+              <a:t> -&gt; </a:t>
+            </a:r>
+            <a:r>
+              <a:rPr lang="es-419" sz="1100" dirty="0" err="1"/>
+              <a:t>Binary</a:t>
+            </a:r>
+            <a:endParaRPr lang="es-419" sz="1100" dirty="0"/>
+          </a:p>
+        </p:txBody>
+      </p:sp>
+    </p:spTree>
+    <p:extLst>
+      <p:ext uri="{BB962C8B-B14F-4D97-AF65-F5344CB8AC3E}">
+        <p14:creationId xmlns:p14="http://schemas.microsoft.com/office/powerpoint/2010/main" val="311422872"/>
+      </p:ext>
+    </p:extLst>
+  </p:cSld>
+  <p:clrMapOvr>
+    <a:masterClrMapping/>
+  </p:clrMapOvr>
+</p:sld>
+</file>
+
+<file path=ppt/slides/slide5.xml><?xml version="1.0" encoding="utf-8"?>
+<p:sld xmlns:a="http://schemas.openxmlformats.org/drawingml/2006/main" xmlns:r="http://schemas.openxmlformats.org/officeDocument/2006/relationships" xmlns:p="http://schemas.openxmlformats.org/presentationml/2006/main">
+  <p:cSld>
+    <p:spTree>
+      <p:nvGrpSpPr>
+        <p:cNvPr id="1" name=""/>
+        <p:cNvGrpSpPr/>
+        <p:nvPr/>
+      </p:nvGrpSpPr>
+      <p:grpSpPr>
+        <a:xfrm>
+          <a:off x="0" y="0"/>
+          <a:ext cx="0" cy="0"/>
+          <a:chOff x="0" y="0"/>
+          <a:chExt cx="0" cy="0"/>
+        </a:xfrm>
+      </p:grpSpPr>
+      <p:sp>
+        <p:nvSpPr>
+          <p:cNvPr id="4" name="Rectangle: Rounded Corners 3">
+            <a:extLst>
+              <a:ext uri="{FF2B5EF4-FFF2-40B4-BE49-F238E27FC236}">
+                <a16:creationId xmlns:a16="http://schemas.microsoft.com/office/drawing/2014/main" id="{E9024D57-58DE-83C8-3871-C35CB45FFDF8}"/>
+              </a:ext>
+            </a:extLst>
+          </p:cNvPr>
+          <p:cNvSpPr/>
+          <p:nvPr/>
+        </p:nvSpPr>
+        <p:spPr>
+          <a:xfrm>
+            <a:off x="1068910" y="1788060"/>
+            <a:ext cx="1430447" cy="841973"/>
+          </a:xfrm>
+          <a:prstGeom prst="roundRect">
+            <a:avLst/>
+          </a:prstGeom>
+          <a:noFill/>
+        </p:spPr>
+        <p:style>
+          <a:lnRef idx="2">
+            <a:schemeClr val="accent1">
+              <a:shade val="15000"/>
+            </a:schemeClr>
+          </a:lnRef>
+          <a:fillRef idx="1">
+            <a:schemeClr val="accent1"/>
+          </a:fillRef>
+          <a:effectRef idx="0">
+            <a:schemeClr val="accent1"/>
+          </a:effectRef>
+          <a:fontRef idx="minor">
+            <a:schemeClr val="lt1"/>
+          </a:fontRef>
+        </p:style>
+        <p:txBody>
+          <a:bodyPr rtlCol="0" anchor="ctr"/>
+          <a:lstStyle/>
+          <a:p>
+            <a:pPr algn="ctr"/>
+            <a:endParaRPr lang="es-419">
+              <a:latin typeface="Arial" panose="020B0604020202020204" pitchFamily="34" charset="0"/>
+              <a:cs typeface="Arial" panose="020B0604020202020204" pitchFamily="34" charset="0"/>
+            </a:endParaRPr>
+          </a:p>
+        </p:txBody>
+      </p:sp>
+      <p:sp>
+        <p:nvSpPr>
+          <p:cNvPr id="5" name="Parallelogram 4">
+            <a:extLst>
+              <a:ext uri="{FF2B5EF4-FFF2-40B4-BE49-F238E27FC236}">
+                <a16:creationId xmlns:a16="http://schemas.microsoft.com/office/drawing/2014/main" id="{D0FEB2D8-2517-02D3-2706-E2D743D1E81B}"/>
+              </a:ext>
+            </a:extLst>
+          </p:cNvPr>
+          <p:cNvSpPr/>
+          <p:nvPr/>
+        </p:nvSpPr>
+        <p:spPr>
+          <a:xfrm>
+            <a:off x="1068910" y="2738674"/>
+            <a:ext cx="1430447" cy="380245"/>
+          </a:xfrm>
+          <a:prstGeom prst="parallelogram">
+            <a:avLst/>
+          </a:prstGeom>
+          <a:noFill/>
+        </p:spPr>
+        <p:style>
+          <a:lnRef idx="2">
+            <a:schemeClr val="accent1">
+              <a:shade val="15000"/>
+            </a:schemeClr>
+          </a:lnRef>
+          <a:fillRef idx="1">
+            <a:schemeClr val="accent1"/>
+          </a:fillRef>
+          <a:effectRef idx="0">
+            <a:schemeClr val="accent1"/>
+          </a:effectRef>
+          <a:fontRef idx="minor">
+            <a:schemeClr val="lt1"/>
+          </a:fontRef>
+        </p:style>
+        <p:txBody>
+          <a:bodyPr rtlCol="0" anchor="ctr"/>
+          <a:lstStyle/>
+          <a:p>
+            <a:pPr algn="ctr"/>
+            <a:endParaRPr lang="es-419">
+              <a:latin typeface="Arial" panose="020B0604020202020204" pitchFamily="34" charset="0"/>
+              <a:cs typeface="Arial" panose="020B0604020202020204" pitchFamily="34" charset="0"/>
+            </a:endParaRPr>
+          </a:p>
+        </p:txBody>
+      </p:sp>
+      <p:sp>
+        <p:nvSpPr>
+          <p:cNvPr id="6" name="TextBox 5">
+            <a:extLst>
+              <a:ext uri="{FF2B5EF4-FFF2-40B4-BE49-F238E27FC236}">
+                <a16:creationId xmlns:a16="http://schemas.microsoft.com/office/drawing/2014/main" id="{05C78B0D-3069-517D-6C9F-96CCC90E6929}"/>
+              </a:ext>
+            </a:extLst>
+          </p:cNvPr>
+          <p:cNvSpPr txBox="1"/>
+          <p:nvPr/>
+        </p:nvSpPr>
+        <p:spPr>
+          <a:xfrm>
+            <a:off x="1277140" y="1204111"/>
+            <a:ext cx="774571" cy="369332"/>
+          </a:xfrm>
+          <a:prstGeom prst="rect">
+            <a:avLst/>
+          </a:prstGeom>
+          <a:noFill/>
+        </p:spPr>
+        <p:txBody>
+          <a:bodyPr wrap="none" rtlCol="0">
+            <a:spAutoFit/>
+          </a:bodyPr>
+          <a:lstStyle/>
+          <a:p>
+            <a:r>
+              <a:rPr lang="es-419" dirty="0">
+                <a:latin typeface="Arial" panose="020B0604020202020204" pitchFamily="34" charset="0"/>
+                <a:cs typeface="Arial" panose="020B0604020202020204" pitchFamily="34" charset="0"/>
+              </a:rPr>
+              <a:t>Client</a:t>
+            </a:r>
+          </a:p>
+        </p:txBody>
+      </p:sp>
+      <p:sp>
+        <p:nvSpPr>
+          <p:cNvPr id="7" name="Rectangle 6">
+            <a:extLst>
+              <a:ext uri="{FF2B5EF4-FFF2-40B4-BE49-F238E27FC236}">
+                <a16:creationId xmlns:a16="http://schemas.microsoft.com/office/drawing/2014/main" id="{87977EB3-1390-A295-EC1B-99758794A006}"/>
+              </a:ext>
+            </a:extLst>
+          </p:cNvPr>
+          <p:cNvSpPr/>
+          <p:nvPr/>
+        </p:nvSpPr>
+        <p:spPr>
+          <a:xfrm>
+            <a:off x="9524246" y="1204111"/>
+            <a:ext cx="1430447" cy="3041964"/>
+          </a:xfrm>
+          <a:prstGeom prst="rect">
+            <a:avLst/>
+          </a:prstGeom>
+          <a:noFill/>
+        </p:spPr>
+        <p:style>
+          <a:lnRef idx="2">
+            <a:schemeClr val="accent1">
+              <a:shade val="15000"/>
+            </a:schemeClr>
+          </a:lnRef>
+          <a:fillRef idx="1">
+            <a:schemeClr val="accent1"/>
+          </a:fillRef>
+          <a:effectRef idx="0">
+            <a:schemeClr val="accent1"/>
+          </a:effectRef>
+          <a:fontRef idx="minor">
+            <a:schemeClr val="lt1"/>
+          </a:fontRef>
+        </p:style>
+        <p:txBody>
+          <a:bodyPr rtlCol="0" anchor="ctr"/>
+          <a:lstStyle/>
+          <a:p>
+            <a:pPr algn="ctr"/>
+            <a:endParaRPr lang="es-419">
+              <a:latin typeface="Arial" panose="020B0604020202020204" pitchFamily="34" charset="0"/>
+              <a:cs typeface="Arial" panose="020B0604020202020204" pitchFamily="34" charset="0"/>
+            </a:endParaRPr>
+          </a:p>
+        </p:txBody>
+      </p:sp>
+      <p:sp>
+        <p:nvSpPr>
+          <p:cNvPr id="8" name="TextBox 7">
+            <a:extLst>
+              <a:ext uri="{FF2B5EF4-FFF2-40B4-BE49-F238E27FC236}">
+                <a16:creationId xmlns:a16="http://schemas.microsoft.com/office/drawing/2014/main" id="{49118236-2D32-578B-3A95-EC9E9A930C88}"/>
+              </a:ext>
+            </a:extLst>
+          </p:cNvPr>
+          <p:cNvSpPr txBox="1"/>
+          <p:nvPr/>
+        </p:nvSpPr>
+        <p:spPr>
+          <a:xfrm>
+            <a:off x="9792270" y="2266791"/>
+            <a:ext cx="1033745" cy="646331"/>
+          </a:xfrm>
+          <a:prstGeom prst="rect">
+            <a:avLst/>
+          </a:prstGeom>
+          <a:noFill/>
+        </p:spPr>
+        <p:txBody>
+          <a:bodyPr wrap="none" rtlCol="0">
+            <a:spAutoFit/>
+          </a:bodyPr>
+          <a:lstStyle/>
+          <a:p>
+            <a:r>
+              <a:rPr lang="es-419" dirty="0" err="1"/>
+              <a:t>Endpoint</a:t>
+            </a:r>
+            <a:endParaRPr lang="es-419" dirty="0"/>
+          </a:p>
+          <a:p>
+            <a:r>
+              <a:rPr lang="es-419" dirty="0" err="1"/>
+              <a:t>Action</a:t>
+            </a:r>
+            <a:endParaRPr lang="es-419" dirty="0"/>
+          </a:p>
+        </p:txBody>
+      </p:sp>
+      <p:sp>
+        <p:nvSpPr>
+          <p:cNvPr id="9" name="TextBox 8">
+            <a:extLst>
+              <a:ext uri="{FF2B5EF4-FFF2-40B4-BE49-F238E27FC236}">
+                <a16:creationId xmlns:a16="http://schemas.microsoft.com/office/drawing/2014/main" id="{262573DF-7152-B10E-83B6-B919D2012AE2}"/>
+              </a:ext>
+            </a:extLst>
+          </p:cNvPr>
+          <p:cNvSpPr txBox="1"/>
+          <p:nvPr/>
+        </p:nvSpPr>
+        <p:spPr>
+          <a:xfrm>
+            <a:off x="9559150" y="1204111"/>
+            <a:ext cx="1107996" cy="369332"/>
+          </a:xfrm>
+          <a:prstGeom prst="rect">
+            <a:avLst/>
+          </a:prstGeom>
+          <a:noFill/>
+        </p:spPr>
+        <p:txBody>
+          <a:bodyPr wrap="none" rtlCol="0">
+            <a:spAutoFit/>
+          </a:bodyPr>
+          <a:lstStyle/>
+          <a:p>
+            <a:r>
+              <a:rPr lang="es-419" dirty="0" err="1">
+                <a:latin typeface="Arial" panose="020B0604020202020204" pitchFamily="34" charset="0"/>
+                <a:cs typeface="Arial" panose="020B0604020202020204" pitchFamily="34" charset="0"/>
+              </a:rPr>
+              <a:t>My</a:t>
+            </a:r>
+            <a:r>
+              <a:rPr lang="es-419" dirty="0">
+                <a:latin typeface="Arial" panose="020B0604020202020204" pitchFamily="34" charset="0"/>
+                <a:cs typeface="Arial" panose="020B0604020202020204" pitchFamily="34" charset="0"/>
+              </a:rPr>
+              <a:t> </a:t>
+            </a:r>
+            <a:r>
+              <a:rPr lang="es-419" dirty="0" err="1">
+                <a:latin typeface="Arial" panose="020B0604020202020204" pitchFamily="34" charset="0"/>
+                <a:cs typeface="Arial" panose="020B0604020202020204" pitchFamily="34" charset="0"/>
+              </a:rPr>
+              <a:t>Code</a:t>
+            </a:r>
+            <a:endParaRPr lang="es-419" dirty="0">
+              <a:latin typeface="Arial" panose="020B0604020202020204" pitchFamily="34" charset="0"/>
+              <a:cs typeface="Arial" panose="020B0604020202020204" pitchFamily="34" charset="0"/>
+            </a:endParaRPr>
+          </a:p>
+        </p:txBody>
+      </p:sp>
+      <p:sp>
+        <p:nvSpPr>
+          <p:cNvPr id="10" name="Rectangle 9">
+            <a:extLst>
+              <a:ext uri="{FF2B5EF4-FFF2-40B4-BE49-F238E27FC236}">
+                <a16:creationId xmlns:a16="http://schemas.microsoft.com/office/drawing/2014/main" id="{D1CFEE58-6D6B-4C25-8A01-F0967F10F4BA}"/>
+              </a:ext>
+            </a:extLst>
+          </p:cNvPr>
+          <p:cNvSpPr/>
+          <p:nvPr/>
+        </p:nvSpPr>
+        <p:spPr>
+          <a:xfrm>
+            <a:off x="9682537" y="2245259"/>
+            <a:ext cx="1198365" cy="634253"/>
+          </a:xfrm>
+          <a:prstGeom prst="rect">
+            <a:avLst/>
+          </a:prstGeom>
+          <a:noFill/>
+        </p:spPr>
+        <p:style>
+          <a:lnRef idx="2">
+            <a:schemeClr val="accent1">
+              <a:shade val="15000"/>
+            </a:schemeClr>
+          </a:lnRef>
+          <a:fillRef idx="1">
+            <a:schemeClr val="accent1"/>
+          </a:fillRef>
+          <a:effectRef idx="0">
+            <a:schemeClr val="accent1"/>
+          </a:effectRef>
+          <a:fontRef idx="minor">
+            <a:schemeClr val="lt1"/>
+          </a:fontRef>
+        </p:style>
+        <p:txBody>
+          <a:bodyPr rtlCol="0" anchor="ctr"/>
+          <a:lstStyle/>
+          <a:p>
+            <a:pPr algn="ctr"/>
+            <a:endParaRPr lang="es-419">
+              <a:latin typeface="Arial" panose="020B0604020202020204" pitchFamily="34" charset="0"/>
+              <a:cs typeface="Arial" panose="020B0604020202020204" pitchFamily="34" charset="0"/>
+            </a:endParaRPr>
+          </a:p>
+        </p:txBody>
+      </p:sp>
+      <p:sp>
+        <p:nvSpPr>
+          <p:cNvPr id="11" name="Arrow: Right 10">
+            <a:extLst>
+              <a:ext uri="{FF2B5EF4-FFF2-40B4-BE49-F238E27FC236}">
+                <a16:creationId xmlns:a16="http://schemas.microsoft.com/office/drawing/2014/main" id="{4C08F4F5-DBF3-2B62-3994-82E762DEE878}"/>
+              </a:ext>
+            </a:extLst>
+          </p:cNvPr>
+          <p:cNvSpPr/>
+          <p:nvPr/>
+        </p:nvSpPr>
+        <p:spPr>
+          <a:xfrm>
+            <a:off x="2906162" y="2245259"/>
+            <a:ext cx="6618084" cy="597529"/>
+          </a:xfrm>
+          <a:prstGeom prst="rightArrow">
+            <a:avLst/>
+          </a:prstGeom>
+          <a:noFill/>
+        </p:spPr>
+        <p:style>
+          <a:lnRef idx="2">
+            <a:schemeClr val="accent1">
+              <a:shade val="15000"/>
+            </a:schemeClr>
+          </a:lnRef>
+          <a:fillRef idx="1">
+            <a:schemeClr val="accent1"/>
+          </a:fillRef>
+          <a:effectRef idx="0">
+            <a:schemeClr val="accent1"/>
+          </a:effectRef>
+          <a:fontRef idx="minor">
+            <a:schemeClr val="lt1"/>
+          </a:fontRef>
+        </p:style>
+        <p:txBody>
+          <a:bodyPr rtlCol="0" anchor="ctr"/>
+          <a:lstStyle/>
+          <a:p>
+            <a:pPr algn="ctr"/>
+            <a:endParaRPr lang="es-419">
+              <a:latin typeface="Arial" panose="020B0604020202020204" pitchFamily="34" charset="0"/>
+              <a:cs typeface="Arial" panose="020B0604020202020204" pitchFamily="34" charset="0"/>
+            </a:endParaRPr>
+          </a:p>
+        </p:txBody>
+      </p:sp>
+      <p:sp>
+        <p:nvSpPr>
+          <p:cNvPr id="12" name="Rectangle: Rounded Corners 11">
+            <a:extLst>
+              <a:ext uri="{FF2B5EF4-FFF2-40B4-BE49-F238E27FC236}">
+                <a16:creationId xmlns:a16="http://schemas.microsoft.com/office/drawing/2014/main" id="{AC2B873D-C661-C3AC-0F9A-611168F5F459}"/>
+              </a:ext>
+            </a:extLst>
+          </p:cNvPr>
+          <p:cNvSpPr/>
+          <p:nvPr/>
+        </p:nvSpPr>
+        <p:spPr>
+          <a:xfrm>
+            <a:off x="3069125" y="2471596"/>
+            <a:ext cx="823865" cy="158437"/>
+          </a:xfrm>
+          <a:prstGeom prst="roundRect">
+            <a:avLst/>
+          </a:prstGeom>
+          <a:noFill/>
+        </p:spPr>
+        <p:style>
+          <a:lnRef idx="2">
+            <a:schemeClr val="accent1">
+              <a:shade val="15000"/>
+            </a:schemeClr>
+          </a:lnRef>
+          <a:fillRef idx="1">
+            <a:schemeClr val="accent1"/>
+          </a:fillRef>
+          <a:effectRef idx="0">
+            <a:schemeClr val="accent1"/>
+          </a:effectRef>
+          <a:fontRef idx="minor">
+            <a:schemeClr val="lt1"/>
+          </a:fontRef>
+        </p:style>
+        <p:txBody>
+          <a:bodyPr rtlCol="0" anchor="ctr"/>
+          <a:lstStyle/>
+          <a:p>
+            <a:pPr algn="ctr"/>
+            <a:r>
+              <a:rPr lang="es-419" sz="1200" dirty="0" err="1">
+                <a:solidFill>
+                  <a:schemeClr val="tx1"/>
+                </a:solidFill>
+                <a:latin typeface="Arial" panose="020B0604020202020204" pitchFamily="34" charset="0"/>
+                <a:cs typeface="Arial" panose="020B0604020202020204" pitchFamily="34" charset="0"/>
+              </a:rPr>
+              <a:t>Request</a:t>
+            </a:r>
+            <a:endParaRPr lang="es-419" sz="1200" dirty="0">
+              <a:solidFill>
+                <a:schemeClr val="tx1"/>
+              </a:solidFill>
+              <a:latin typeface="Arial" panose="020B0604020202020204" pitchFamily="34" charset="0"/>
+              <a:cs typeface="Arial" panose="020B0604020202020204" pitchFamily="34" charset="0"/>
+            </a:endParaRPr>
+          </a:p>
+        </p:txBody>
+      </p:sp>
+      <p:sp>
+        <p:nvSpPr>
+          <p:cNvPr id="13" name="Rectangle: Rounded Corners 12">
+            <a:extLst>
+              <a:ext uri="{FF2B5EF4-FFF2-40B4-BE49-F238E27FC236}">
+                <a16:creationId xmlns:a16="http://schemas.microsoft.com/office/drawing/2014/main" id="{EC096EB1-4BC9-832C-0BD6-B70B0CE87B3F}"/>
+              </a:ext>
+            </a:extLst>
+          </p:cNvPr>
+          <p:cNvSpPr/>
+          <p:nvPr/>
+        </p:nvSpPr>
+        <p:spPr>
+          <a:xfrm>
+            <a:off x="8650587" y="2471596"/>
+            <a:ext cx="823865" cy="158437"/>
+          </a:xfrm>
+          <a:prstGeom prst="roundRect">
+            <a:avLst/>
+          </a:prstGeom>
+          <a:noFill/>
+        </p:spPr>
+        <p:style>
+          <a:lnRef idx="2">
+            <a:schemeClr val="accent1">
+              <a:shade val="15000"/>
+            </a:schemeClr>
+          </a:lnRef>
+          <a:fillRef idx="1">
+            <a:schemeClr val="accent1"/>
+          </a:fillRef>
+          <a:effectRef idx="0">
+            <a:schemeClr val="accent1"/>
+          </a:effectRef>
+          <a:fontRef idx="minor">
+            <a:schemeClr val="lt1"/>
+          </a:fontRef>
+        </p:style>
+        <p:txBody>
+          <a:bodyPr rtlCol="0" anchor="ctr"/>
+          <a:lstStyle/>
+          <a:p>
+            <a:pPr algn="ctr"/>
+            <a:r>
+              <a:rPr lang="es-419" sz="1200" dirty="0" err="1">
+                <a:solidFill>
+                  <a:schemeClr val="tx1"/>
+                </a:solidFill>
+                <a:latin typeface="Arial" panose="020B0604020202020204" pitchFamily="34" charset="0"/>
+                <a:cs typeface="Arial" panose="020B0604020202020204" pitchFamily="34" charset="0"/>
+              </a:rPr>
+              <a:t>Request</a:t>
+            </a:r>
+            <a:endParaRPr lang="es-419" sz="1200" dirty="0">
+              <a:solidFill>
+                <a:schemeClr val="tx1"/>
+              </a:solidFill>
+              <a:latin typeface="Arial" panose="020B0604020202020204" pitchFamily="34" charset="0"/>
+              <a:cs typeface="Arial" panose="020B0604020202020204" pitchFamily="34" charset="0"/>
+            </a:endParaRPr>
+          </a:p>
+        </p:txBody>
+      </p:sp>
+      <p:cxnSp>
+        <p:nvCxnSpPr>
+          <p:cNvPr id="14" name="Connector: Curved 13">
+            <a:extLst>
+              <a:ext uri="{FF2B5EF4-FFF2-40B4-BE49-F238E27FC236}">
+                <a16:creationId xmlns:a16="http://schemas.microsoft.com/office/drawing/2014/main" id="{3F58603D-AE81-EA6B-F6DD-8991E3943807}"/>
+              </a:ext>
+            </a:extLst>
+          </p:cNvPr>
+          <p:cNvCxnSpPr/>
+          <p:nvPr/>
+        </p:nvCxnSpPr>
+        <p:spPr>
+          <a:xfrm rot="5400000" flipH="1" flipV="1">
+            <a:off x="5656667" y="-2668421"/>
+            <a:ext cx="583949" cy="8329014"/>
+          </a:xfrm>
+          <a:prstGeom prst="curvedConnector3">
+            <a:avLst>
+              <a:gd name="adj1" fmla="val 249225"/>
+            </a:avLst>
+          </a:prstGeom>
+          <a:ln>
+            <a:tailEnd type="triangle"/>
+          </a:ln>
+        </p:spPr>
+        <p:style>
+          <a:lnRef idx="1">
+            <a:schemeClr val="accent1"/>
+          </a:lnRef>
+          <a:fillRef idx="0">
+            <a:schemeClr val="accent1"/>
+          </a:fillRef>
+          <a:effectRef idx="0">
+            <a:schemeClr val="accent1"/>
+          </a:effectRef>
+          <a:fontRef idx="minor">
+            <a:schemeClr val="tx1"/>
+          </a:fontRef>
+        </p:style>
+      </p:cxnSp>
+      <p:sp>
+        <p:nvSpPr>
+          <p:cNvPr id="15" name="Rectangle: Rounded Corners 14">
+            <a:extLst>
+              <a:ext uri="{FF2B5EF4-FFF2-40B4-BE49-F238E27FC236}">
+                <a16:creationId xmlns:a16="http://schemas.microsoft.com/office/drawing/2014/main" id="{D8C678BC-0416-DE50-970E-AEAF2AE6F2CD}"/>
+              </a:ext>
+            </a:extLst>
+          </p:cNvPr>
+          <p:cNvSpPr/>
+          <p:nvPr/>
+        </p:nvSpPr>
+        <p:spPr>
+          <a:xfrm>
+            <a:off x="3069125" y="315536"/>
+            <a:ext cx="823865" cy="158437"/>
+          </a:xfrm>
+          <a:prstGeom prst="roundRect">
+            <a:avLst/>
+          </a:prstGeom>
+          <a:noFill/>
+        </p:spPr>
+        <p:style>
+          <a:lnRef idx="2">
+            <a:schemeClr val="accent1">
+              <a:shade val="15000"/>
+            </a:schemeClr>
+          </a:lnRef>
+          <a:fillRef idx="1">
+            <a:schemeClr val="accent1"/>
+          </a:fillRef>
+          <a:effectRef idx="0">
+            <a:schemeClr val="accent1"/>
+          </a:effectRef>
+          <a:fontRef idx="minor">
+            <a:schemeClr val="lt1"/>
+          </a:fontRef>
+        </p:style>
+        <p:txBody>
+          <a:bodyPr rtlCol="0" anchor="ctr"/>
+          <a:lstStyle/>
+          <a:p>
+            <a:pPr algn="ctr"/>
+            <a:r>
+              <a:rPr lang="es-419" sz="1200" dirty="0" err="1">
+                <a:solidFill>
+                  <a:schemeClr val="tx1"/>
+                </a:solidFill>
+                <a:latin typeface="Arial" panose="020B0604020202020204" pitchFamily="34" charset="0"/>
+                <a:cs typeface="Arial" panose="020B0604020202020204" pitchFamily="34" charset="0"/>
+              </a:rPr>
+              <a:t>Request</a:t>
+            </a:r>
+            <a:endParaRPr lang="es-419" sz="1200" dirty="0">
+              <a:solidFill>
+                <a:schemeClr val="tx1"/>
+              </a:solidFill>
+              <a:latin typeface="Arial" panose="020B0604020202020204" pitchFamily="34" charset="0"/>
+              <a:cs typeface="Arial" panose="020B0604020202020204" pitchFamily="34" charset="0"/>
+            </a:endParaRPr>
+          </a:p>
+        </p:txBody>
+      </p:sp>
+      <p:cxnSp>
+        <p:nvCxnSpPr>
+          <p:cNvPr id="16" name="Connector: Curved 15">
+            <a:extLst>
+              <a:ext uri="{FF2B5EF4-FFF2-40B4-BE49-F238E27FC236}">
+                <a16:creationId xmlns:a16="http://schemas.microsoft.com/office/drawing/2014/main" id="{0E12507B-4B64-8969-68F7-DD65E6ED1C39}"/>
+              </a:ext>
+            </a:extLst>
+          </p:cNvPr>
+          <p:cNvCxnSpPr/>
+          <p:nvPr/>
+        </p:nvCxnSpPr>
+        <p:spPr>
+          <a:xfrm rot="5400000" flipH="1">
+            <a:off x="5448224" y="-545171"/>
+            <a:ext cx="1127156" cy="8455336"/>
+          </a:xfrm>
+          <a:prstGeom prst="curvedConnector3">
+            <a:avLst>
+              <a:gd name="adj1" fmla="val -107831"/>
+            </a:avLst>
+          </a:prstGeom>
+          <a:ln>
+            <a:tailEnd type="triangle"/>
+          </a:ln>
+        </p:spPr>
+        <p:style>
+          <a:lnRef idx="1">
+            <a:schemeClr val="accent1"/>
+          </a:lnRef>
+          <a:fillRef idx="0">
+            <a:schemeClr val="accent1"/>
+          </a:fillRef>
+          <a:effectRef idx="0">
+            <a:schemeClr val="accent1"/>
+          </a:effectRef>
+          <a:fontRef idx="minor">
+            <a:schemeClr val="tx1"/>
+          </a:fontRef>
+        </p:style>
+      </p:cxnSp>
+      <p:sp>
+        <p:nvSpPr>
+          <p:cNvPr id="17" name="Rectangle: Rounded Corners 16">
+            <a:extLst>
+              <a:ext uri="{FF2B5EF4-FFF2-40B4-BE49-F238E27FC236}">
+                <a16:creationId xmlns:a16="http://schemas.microsoft.com/office/drawing/2014/main" id="{D4D25B57-F1F6-F59F-2E54-5980B2B6DA15}"/>
+              </a:ext>
+            </a:extLst>
+          </p:cNvPr>
+          <p:cNvSpPr/>
+          <p:nvPr/>
+        </p:nvSpPr>
+        <p:spPr>
+          <a:xfrm>
+            <a:off x="8999145" y="5150229"/>
+            <a:ext cx="1240325" cy="209422"/>
+          </a:xfrm>
+          <a:prstGeom prst="roundRect">
+            <a:avLst/>
+          </a:prstGeom>
+          <a:noFill/>
+        </p:spPr>
+        <p:style>
+          <a:lnRef idx="2">
+            <a:schemeClr val="accent1">
+              <a:shade val="15000"/>
+            </a:schemeClr>
+          </a:lnRef>
+          <a:fillRef idx="1">
+            <a:schemeClr val="accent1"/>
+          </a:fillRef>
+          <a:effectRef idx="0">
+            <a:schemeClr val="accent1"/>
+          </a:effectRef>
+          <a:fontRef idx="minor">
+            <a:schemeClr val="lt1"/>
+          </a:fontRef>
+        </p:style>
+        <p:txBody>
+          <a:bodyPr rtlCol="0" anchor="ctr"/>
+          <a:lstStyle/>
+          <a:p>
+            <a:pPr algn="ctr"/>
+            <a:r>
+              <a:rPr lang="es-419" sz="1200" dirty="0">
+                <a:solidFill>
+                  <a:schemeClr val="tx1"/>
+                </a:solidFill>
+                <a:latin typeface="Arial" panose="020B0604020202020204" pitchFamily="34" charset="0"/>
+                <a:cs typeface="Arial" panose="020B0604020202020204" pitchFamily="34" charset="0"/>
+              </a:rPr>
+              <a:t>Response</a:t>
+            </a:r>
+          </a:p>
+        </p:txBody>
+      </p:sp>
+      <p:sp>
+        <p:nvSpPr>
+          <p:cNvPr id="18" name="Rectangle 17">
+            <a:extLst>
+              <a:ext uri="{FF2B5EF4-FFF2-40B4-BE49-F238E27FC236}">
+                <a16:creationId xmlns:a16="http://schemas.microsoft.com/office/drawing/2014/main" id="{8F94CB22-8E58-1CAC-A2E6-10B3944B5B53}"/>
+              </a:ext>
+            </a:extLst>
+          </p:cNvPr>
+          <p:cNvSpPr/>
+          <p:nvPr/>
+        </p:nvSpPr>
+        <p:spPr>
+          <a:xfrm>
+            <a:off x="4960698" y="1204111"/>
+            <a:ext cx="506994" cy="2743200"/>
+          </a:xfrm>
+          <a:prstGeom prst="rect">
+            <a:avLst/>
+          </a:prstGeom>
+          <a:noFill/>
+        </p:spPr>
+        <p:style>
+          <a:lnRef idx="2">
+            <a:schemeClr val="accent1">
+              <a:shade val="15000"/>
+            </a:schemeClr>
+          </a:lnRef>
+          <a:fillRef idx="1">
+            <a:schemeClr val="accent1"/>
+          </a:fillRef>
+          <a:effectRef idx="0">
+            <a:schemeClr val="accent1"/>
+          </a:effectRef>
+          <a:fontRef idx="minor">
+            <a:schemeClr val="lt1"/>
+          </a:fontRef>
+        </p:style>
+        <p:txBody>
+          <a:bodyPr rtlCol="0" anchor="ctr"/>
+          <a:lstStyle/>
+          <a:p>
+            <a:pPr algn="ctr"/>
+            <a:endParaRPr lang="es-419"/>
+          </a:p>
+        </p:txBody>
+      </p:sp>
+      <p:sp>
+        <p:nvSpPr>
+          <p:cNvPr id="19" name="Rectangle 18">
+            <a:extLst>
+              <a:ext uri="{FF2B5EF4-FFF2-40B4-BE49-F238E27FC236}">
+                <a16:creationId xmlns:a16="http://schemas.microsoft.com/office/drawing/2014/main" id="{CCA79B25-EE9F-FFAC-45E2-B89624D606D5}"/>
+              </a:ext>
+            </a:extLst>
+          </p:cNvPr>
+          <p:cNvSpPr/>
+          <p:nvPr/>
+        </p:nvSpPr>
+        <p:spPr>
+          <a:xfrm>
+            <a:off x="5842503" y="1204111"/>
+            <a:ext cx="506994" cy="2743200"/>
+          </a:xfrm>
+          <a:prstGeom prst="rect">
+            <a:avLst/>
+          </a:prstGeom>
+          <a:noFill/>
+        </p:spPr>
+        <p:style>
+          <a:lnRef idx="2">
+            <a:schemeClr val="accent1">
+              <a:shade val="15000"/>
+            </a:schemeClr>
+          </a:lnRef>
+          <a:fillRef idx="1">
+            <a:schemeClr val="accent1"/>
+          </a:fillRef>
+          <a:effectRef idx="0">
+            <a:schemeClr val="accent1"/>
+          </a:effectRef>
+          <a:fontRef idx="minor">
+            <a:schemeClr val="lt1"/>
+          </a:fontRef>
+        </p:style>
+        <p:txBody>
+          <a:bodyPr rtlCol="0" anchor="ctr"/>
+          <a:lstStyle/>
+          <a:p>
+            <a:pPr algn="ctr"/>
+            <a:endParaRPr lang="es-419"/>
+          </a:p>
+        </p:txBody>
+      </p:sp>
+      <p:sp>
+        <p:nvSpPr>
+          <p:cNvPr id="20" name="Rectangle 19">
+            <a:extLst>
+              <a:ext uri="{FF2B5EF4-FFF2-40B4-BE49-F238E27FC236}">
+                <a16:creationId xmlns:a16="http://schemas.microsoft.com/office/drawing/2014/main" id="{D7317E83-9986-B49A-EB70-B9B0C5DD5616}"/>
+              </a:ext>
+            </a:extLst>
+          </p:cNvPr>
+          <p:cNvSpPr/>
+          <p:nvPr/>
+        </p:nvSpPr>
+        <p:spPr>
+          <a:xfrm>
+            <a:off x="6599977" y="1204111"/>
+            <a:ext cx="506994" cy="2743200"/>
+          </a:xfrm>
+          <a:prstGeom prst="rect">
+            <a:avLst/>
+          </a:prstGeom>
+          <a:noFill/>
+        </p:spPr>
+        <p:style>
+          <a:lnRef idx="2">
+            <a:schemeClr val="accent1">
+              <a:shade val="15000"/>
+            </a:schemeClr>
+          </a:lnRef>
+          <a:fillRef idx="1">
+            <a:schemeClr val="accent1"/>
+          </a:fillRef>
+          <a:effectRef idx="0">
+            <a:schemeClr val="accent1"/>
+          </a:effectRef>
+          <a:fontRef idx="minor">
+            <a:schemeClr val="lt1"/>
+          </a:fontRef>
+        </p:style>
+        <p:txBody>
+          <a:bodyPr rtlCol="0" anchor="ctr"/>
+          <a:lstStyle/>
+          <a:p>
+            <a:pPr algn="ctr"/>
+            <a:endParaRPr lang="es-419"/>
+          </a:p>
+        </p:txBody>
+      </p:sp>
+      <p:sp>
+        <p:nvSpPr>
+          <p:cNvPr id="21" name="Rectangle 20">
+            <a:extLst>
+              <a:ext uri="{FF2B5EF4-FFF2-40B4-BE49-F238E27FC236}">
+                <a16:creationId xmlns:a16="http://schemas.microsoft.com/office/drawing/2014/main" id="{DE080CD3-B2F7-F6B0-A2A0-E97289B9E06A}"/>
+              </a:ext>
+            </a:extLst>
+          </p:cNvPr>
+          <p:cNvSpPr/>
+          <p:nvPr/>
+        </p:nvSpPr>
+        <p:spPr>
+          <a:xfrm>
+            <a:off x="7315200" y="1204111"/>
+            <a:ext cx="506994" cy="2743200"/>
+          </a:xfrm>
+          <a:prstGeom prst="rect">
+            <a:avLst/>
+          </a:prstGeom>
+          <a:noFill/>
+        </p:spPr>
+        <p:style>
+          <a:lnRef idx="2">
+            <a:schemeClr val="accent1">
+              <a:shade val="15000"/>
+            </a:schemeClr>
+          </a:lnRef>
+          <a:fillRef idx="1">
+            <a:schemeClr val="accent1"/>
+          </a:fillRef>
+          <a:effectRef idx="0">
+            <a:schemeClr val="accent1"/>
+          </a:effectRef>
+          <a:fontRef idx="minor">
+            <a:schemeClr val="lt1"/>
+          </a:fontRef>
+        </p:style>
+        <p:txBody>
+          <a:bodyPr rtlCol="0" anchor="ctr"/>
+          <a:lstStyle/>
+          <a:p>
+            <a:pPr algn="ctr"/>
+            <a:endParaRPr lang="es-419"/>
+          </a:p>
+        </p:txBody>
+      </p:sp>
+      <p:sp>
+        <p:nvSpPr>
+          <p:cNvPr id="22" name="Rectangle 21">
+            <a:extLst>
+              <a:ext uri="{FF2B5EF4-FFF2-40B4-BE49-F238E27FC236}">
+                <a16:creationId xmlns:a16="http://schemas.microsoft.com/office/drawing/2014/main" id="{066C78BF-41DB-C001-FAAE-92399B637E3B}"/>
+              </a:ext>
+            </a:extLst>
+          </p:cNvPr>
+          <p:cNvSpPr/>
+          <p:nvPr/>
+        </p:nvSpPr>
+        <p:spPr>
+          <a:xfrm>
+            <a:off x="8093799" y="1204111"/>
+            <a:ext cx="506994" cy="2743200"/>
+          </a:xfrm>
+          <a:prstGeom prst="rect">
+            <a:avLst/>
+          </a:prstGeom>
+          <a:noFill/>
+        </p:spPr>
+        <p:style>
+          <a:lnRef idx="2">
+            <a:schemeClr val="accent1">
+              <a:shade val="15000"/>
+            </a:schemeClr>
+          </a:lnRef>
+          <a:fillRef idx="1">
+            <a:schemeClr val="accent1"/>
+          </a:fillRef>
+          <a:effectRef idx="0">
+            <a:schemeClr val="accent1"/>
+          </a:effectRef>
+          <a:fontRef idx="minor">
+            <a:schemeClr val="lt1"/>
+          </a:fontRef>
+        </p:style>
+        <p:txBody>
+          <a:bodyPr rtlCol="0" anchor="ctr"/>
+          <a:lstStyle/>
+          <a:p>
+            <a:pPr algn="ctr"/>
+            <a:endParaRPr lang="es-419"/>
+          </a:p>
+        </p:txBody>
+      </p:sp>
+      <p:sp>
+        <p:nvSpPr>
+          <p:cNvPr id="23" name="Rectangle 22">
+            <a:extLst>
+              <a:ext uri="{FF2B5EF4-FFF2-40B4-BE49-F238E27FC236}">
+                <a16:creationId xmlns:a16="http://schemas.microsoft.com/office/drawing/2014/main" id="{57117874-AB36-7E4A-3C4C-A334A1783F0C}"/>
+              </a:ext>
+            </a:extLst>
+          </p:cNvPr>
+          <p:cNvSpPr/>
+          <p:nvPr/>
+        </p:nvSpPr>
+        <p:spPr>
+          <a:xfrm>
+            <a:off x="4074059" y="1204111"/>
+            <a:ext cx="506994" cy="2743200"/>
+          </a:xfrm>
+          <a:prstGeom prst="rect">
+            <a:avLst/>
+          </a:prstGeom>
+          <a:noFill/>
+        </p:spPr>
+        <p:style>
+          <a:lnRef idx="2">
+            <a:schemeClr val="accent1">
+              <a:shade val="15000"/>
+            </a:schemeClr>
+          </a:lnRef>
+          <a:fillRef idx="1">
+            <a:schemeClr val="accent1"/>
+          </a:fillRef>
+          <a:effectRef idx="0">
+            <a:schemeClr val="accent1"/>
+          </a:effectRef>
+          <a:fontRef idx="minor">
+            <a:schemeClr val="lt1"/>
+          </a:fontRef>
+        </p:style>
+        <p:txBody>
+          <a:bodyPr rtlCol="0" anchor="ctr"/>
+          <a:lstStyle/>
+          <a:p>
+            <a:pPr algn="ctr"/>
+            <a:endParaRPr lang="es-419"/>
+          </a:p>
+        </p:txBody>
+      </p:sp>
+      <p:sp>
+        <p:nvSpPr>
+          <p:cNvPr id="24" name="TextBox 23">
+            <a:extLst>
+              <a:ext uri="{FF2B5EF4-FFF2-40B4-BE49-F238E27FC236}">
+                <a16:creationId xmlns:a16="http://schemas.microsoft.com/office/drawing/2014/main" id="{57C332C7-CB36-44C9-E56A-D6F95DB81839}"/>
+              </a:ext>
+            </a:extLst>
+          </p:cNvPr>
+          <p:cNvSpPr txBox="1"/>
+          <p:nvPr/>
+        </p:nvSpPr>
+        <p:spPr>
+          <a:xfrm>
+            <a:off x="4954410" y="4094956"/>
+            <a:ext cx="513282" cy="369332"/>
+          </a:xfrm>
+          <a:prstGeom prst="rect">
+            <a:avLst/>
+          </a:prstGeom>
+          <a:noFill/>
+        </p:spPr>
+        <p:txBody>
+          <a:bodyPr wrap="none" rtlCol="0">
+            <a:spAutoFit/>
+          </a:bodyPr>
+          <a:lstStyle/>
+          <a:p>
+            <a:r>
+              <a:rPr lang="es-419" dirty="0"/>
+              <a:t>Log</a:t>
+            </a:r>
+          </a:p>
+        </p:txBody>
+      </p:sp>
+      <p:sp>
+        <p:nvSpPr>
+          <p:cNvPr id="25" name="TextBox 24">
+            <a:extLst>
+              <a:ext uri="{FF2B5EF4-FFF2-40B4-BE49-F238E27FC236}">
+                <a16:creationId xmlns:a16="http://schemas.microsoft.com/office/drawing/2014/main" id="{F2BD97C4-ABD2-8D68-FD36-8D2A9C118085}"/>
+              </a:ext>
+            </a:extLst>
+          </p:cNvPr>
+          <p:cNvSpPr txBox="1"/>
+          <p:nvPr/>
+        </p:nvSpPr>
+        <p:spPr>
+          <a:xfrm>
+            <a:off x="5626159" y="4094956"/>
+            <a:ext cx="939681" cy="369332"/>
+          </a:xfrm>
+          <a:prstGeom prst="rect">
+            <a:avLst/>
+          </a:prstGeom>
+          <a:noFill/>
+        </p:spPr>
+        <p:txBody>
+          <a:bodyPr wrap="none" rtlCol="0">
+            <a:spAutoFit/>
+          </a:bodyPr>
+          <a:lstStyle/>
+          <a:p>
+            <a:r>
+              <a:rPr lang="es-419" dirty="0"/>
+              <a:t>Security</a:t>
+            </a:r>
+          </a:p>
+        </p:txBody>
+      </p:sp>
+      <p:sp>
+        <p:nvSpPr>
+          <p:cNvPr id="26" name="TextBox 25">
+            <a:extLst>
+              <a:ext uri="{FF2B5EF4-FFF2-40B4-BE49-F238E27FC236}">
+                <a16:creationId xmlns:a16="http://schemas.microsoft.com/office/drawing/2014/main" id="{ACD95052-1A1F-F64E-EB8E-B568F7D60243}"/>
+              </a:ext>
+            </a:extLst>
+          </p:cNvPr>
+          <p:cNvSpPr txBox="1"/>
+          <p:nvPr/>
+        </p:nvSpPr>
+        <p:spPr>
+          <a:xfrm>
+            <a:off x="3418431" y="4144628"/>
+            <a:ext cx="1311256" cy="369332"/>
+          </a:xfrm>
+          <a:prstGeom prst="rect">
+            <a:avLst/>
+          </a:prstGeom>
+          <a:noFill/>
+        </p:spPr>
+        <p:txBody>
+          <a:bodyPr wrap="none" rtlCol="0">
+            <a:spAutoFit/>
+          </a:bodyPr>
+          <a:lstStyle/>
+          <a:p>
+            <a:r>
+              <a:rPr lang="es-419" dirty="0"/>
+              <a:t>Middleware</a:t>
+            </a:r>
+          </a:p>
+        </p:txBody>
+      </p:sp>
+      <p:sp>
+        <p:nvSpPr>
+          <p:cNvPr id="27" name="TextBox 26">
+            <a:extLst>
+              <a:ext uri="{FF2B5EF4-FFF2-40B4-BE49-F238E27FC236}">
+                <a16:creationId xmlns:a16="http://schemas.microsoft.com/office/drawing/2014/main" id="{BCCF9F90-C478-B468-1C32-1C4B1F69F9FB}"/>
+              </a:ext>
+            </a:extLst>
+          </p:cNvPr>
+          <p:cNvSpPr txBox="1"/>
+          <p:nvPr/>
+        </p:nvSpPr>
+        <p:spPr>
+          <a:xfrm>
+            <a:off x="9666877" y="1858486"/>
+            <a:ext cx="1337610" cy="369332"/>
+          </a:xfrm>
+          <a:prstGeom prst="rect">
+            <a:avLst/>
+          </a:prstGeom>
+          <a:noFill/>
+        </p:spPr>
+        <p:txBody>
+          <a:bodyPr wrap="none" rtlCol="0">
+            <a:spAutoFit/>
+          </a:bodyPr>
+          <a:lstStyle/>
+          <a:p>
+            <a:r>
+              <a:rPr lang="es-419" dirty="0" err="1"/>
+              <a:t>Before</a:t>
+            </a:r>
+            <a:r>
+              <a:rPr lang="es-419" dirty="0"/>
+              <a:t> </a:t>
+            </a:r>
+            <a:r>
+              <a:rPr lang="es-419" dirty="0" err="1"/>
+              <a:t>Filter</a:t>
+            </a:r>
+            <a:endParaRPr lang="es-419" dirty="0"/>
+          </a:p>
+        </p:txBody>
+      </p:sp>
+      <p:sp>
+        <p:nvSpPr>
+          <p:cNvPr id="28" name="TextBox 27">
+            <a:extLst>
+              <a:ext uri="{FF2B5EF4-FFF2-40B4-BE49-F238E27FC236}">
+                <a16:creationId xmlns:a16="http://schemas.microsoft.com/office/drawing/2014/main" id="{5B309C89-FD37-3A28-A4A8-432B87360F7F}"/>
+              </a:ext>
+            </a:extLst>
+          </p:cNvPr>
+          <p:cNvSpPr txBox="1"/>
+          <p:nvPr/>
+        </p:nvSpPr>
+        <p:spPr>
+          <a:xfrm>
+            <a:off x="9713037" y="2924432"/>
+            <a:ext cx="1192762" cy="369332"/>
+          </a:xfrm>
+          <a:prstGeom prst="rect">
+            <a:avLst/>
+          </a:prstGeom>
+          <a:noFill/>
+        </p:spPr>
+        <p:txBody>
+          <a:bodyPr wrap="none" rtlCol="0">
+            <a:spAutoFit/>
+          </a:bodyPr>
+          <a:lstStyle/>
+          <a:p>
+            <a:r>
+              <a:rPr lang="es-419" dirty="0"/>
+              <a:t>After </a:t>
+            </a:r>
+            <a:r>
+              <a:rPr lang="es-419" dirty="0" err="1"/>
+              <a:t>Filter</a:t>
+            </a:r>
+            <a:endParaRPr lang="es-419" dirty="0"/>
+          </a:p>
+        </p:txBody>
+      </p:sp>
+      <p:sp>
+        <p:nvSpPr>
+          <p:cNvPr id="29" name="Arrow: Left-Right 28">
+            <a:extLst>
+              <a:ext uri="{FF2B5EF4-FFF2-40B4-BE49-F238E27FC236}">
+                <a16:creationId xmlns:a16="http://schemas.microsoft.com/office/drawing/2014/main" id="{8771811E-1489-E464-0485-F908F304A602}"/>
+              </a:ext>
+            </a:extLst>
+          </p:cNvPr>
+          <p:cNvSpPr/>
+          <p:nvPr/>
+        </p:nvSpPr>
+        <p:spPr>
+          <a:xfrm>
+            <a:off x="3057632" y="5944935"/>
+            <a:ext cx="6323845" cy="597529"/>
+          </a:xfrm>
+          <a:prstGeom prst="leftRightArrow">
+            <a:avLst/>
+          </a:prstGeom>
+          <a:noFill/>
+        </p:spPr>
+        <p:style>
+          <a:lnRef idx="2">
+            <a:schemeClr val="accent1">
+              <a:shade val="15000"/>
+            </a:schemeClr>
+          </a:lnRef>
+          <a:fillRef idx="1">
+            <a:schemeClr val="accent1"/>
+          </a:fillRef>
+          <a:effectRef idx="0">
+            <a:schemeClr val="accent1"/>
+          </a:effectRef>
+          <a:fontRef idx="minor">
+            <a:schemeClr val="lt1"/>
+          </a:fontRef>
+        </p:style>
+        <p:txBody>
+          <a:bodyPr rtlCol="0" anchor="ctr"/>
+          <a:lstStyle/>
+          <a:p>
+            <a:pPr algn="ctr"/>
+            <a:endParaRPr lang="es-419"/>
+          </a:p>
+        </p:txBody>
+      </p:sp>
+      <p:sp>
+        <p:nvSpPr>
+          <p:cNvPr id="30" name="TextBox 29">
+            <a:extLst>
+              <a:ext uri="{FF2B5EF4-FFF2-40B4-BE49-F238E27FC236}">
+                <a16:creationId xmlns:a16="http://schemas.microsoft.com/office/drawing/2014/main" id="{D7DF5A3B-48BC-8026-87DC-4C1131EF5E4F}"/>
+              </a:ext>
+            </a:extLst>
+          </p:cNvPr>
+          <p:cNvSpPr txBox="1"/>
+          <p:nvPr/>
+        </p:nvSpPr>
+        <p:spPr>
+          <a:xfrm>
+            <a:off x="9630008" y="5802139"/>
+            <a:ext cx="1382301" cy="923330"/>
+          </a:xfrm>
+          <a:prstGeom prst="rect">
+            <a:avLst/>
+          </a:prstGeom>
+          <a:noFill/>
+        </p:spPr>
+        <p:txBody>
+          <a:bodyPr wrap="none" rtlCol="0">
+            <a:spAutoFit/>
+          </a:bodyPr>
+          <a:lstStyle/>
+          <a:p>
+            <a:r>
+              <a:rPr lang="es-419" dirty="0" err="1"/>
+              <a:t>Websocket</a:t>
+            </a:r>
+            <a:endParaRPr lang="es-419" dirty="0"/>
+          </a:p>
+          <a:p>
+            <a:r>
+              <a:rPr lang="es-419" dirty="0"/>
+              <a:t>SSE</a:t>
+            </a:r>
+          </a:p>
+          <a:p>
+            <a:r>
+              <a:rPr lang="es-419" dirty="0"/>
+              <a:t>Long </a:t>
+            </a:r>
+            <a:r>
+              <a:rPr lang="es-419" dirty="0" err="1"/>
+              <a:t>Pooling</a:t>
+            </a:r>
+            <a:endParaRPr lang="es-419" dirty="0"/>
+          </a:p>
+        </p:txBody>
+      </p:sp>
+      <p:sp>
+        <p:nvSpPr>
+          <p:cNvPr id="31" name="Rectangle 30">
+            <a:extLst>
+              <a:ext uri="{FF2B5EF4-FFF2-40B4-BE49-F238E27FC236}">
+                <a16:creationId xmlns:a16="http://schemas.microsoft.com/office/drawing/2014/main" id="{F2896D55-E4DD-F2BE-A0B6-5645FDF115E1}"/>
+              </a:ext>
+            </a:extLst>
+          </p:cNvPr>
+          <p:cNvSpPr/>
+          <p:nvPr/>
+        </p:nvSpPr>
+        <p:spPr>
+          <a:xfrm>
+            <a:off x="9474452" y="5721790"/>
+            <a:ext cx="1616043" cy="1003679"/>
+          </a:xfrm>
+          <a:prstGeom prst="rect">
+            <a:avLst/>
+          </a:prstGeom>
+          <a:noFill/>
+        </p:spPr>
+        <p:style>
+          <a:lnRef idx="2">
+            <a:schemeClr val="accent1">
+              <a:shade val="15000"/>
+            </a:schemeClr>
+          </a:lnRef>
+          <a:fillRef idx="1">
+            <a:schemeClr val="accent1"/>
+          </a:fillRef>
+          <a:effectRef idx="0">
+            <a:schemeClr val="accent1"/>
+          </a:effectRef>
+          <a:fontRef idx="minor">
+            <a:schemeClr val="lt1"/>
+          </a:fontRef>
+        </p:style>
+        <p:txBody>
+          <a:bodyPr rtlCol="0" anchor="ctr"/>
+          <a:lstStyle/>
+          <a:p>
+            <a:pPr algn="ctr"/>
+            <a:endParaRPr lang="es-419"/>
+          </a:p>
+        </p:txBody>
+      </p:sp>
+      <p:sp>
+        <p:nvSpPr>
+          <p:cNvPr id="32" name="TextBox 31">
+            <a:extLst>
+              <a:ext uri="{FF2B5EF4-FFF2-40B4-BE49-F238E27FC236}">
+                <a16:creationId xmlns:a16="http://schemas.microsoft.com/office/drawing/2014/main" id="{F6E54169-299C-54A4-306A-D993FBB23C92}"/>
+              </a:ext>
+            </a:extLst>
+          </p:cNvPr>
+          <p:cNvSpPr txBox="1"/>
+          <p:nvPr/>
+        </p:nvSpPr>
+        <p:spPr>
+          <a:xfrm>
+            <a:off x="9381477" y="5413165"/>
+            <a:ext cx="862737" cy="369332"/>
+          </a:xfrm>
+          <a:prstGeom prst="rect">
+            <a:avLst/>
+          </a:prstGeom>
+          <a:noFill/>
+        </p:spPr>
+        <p:txBody>
+          <a:bodyPr wrap="none" rtlCol="0">
+            <a:spAutoFit/>
+          </a:bodyPr>
+          <a:lstStyle/>
+          <a:p>
+            <a:r>
+              <a:rPr lang="es-419" dirty="0" err="1"/>
+              <a:t>SignalR</a:t>
+            </a:r>
+            <a:endParaRPr lang="es-419" dirty="0"/>
+          </a:p>
+        </p:txBody>
+      </p:sp>
+      <p:sp>
+        <p:nvSpPr>
+          <p:cNvPr id="33" name="TextBox 32">
+            <a:extLst>
+              <a:ext uri="{FF2B5EF4-FFF2-40B4-BE49-F238E27FC236}">
+                <a16:creationId xmlns:a16="http://schemas.microsoft.com/office/drawing/2014/main" id="{80995B55-8D51-CCDF-F4AC-2C2D41955B66}"/>
+              </a:ext>
+            </a:extLst>
+          </p:cNvPr>
+          <p:cNvSpPr txBox="1"/>
+          <p:nvPr/>
+        </p:nvSpPr>
+        <p:spPr>
+          <a:xfrm>
+            <a:off x="10104235" y="227763"/>
+            <a:ext cx="1125821" cy="646331"/>
+          </a:xfrm>
+          <a:prstGeom prst="rect">
+            <a:avLst/>
+          </a:prstGeom>
+          <a:noFill/>
+        </p:spPr>
+        <p:txBody>
+          <a:bodyPr wrap="none" rtlCol="0">
+            <a:spAutoFit/>
+          </a:bodyPr>
+          <a:lstStyle/>
+          <a:p>
+            <a:r>
+              <a:rPr lang="es-419" dirty="0" err="1"/>
+              <a:t>Rate</a:t>
+            </a:r>
+            <a:r>
+              <a:rPr lang="es-419" dirty="0"/>
+              <a:t> </a:t>
+            </a:r>
+            <a:r>
+              <a:rPr lang="es-419" dirty="0" err="1"/>
+              <a:t>Limit</a:t>
+            </a:r>
+            <a:endParaRPr lang="es-419" dirty="0"/>
+          </a:p>
+          <a:p>
+            <a:r>
+              <a:rPr lang="es-419" dirty="0"/>
+              <a:t>1min &gt; 10</a:t>
+            </a:r>
+          </a:p>
+        </p:txBody>
+      </p:sp>
+    </p:spTree>
+    <p:extLst>
+      <p:ext uri="{BB962C8B-B14F-4D97-AF65-F5344CB8AC3E}">
+        <p14:creationId xmlns:p14="http://schemas.microsoft.com/office/powerpoint/2010/main" val="601410798"/>
       </p:ext>
     </p:extLst>
   </p:cSld>
